--- a/doc/PPT/软件工程项目介绍PPT_2.1.pptx
+++ b/doc/PPT/软件工程项目介绍PPT_2.1.pptx
@@ -11,18 +11,19 @@
     <p:sldId id="487" r:id="rId5"/>
     <p:sldId id="392" r:id="rId6"/>
     <p:sldId id="345" r:id="rId7"/>
-    <p:sldId id="715" r:id="rId8"/>
-    <p:sldId id="465" r:id="rId9"/>
-    <p:sldId id="711" r:id="rId10"/>
-    <p:sldId id="420" r:id="rId11"/>
-    <p:sldId id="349" r:id="rId12"/>
-    <p:sldId id="714" r:id="rId13"/>
-    <p:sldId id="716" r:id="rId14"/>
-    <p:sldId id="712" r:id="rId15"/>
-    <p:sldId id="645" r:id="rId16"/>
-    <p:sldId id="713" r:id="rId17"/>
-    <p:sldId id="648" r:id="rId18"/>
-    <p:sldId id="709" r:id="rId19"/>
+    <p:sldId id="465" r:id="rId8"/>
+    <p:sldId id="715" r:id="rId9"/>
+    <p:sldId id="717" r:id="rId10"/>
+    <p:sldId id="711" r:id="rId11"/>
+    <p:sldId id="420" r:id="rId12"/>
+    <p:sldId id="349" r:id="rId13"/>
+    <p:sldId id="714" r:id="rId14"/>
+    <p:sldId id="716" r:id="rId15"/>
+    <p:sldId id="712" r:id="rId16"/>
+    <p:sldId id="645" r:id="rId17"/>
+    <p:sldId id="713" r:id="rId18"/>
+    <p:sldId id="648" r:id="rId19"/>
+    <p:sldId id="709" r:id="rId20"/>
   </p:sldIdLst>
   <p:sldSz cx="12192000" cy="6858000"/>
   <p:notesSz cx="6858000" cy="9144000"/>
@@ -127,6 +128,395 @@
     </p:ext>
   </p:extLst>
 </p:presentation>
+</file>
+
+<file path=ppt/revisionInfo.xml><?xml version="1.0" encoding="utf-8"?>
+<p1510:revInfo xmlns:a="http://schemas.openxmlformats.org/drawingml/2006/main" xmlns:r="http://schemas.openxmlformats.org/officeDocument/2006/relationships" xmlns:p1510="http://schemas.microsoft.com/office/powerpoint/2015/10/main">
+  <p1510:revLst>
+    <p1510:client id="{A9148D38-8843-42B4-9A50-91738C75B8C1}" v="7" dt="2023-10-24T06:42:39.452"/>
+  </p1510:revLst>
+</p1510:revInfo>
+</file>
+
+<file path=ppt/changesInfos/changesInfo1.xml><?xml version="1.0" encoding="utf-8"?>
+<pc:chgInfo xmlns:a="http://schemas.openxmlformats.org/drawingml/2006/main" xmlns:r="http://schemas.openxmlformats.org/officeDocument/2006/relationships" xmlns:ac="http://schemas.microsoft.com/office/drawing/2013/main/command" xmlns:pc="http://schemas.microsoft.com/office/powerpoint/2013/main/command">
+  <pc:docChgLst>
+    <pc:chgData name="星榜 阮" userId="28304402c46bfd64" providerId="LiveId" clId="{A9148D38-8843-42B4-9A50-91738C75B8C1}"/>
+    <pc:docChg chg="undo custSel addSld modSld sldOrd">
+      <pc:chgData name="星榜 阮" userId="28304402c46bfd64" providerId="LiveId" clId="{A9148D38-8843-42B4-9A50-91738C75B8C1}" dt="2023-10-24T06:43:09.553" v="251" actId="113"/>
+      <pc:docMkLst>
+        <pc:docMk/>
+      </pc:docMkLst>
+      <pc:sldChg chg="modSp mod">
+        <pc:chgData name="星榜 阮" userId="28304402c46bfd64" providerId="LiveId" clId="{A9148D38-8843-42B4-9A50-91738C75B8C1}" dt="2023-10-24T06:37:08.337" v="50" actId="14100"/>
+        <pc:sldMkLst>
+          <pc:docMk/>
+          <pc:sldMk cId="2922451289" sldId="345"/>
+        </pc:sldMkLst>
+        <pc:spChg chg="mod">
+          <ac:chgData name="星榜 阮" userId="28304402c46bfd64" providerId="LiveId" clId="{A9148D38-8843-42B4-9A50-91738C75B8C1}" dt="2023-10-24T06:37:08.337" v="50" actId="14100"/>
+          <ac:spMkLst>
+            <pc:docMk/>
+            <pc:sldMk cId="2922451289" sldId="345"/>
+            <ac:spMk id="17" creationId="{370458B5-E8D8-394B-B644-93B680B0CB10}"/>
+          </ac:spMkLst>
+        </pc:spChg>
+      </pc:sldChg>
+      <pc:sldChg chg="modSp mod">
+        <pc:chgData name="星榜 阮" userId="28304402c46bfd64" providerId="LiveId" clId="{A9148D38-8843-42B4-9A50-91738C75B8C1}" dt="2023-10-24T06:37:03.816" v="48" actId="14100"/>
+        <pc:sldMkLst>
+          <pc:docMk/>
+          <pc:sldMk cId="1923409053" sldId="392"/>
+        </pc:sldMkLst>
+        <pc:spChg chg="mod">
+          <ac:chgData name="星榜 阮" userId="28304402c46bfd64" providerId="LiveId" clId="{A9148D38-8843-42B4-9A50-91738C75B8C1}" dt="2023-10-24T06:37:03.816" v="48" actId="14100"/>
+          <ac:spMkLst>
+            <pc:docMk/>
+            <pc:sldMk cId="1923409053" sldId="392"/>
+            <ac:spMk id="27" creationId="{99A5D02A-11CA-4B4E-84E4-380AF979CB44}"/>
+          </ac:spMkLst>
+        </pc:spChg>
+      </pc:sldChg>
+      <pc:sldChg chg="modSp mod">
+        <pc:chgData name="星榜 阮" userId="28304402c46bfd64" providerId="LiveId" clId="{A9148D38-8843-42B4-9A50-91738C75B8C1}" dt="2023-10-24T06:37:15.521" v="52" actId="14100"/>
+        <pc:sldMkLst>
+          <pc:docMk/>
+          <pc:sldMk cId="2331531311" sldId="465"/>
+        </pc:sldMkLst>
+        <pc:spChg chg="mod">
+          <ac:chgData name="星榜 阮" userId="28304402c46bfd64" providerId="LiveId" clId="{A9148D38-8843-42B4-9A50-91738C75B8C1}" dt="2023-10-24T06:37:15.521" v="52" actId="14100"/>
+          <ac:spMkLst>
+            <pc:docMk/>
+            <pc:sldMk cId="2331531311" sldId="465"/>
+            <ac:spMk id="30" creationId="{B299A241-00DC-114A-BFB4-7A8A5EC653E0}"/>
+          </ac:spMkLst>
+        </pc:spChg>
+      </pc:sldChg>
+      <pc:sldChg chg="modSp mod">
+        <pc:chgData name="星榜 阮" userId="28304402c46bfd64" providerId="LiveId" clId="{A9148D38-8843-42B4-9A50-91738C75B8C1}" dt="2023-10-24T06:36:57.956" v="46" actId="14100"/>
+        <pc:sldMkLst>
+          <pc:docMk/>
+          <pc:sldMk cId="107526752" sldId="487"/>
+        </pc:sldMkLst>
+        <pc:spChg chg="mod">
+          <ac:chgData name="星榜 阮" userId="28304402c46bfd64" providerId="LiveId" clId="{A9148D38-8843-42B4-9A50-91738C75B8C1}" dt="2023-10-24T06:36:57.956" v="46" actId="14100"/>
+          <ac:spMkLst>
+            <pc:docMk/>
+            <pc:sldMk cId="107526752" sldId="487"/>
+            <ac:spMk id="20" creationId="{3D56D4F8-4F93-C141-952B-16255007E0D2}"/>
+          </ac:spMkLst>
+        </pc:spChg>
+      </pc:sldChg>
+      <pc:sldChg chg="modSp mod">
+        <pc:chgData name="星榜 阮" userId="28304402c46bfd64" providerId="LiveId" clId="{A9148D38-8843-42B4-9A50-91738C75B8C1}" dt="2023-10-24T06:43:09.553" v="251" actId="113"/>
+        <pc:sldMkLst>
+          <pc:docMk/>
+          <pc:sldMk cId="1110252315" sldId="648"/>
+        </pc:sldMkLst>
+        <pc:spChg chg="mod">
+          <ac:chgData name="星榜 阮" userId="28304402c46bfd64" providerId="LiveId" clId="{A9148D38-8843-42B4-9A50-91738C75B8C1}" dt="2023-10-24T06:42:57.290" v="247" actId="255"/>
+          <ac:spMkLst>
+            <pc:docMk/>
+            <pc:sldMk cId="1110252315" sldId="648"/>
+            <ac:spMk id="4" creationId="{DE334D27-9141-4381-B210-2250A9ABA681}"/>
+          </ac:spMkLst>
+        </pc:spChg>
+        <pc:spChg chg="mod">
+          <ac:chgData name="星榜 阮" userId="28304402c46bfd64" providerId="LiveId" clId="{A9148D38-8843-42B4-9A50-91738C75B8C1}" dt="2023-10-24T06:42:39.452" v="244" actId="1076"/>
+          <ac:spMkLst>
+            <pc:docMk/>
+            <pc:sldMk cId="1110252315" sldId="648"/>
+            <ac:spMk id="6" creationId="{64AC25E7-BB1D-443B-A29A-9B6D736BB4F9}"/>
+          </ac:spMkLst>
+        </pc:spChg>
+        <pc:spChg chg="mod">
+          <ac:chgData name="星榜 阮" userId="28304402c46bfd64" providerId="LiveId" clId="{A9148D38-8843-42B4-9A50-91738C75B8C1}" dt="2023-10-24T06:43:09.553" v="251" actId="113"/>
+          <ac:spMkLst>
+            <pc:docMk/>
+            <pc:sldMk cId="1110252315" sldId="648"/>
+            <ac:spMk id="7" creationId="{0A3A743B-417A-4C58-A544-86099212F60F}"/>
+          </ac:spMkLst>
+        </pc:spChg>
+      </pc:sldChg>
+      <pc:sldChg chg="modSp mod">
+        <pc:chgData name="星榜 阮" userId="28304402c46bfd64" providerId="LiveId" clId="{A9148D38-8843-42B4-9A50-91738C75B8C1}" dt="2023-10-24T06:35:54.422" v="41"/>
+        <pc:sldMkLst>
+          <pc:docMk/>
+          <pc:sldMk cId="2299245397" sldId="708"/>
+        </pc:sldMkLst>
+        <pc:spChg chg="mod">
+          <ac:chgData name="星榜 阮" userId="28304402c46bfd64" providerId="LiveId" clId="{A9148D38-8843-42B4-9A50-91738C75B8C1}" dt="2023-10-24T06:34:39.634" v="8" actId="20577"/>
+          <ac:spMkLst>
+            <pc:docMk/>
+            <pc:sldMk cId="2299245397" sldId="708"/>
+            <ac:spMk id="4" creationId="{7301F0CD-5F13-8F47-9860-B47D074E416F}"/>
+          </ac:spMkLst>
+        </pc:spChg>
+        <pc:spChg chg="mod">
+          <ac:chgData name="星榜 阮" userId="28304402c46bfd64" providerId="LiveId" clId="{A9148D38-8843-42B4-9A50-91738C75B8C1}" dt="2023-10-24T06:35:42.575" v="40"/>
+          <ac:spMkLst>
+            <pc:docMk/>
+            <pc:sldMk cId="2299245397" sldId="708"/>
+            <ac:spMk id="5" creationId="{5EF4BF34-9C65-9549-B438-6C6C348D79BE}"/>
+          </ac:spMkLst>
+        </pc:spChg>
+        <pc:spChg chg="mod">
+          <ac:chgData name="星榜 阮" userId="28304402c46bfd64" providerId="LiveId" clId="{A9148D38-8843-42B4-9A50-91738C75B8C1}" dt="2023-10-24T06:35:06.288" v="36" actId="20577"/>
+          <ac:spMkLst>
+            <pc:docMk/>
+            <pc:sldMk cId="2299245397" sldId="708"/>
+            <ac:spMk id="23" creationId="{679FF513-95A4-EAFC-6869-8AD031633E1E}"/>
+          </ac:spMkLst>
+        </pc:spChg>
+        <pc:spChg chg="mod">
+          <ac:chgData name="星榜 阮" userId="28304402c46bfd64" providerId="LiveId" clId="{A9148D38-8843-42B4-9A50-91738C75B8C1}" dt="2023-10-24T06:35:54.422" v="41"/>
+          <ac:spMkLst>
+            <pc:docMk/>
+            <pc:sldMk cId="2299245397" sldId="708"/>
+            <ac:spMk id="24" creationId="{0FF2EF39-FA89-8A9A-55F6-592D6051026C}"/>
+          </ac:spMkLst>
+        </pc:spChg>
+        <pc:grpChg chg="mod">
+          <ac:chgData name="星榜 阮" userId="28304402c46bfd64" providerId="LiveId" clId="{A9148D38-8843-42B4-9A50-91738C75B8C1}" dt="2023-10-24T06:34:48.993" v="11" actId="1076"/>
+          <ac:grpSpMkLst>
+            <pc:docMk/>
+            <pc:sldMk cId="2299245397" sldId="708"/>
+            <ac:grpSpMk id="3" creationId="{EB58BBF8-5CB0-B049-839D-F92368A4437A}"/>
+          </ac:grpSpMkLst>
+        </pc:grpChg>
+        <pc:grpChg chg="mod">
+          <ac:chgData name="星榜 阮" userId="28304402c46bfd64" providerId="LiveId" clId="{A9148D38-8843-42B4-9A50-91738C75B8C1}" dt="2023-10-24T06:34:43.923" v="10" actId="1076"/>
+          <ac:grpSpMkLst>
+            <pc:docMk/>
+            <pc:sldMk cId="2299245397" sldId="708"/>
+            <ac:grpSpMk id="15" creationId="{EDA3570D-03F3-654D-A623-B900BBE160D2}"/>
+          </ac:grpSpMkLst>
+        </pc:grpChg>
+        <pc:grpChg chg="mod">
+          <ac:chgData name="星榜 阮" userId="28304402c46bfd64" providerId="LiveId" clId="{A9148D38-8843-42B4-9A50-91738C75B8C1}" dt="2023-10-24T06:34:53.702" v="12" actId="1076"/>
+          <ac:grpSpMkLst>
+            <pc:docMk/>
+            <pc:sldMk cId="2299245397" sldId="708"/>
+            <ac:grpSpMk id="22" creationId="{B91B6F43-3EB8-D072-4970-874F481A67CC}"/>
+          </ac:grpSpMkLst>
+        </pc:grpChg>
+      </pc:sldChg>
+      <pc:sldChg chg="modSp">
+        <pc:chgData name="星榜 阮" userId="28304402c46bfd64" providerId="LiveId" clId="{A9148D38-8843-42B4-9A50-91738C75B8C1}" dt="2023-10-24T06:35:19.835" v="39" actId="20577"/>
+        <pc:sldMkLst>
+          <pc:docMk/>
+          <pc:sldMk cId="2575207460" sldId="710"/>
+        </pc:sldMkLst>
+        <pc:spChg chg="mod">
+          <ac:chgData name="星榜 阮" userId="28304402c46bfd64" providerId="LiveId" clId="{A9148D38-8843-42B4-9A50-91738C75B8C1}" dt="2023-10-24T06:35:19.835" v="39" actId="20577"/>
+          <ac:spMkLst>
+            <pc:docMk/>
+            <pc:sldMk cId="2575207460" sldId="710"/>
+            <ac:spMk id="7" creationId="{98D63829-BEBB-6B47-B614-A6AFA52AF5F8}"/>
+          </ac:spMkLst>
+        </pc:spChg>
+      </pc:sldChg>
+      <pc:sldChg chg="modSp ord">
+        <pc:chgData name="星榜 阮" userId="28304402c46bfd64" providerId="LiveId" clId="{A9148D38-8843-42B4-9A50-91738C75B8C1}" dt="2023-10-24T06:36:08.165" v="42"/>
+        <pc:sldMkLst>
+          <pc:docMk/>
+          <pc:sldMk cId="3940103768" sldId="715"/>
+        </pc:sldMkLst>
+        <pc:spChg chg="mod">
+          <ac:chgData name="星榜 阮" userId="28304402c46bfd64" providerId="LiveId" clId="{A9148D38-8843-42B4-9A50-91738C75B8C1}" dt="2023-10-24T06:36:08.165" v="42"/>
+          <ac:spMkLst>
+            <pc:docMk/>
+            <pc:sldMk cId="3940103768" sldId="715"/>
+            <ac:spMk id="7" creationId="{98D63829-BEBB-6B47-B614-A6AFA52AF5F8}"/>
+          </ac:spMkLst>
+        </pc:spChg>
+      </pc:sldChg>
+      <pc:sldChg chg="addSp delSp modSp add mod delAnim">
+        <pc:chgData name="星榜 阮" userId="28304402c46bfd64" providerId="LiveId" clId="{A9148D38-8843-42B4-9A50-91738C75B8C1}" dt="2023-10-24T06:40:38.119" v="100" actId="113"/>
+        <pc:sldMkLst>
+          <pc:docMk/>
+          <pc:sldMk cId="2471085517" sldId="717"/>
+        </pc:sldMkLst>
+        <pc:spChg chg="del">
+          <ac:chgData name="星榜 阮" userId="28304402c46bfd64" providerId="LiveId" clId="{A9148D38-8843-42B4-9A50-91738C75B8C1}" dt="2023-10-24T06:36:41.975" v="44" actId="478"/>
+          <ac:spMkLst>
+            <pc:docMk/>
+            <pc:sldMk cId="2471085517" sldId="717"/>
+            <ac:spMk id="2" creationId="{141B3683-6E35-48D5-B438-CC1070147A7A}"/>
+          </ac:spMkLst>
+        </pc:spChg>
+        <pc:spChg chg="del">
+          <ac:chgData name="星榜 阮" userId="28304402c46bfd64" providerId="LiveId" clId="{A9148D38-8843-42B4-9A50-91738C75B8C1}" dt="2023-10-24T06:36:41.975" v="44" actId="478"/>
+          <ac:spMkLst>
+            <pc:docMk/>
+            <pc:sldMk cId="2471085517" sldId="717"/>
+            <ac:spMk id="3" creationId="{F23FDA4A-161C-4756-81E3-A438ECBC32AA}"/>
+          </ac:spMkLst>
+        </pc:spChg>
+        <pc:spChg chg="del">
+          <ac:chgData name="星榜 阮" userId="28304402c46bfd64" providerId="LiveId" clId="{A9148D38-8843-42B4-9A50-91738C75B8C1}" dt="2023-10-24T06:36:41.975" v="44" actId="478"/>
+          <ac:spMkLst>
+            <pc:docMk/>
+            <pc:sldMk cId="2471085517" sldId="717"/>
+            <ac:spMk id="4" creationId="{74282598-7490-4B7C-A6FF-E4746CB04C3F}"/>
+          </ac:spMkLst>
+        </pc:spChg>
+        <pc:spChg chg="del">
+          <ac:chgData name="星榜 阮" userId="28304402c46bfd64" providerId="LiveId" clId="{A9148D38-8843-42B4-9A50-91738C75B8C1}" dt="2023-10-24T06:36:41.975" v="44" actId="478"/>
+          <ac:spMkLst>
+            <pc:docMk/>
+            <pc:sldMk cId="2471085517" sldId="717"/>
+            <ac:spMk id="5" creationId="{CA98CED2-F067-430E-971A-E8478B38A1CA}"/>
+          </ac:spMkLst>
+        </pc:spChg>
+        <pc:spChg chg="del">
+          <ac:chgData name="星榜 阮" userId="28304402c46bfd64" providerId="LiveId" clId="{A9148D38-8843-42B4-9A50-91738C75B8C1}" dt="2023-10-24T06:36:41.975" v="44" actId="478"/>
+          <ac:spMkLst>
+            <pc:docMk/>
+            <pc:sldMk cId="2471085517" sldId="717"/>
+            <ac:spMk id="6" creationId="{8A4D7BC2-A3A7-4B7A-BE30-89B4DCD89D83}"/>
+          </ac:spMkLst>
+        </pc:spChg>
+        <pc:spChg chg="del">
+          <ac:chgData name="星榜 阮" userId="28304402c46bfd64" providerId="LiveId" clId="{A9148D38-8843-42B4-9A50-91738C75B8C1}" dt="2023-10-24T06:36:41.975" v="44" actId="478"/>
+          <ac:spMkLst>
+            <pc:docMk/>
+            <pc:sldMk cId="2471085517" sldId="717"/>
+            <ac:spMk id="7" creationId="{53B9F526-F5FE-4D89-B355-3E8F961F2D57}"/>
+          </ac:spMkLst>
+        </pc:spChg>
+        <pc:spChg chg="del">
+          <ac:chgData name="星榜 阮" userId="28304402c46bfd64" providerId="LiveId" clId="{A9148D38-8843-42B4-9A50-91738C75B8C1}" dt="2023-10-24T06:36:41.975" v="44" actId="478"/>
+          <ac:spMkLst>
+            <pc:docMk/>
+            <pc:sldMk cId="2471085517" sldId="717"/>
+            <ac:spMk id="8" creationId="{AF310C2D-F1D5-43BE-91FD-20E37D31F709}"/>
+          </ac:spMkLst>
+        </pc:spChg>
+        <pc:spChg chg="del">
+          <ac:chgData name="星榜 阮" userId="28304402c46bfd64" providerId="LiveId" clId="{A9148D38-8843-42B4-9A50-91738C75B8C1}" dt="2023-10-24T06:36:41.975" v="44" actId="478"/>
+          <ac:spMkLst>
+            <pc:docMk/>
+            <pc:sldMk cId="2471085517" sldId="717"/>
+            <ac:spMk id="9" creationId="{B13328EE-5DA5-44F3-9536-D1E7D279EBF8}"/>
+          </ac:spMkLst>
+        </pc:spChg>
+        <pc:spChg chg="del">
+          <ac:chgData name="星榜 阮" userId="28304402c46bfd64" providerId="LiveId" clId="{A9148D38-8843-42B4-9A50-91738C75B8C1}" dt="2023-10-24T06:36:41.975" v="44" actId="478"/>
+          <ac:spMkLst>
+            <pc:docMk/>
+            <pc:sldMk cId="2471085517" sldId="717"/>
+            <ac:spMk id="10" creationId="{64E56A6B-3B5B-4BEC-82A7-EA0BC96A2F32}"/>
+          </ac:spMkLst>
+        </pc:spChg>
+        <pc:spChg chg="del">
+          <ac:chgData name="星榜 阮" userId="28304402c46bfd64" providerId="LiveId" clId="{A9148D38-8843-42B4-9A50-91738C75B8C1}" dt="2023-10-24T06:36:41.975" v="44" actId="478"/>
+          <ac:spMkLst>
+            <pc:docMk/>
+            <pc:sldMk cId="2471085517" sldId="717"/>
+            <ac:spMk id="11" creationId="{51EECC3B-7395-4C8E-A6B8-C5E8393D5CA7}"/>
+          </ac:spMkLst>
+        </pc:spChg>
+        <pc:spChg chg="add mod">
+          <ac:chgData name="星榜 阮" userId="28304402c46bfd64" providerId="LiveId" clId="{A9148D38-8843-42B4-9A50-91738C75B8C1}" dt="2023-10-24T06:40:38.119" v="100" actId="113"/>
+          <ac:spMkLst>
+            <pc:docMk/>
+            <pc:sldMk cId="2471085517" sldId="717"/>
+            <ac:spMk id="12" creationId="{BA536282-CC98-E202-8B44-6C6E8D71F866}"/>
+          </ac:spMkLst>
+        </pc:spChg>
+        <pc:spChg chg="mod">
+          <ac:chgData name="星榜 阮" userId="28304402c46bfd64" providerId="LiveId" clId="{A9148D38-8843-42B4-9A50-91738C75B8C1}" dt="2023-10-24T06:37:27.811" v="56" actId="14100"/>
+          <ac:spMkLst>
+            <pc:docMk/>
+            <pc:sldMk cId="2471085517" sldId="717"/>
+            <ac:spMk id="25" creationId="{CB620D30-E70B-134D-B16B-1D9C2C66EC38}"/>
+          </ac:spMkLst>
+        </pc:spChg>
+        <pc:spChg chg="del">
+          <ac:chgData name="星榜 阮" userId="28304402c46bfd64" providerId="LiveId" clId="{A9148D38-8843-42B4-9A50-91738C75B8C1}" dt="2023-10-24T06:36:41.975" v="44" actId="478"/>
+          <ac:spMkLst>
+            <pc:docMk/>
+            <pc:sldMk cId="2471085517" sldId="717"/>
+            <ac:spMk id="27" creationId="{35689F02-8D6C-437A-B378-F7EAD4B317F3}"/>
+          </ac:spMkLst>
+        </pc:spChg>
+        <pc:spChg chg="del">
+          <ac:chgData name="星榜 阮" userId="28304402c46bfd64" providerId="LiveId" clId="{A9148D38-8843-42B4-9A50-91738C75B8C1}" dt="2023-10-24T06:36:41.975" v="44" actId="478"/>
+          <ac:spMkLst>
+            <pc:docMk/>
+            <pc:sldMk cId="2471085517" sldId="717"/>
+            <ac:spMk id="28" creationId="{6C237DF0-5E67-49F8-88BF-F2695EC4F903}"/>
+          </ac:spMkLst>
+        </pc:spChg>
+        <pc:spChg chg="del">
+          <ac:chgData name="星榜 阮" userId="28304402c46bfd64" providerId="LiveId" clId="{A9148D38-8843-42B4-9A50-91738C75B8C1}" dt="2023-10-24T06:36:41.975" v="44" actId="478"/>
+          <ac:spMkLst>
+            <pc:docMk/>
+            <pc:sldMk cId="2471085517" sldId="717"/>
+            <ac:spMk id="29" creationId="{5937BBA7-249C-4DED-9447-CE96E3A775AB}"/>
+          </ac:spMkLst>
+        </pc:spChg>
+        <pc:spChg chg="del">
+          <ac:chgData name="星榜 阮" userId="28304402c46bfd64" providerId="LiveId" clId="{A9148D38-8843-42B4-9A50-91738C75B8C1}" dt="2023-10-24T06:36:41.975" v="44" actId="478"/>
+          <ac:spMkLst>
+            <pc:docMk/>
+            <pc:sldMk cId="2471085517" sldId="717"/>
+            <ac:spMk id="30" creationId="{3D06CB16-8CA9-4AD9-89DC-C28BC0E435A1}"/>
+          </ac:spMkLst>
+        </pc:spChg>
+        <pc:spChg chg="del">
+          <ac:chgData name="星榜 阮" userId="28304402c46bfd64" providerId="LiveId" clId="{A9148D38-8843-42B4-9A50-91738C75B8C1}" dt="2023-10-24T06:36:41.975" v="44" actId="478"/>
+          <ac:spMkLst>
+            <pc:docMk/>
+            <pc:sldMk cId="2471085517" sldId="717"/>
+            <ac:spMk id="31" creationId="{BDB955AB-9496-418D-BC1D-123C21A06573}"/>
+          </ac:spMkLst>
+        </pc:spChg>
+        <pc:spChg chg="del">
+          <ac:chgData name="星榜 阮" userId="28304402c46bfd64" providerId="LiveId" clId="{A9148D38-8843-42B4-9A50-91738C75B8C1}" dt="2023-10-24T06:36:41.975" v="44" actId="478"/>
+          <ac:spMkLst>
+            <pc:docMk/>
+            <pc:sldMk cId="2471085517" sldId="717"/>
+            <ac:spMk id="32" creationId="{D852F5C3-A71F-4907-AEE3-00AB0BCCC050}"/>
+          </ac:spMkLst>
+        </pc:spChg>
+        <pc:spChg chg="del">
+          <ac:chgData name="星榜 阮" userId="28304402c46bfd64" providerId="LiveId" clId="{A9148D38-8843-42B4-9A50-91738C75B8C1}" dt="2023-10-24T06:36:41.975" v="44" actId="478"/>
+          <ac:spMkLst>
+            <pc:docMk/>
+            <pc:sldMk cId="2471085517" sldId="717"/>
+            <ac:spMk id="33" creationId="{6940D056-C4BE-4CE6-B80D-A4868DEB6FCC}"/>
+          </ac:spMkLst>
+        </pc:spChg>
+        <pc:spChg chg="del">
+          <ac:chgData name="星榜 阮" userId="28304402c46bfd64" providerId="LiveId" clId="{A9148D38-8843-42B4-9A50-91738C75B8C1}" dt="2023-10-24T06:36:41.975" v="44" actId="478"/>
+          <ac:spMkLst>
+            <pc:docMk/>
+            <pc:sldMk cId="2471085517" sldId="717"/>
+            <ac:spMk id="34" creationId="{FEA1CEBB-453B-4F10-9A2D-75CB22080A28}"/>
+          </ac:spMkLst>
+        </pc:spChg>
+        <pc:spChg chg="del">
+          <ac:chgData name="星榜 阮" userId="28304402c46bfd64" providerId="LiveId" clId="{A9148D38-8843-42B4-9A50-91738C75B8C1}" dt="2023-10-24T06:36:41.975" v="44" actId="478"/>
+          <ac:spMkLst>
+            <pc:docMk/>
+            <pc:sldMk cId="2471085517" sldId="717"/>
+            <ac:spMk id="35" creationId="{4026B712-28BD-4954-BD1F-F807C21EF51A}"/>
+          </ac:spMkLst>
+        </pc:spChg>
+        <pc:spChg chg="del">
+          <ac:chgData name="星榜 阮" userId="28304402c46bfd64" providerId="LiveId" clId="{A9148D38-8843-42B4-9A50-91738C75B8C1}" dt="2023-10-24T06:36:41.975" v="44" actId="478"/>
+          <ac:spMkLst>
+            <pc:docMk/>
+            <pc:sldMk cId="2471085517" sldId="717"/>
+            <ac:spMk id="36" creationId="{288D8FA1-1486-4DAC-B118-73E14FE23059}"/>
+          </ac:spMkLst>
+        </pc:spChg>
+      </pc:sldChg>
+    </pc:docChg>
+  </pc:docChgLst>
+</pc:chgInfo>
 </file>
 
 <file path=ppt/slideLayouts/slideLayout1.xml><?xml version="1.0" encoding="utf-8"?>
@@ -4357,6 +4747,1159 @@
           <a:chExt cx="0" cy="0"/>
         </a:xfrm>
       </p:grpSpPr>
+      <p:grpSp>
+        <p:nvGrpSpPr>
+          <p:cNvPr id="2" name="组合 1">
+            <a:extLst>
+              <a:ext uri="{FF2B5EF4-FFF2-40B4-BE49-F238E27FC236}">
+                <a16:creationId xmlns:a16="http://schemas.microsoft.com/office/drawing/2014/main" id="{8A8C0487-8EAF-184D-BFA6-E5BDE537AF32}"/>
+              </a:ext>
+            </a:extLst>
+          </p:cNvPr>
+          <p:cNvGrpSpPr/>
+          <p:nvPr/>
+        </p:nvGrpSpPr>
+        <p:grpSpPr>
+          <a:xfrm>
+            <a:off x="0" y="1129665"/>
+            <a:ext cx="12190730" cy="4632960"/>
+            <a:chOff x="0" y="1752"/>
+            <a:chExt cx="19198" cy="7296"/>
+          </a:xfrm>
+          <a:effectLst>
+            <a:outerShdw blurRad="469900" sx="102000" sy="102000" algn="ctr" rotWithShape="0">
+              <a:prstClr val="black">
+                <a:alpha val="29000"/>
+              </a:prstClr>
+            </a:outerShdw>
+          </a:effectLst>
+        </p:grpSpPr>
+        <p:sp>
+          <p:nvSpPr>
+            <p:cNvPr id="3" name="矩形 2">
+              <a:extLst>
+                <a:ext uri="{FF2B5EF4-FFF2-40B4-BE49-F238E27FC236}">
+                  <a16:creationId xmlns:a16="http://schemas.microsoft.com/office/drawing/2014/main" id="{2BBF41A7-C36F-BE4C-BF5F-DDE590B93671}"/>
+                </a:ext>
+              </a:extLst>
+            </p:cNvPr>
+            <p:cNvSpPr/>
+            <p:nvPr/>
+          </p:nvSpPr>
+          <p:spPr>
+            <a:xfrm>
+              <a:off x="3350" y="1752"/>
+              <a:ext cx="12490" cy="7296"/>
+            </a:xfrm>
+            <a:prstGeom prst="rect">
+              <a:avLst/>
+            </a:prstGeom>
+            <a:solidFill>
+              <a:schemeClr val="accent2"/>
+            </a:solidFill>
+            <a:ln>
+              <a:noFill/>
+            </a:ln>
+          </p:spPr>
+          <p:style>
+            <a:lnRef idx="2">
+              <a:schemeClr val="accent1">
+                <a:shade val="50000"/>
+              </a:schemeClr>
+            </a:lnRef>
+            <a:fillRef idx="1">
+              <a:schemeClr val="accent1"/>
+            </a:fillRef>
+            <a:effectRef idx="0">
+              <a:schemeClr val="accent1"/>
+            </a:effectRef>
+            <a:fontRef idx="minor">
+              <a:schemeClr val="lt1"/>
+            </a:fontRef>
+          </p:style>
+          <p:txBody>
+            <a:bodyPr rtlCol="0" anchor="ctr"/>
+            <a:lstStyle/>
+            <a:p>
+              <a:pPr algn="ctr"/>
+              <a:endParaRPr lang="zh-CN" altLang="en-US"/>
+            </a:p>
+          </p:txBody>
+        </p:sp>
+        <p:sp>
+          <p:nvSpPr>
+            <p:cNvPr id="4" name="矩形 3">
+              <a:extLst>
+                <a:ext uri="{FF2B5EF4-FFF2-40B4-BE49-F238E27FC236}">
+                  <a16:creationId xmlns:a16="http://schemas.microsoft.com/office/drawing/2014/main" id="{C879D830-71DD-5041-BCD6-B868B23AC2F0}"/>
+                </a:ext>
+              </a:extLst>
+            </p:cNvPr>
+            <p:cNvSpPr/>
+            <p:nvPr/>
+          </p:nvSpPr>
+          <p:spPr>
+            <a:xfrm>
+              <a:off x="0" y="2496"/>
+              <a:ext cx="19198" cy="5753"/>
+            </a:xfrm>
+            <a:prstGeom prst="rect">
+              <a:avLst/>
+            </a:prstGeom>
+            <a:solidFill>
+              <a:schemeClr val="bg1"/>
+            </a:solidFill>
+            <a:ln>
+              <a:noFill/>
+            </a:ln>
+            <a:effectLst/>
+          </p:spPr>
+          <p:style>
+            <a:lnRef idx="2">
+              <a:schemeClr val="accent1">
+                <a:shade val="50000"/>
+              </a:schemeClr>
+            </a:lnRef>
+            <a:fillRef idx="1">
+              <a:schemeClr val="accent1"/>
+            </a:fillRef>
+            <a:effectRef idx="0">
+              <a:schemeClr val="accent1"/>
+            </a:effectRef>
+            <a:fontRef idx="minor">
+              <a:schemeClr val="lt1"/>
+            </a:fontRef>
+          </p:style>
+          <p:txBody>
+            <a:bodyPr rtlCol="0" anchor="ctr"/>
+            <a:lstStyle/>
+            <a:p>
+              <a:pPr algn="ctr"/>
+              <a:endParaRPr lang="zh-CN" altLang="en-US"/>
+            </a:p>
+          </p:txBody>
+        </p:sp>
+        <p:sp>
+          <p:nvSpPr>
+            <p:cNvPr id="5" name="等腰三角形 7">
+              <a:extLst>
+                <a:ext uri="{FF2B5EF4-FFF2-40B4-BE49-F238E27FC236}">
+                  <a16:creationId xmlns:a16="http://schemas.microsoft.com/office/drawing/2014/main" id="{4511EAA9-C24E-B044-92DA-D7436ED08B2D}"/>
+                </a:ext>
+              </a:extLst>
+            </p:cNvPr>
+            <p:cNvSpPr/>
+            <p:nvPr/>
+          </p:nvSpPr>
+          <p:spPr>
+            <a:xfrm flipV="1">
+              <a:off x="8940" y="2496"/>
+              <a:ext cx="1317" cy="590"/>
+            </a:xfrm>
+            <a:prstGeom prst="triangle">
+              <a:avLst/>
+            </a:prstGeom>
+            <a:solidFill>
+              <a:schemeClr val="accent2"/>
+            </a:solidFill>
+            <a:ln>
+              <a:noFill/>
+            </a:ln>
+          </p:spPr>
+          <p:style>
+            <a:lnRef idx="2">
+              <a:schemeClr val="accent1">
+                <a:shade val="50000"/>
+              </a:schemeClr>
+            </a:lnRef>
+            <a:fillRef idx="1">
+              <a:schemeClr val="accent1"/>
+            </a:fillRef>
+            <a:effectRef idx="0">
+              <a:schemeClr val="accent1"/>
+            </a:effectRef>
+            <a:fontRef idx="minor">
+              <a:schemeClr val="lt1"/>
+            </a:fontRef>
+          </p:style>
+          <p:txBody>
+            <a:bodyPr rtlCol="0" anchor="ctr"/>
+            <a:lstStyle/>
+            <a:p>
+              <a:pPr algn="ctr"/>
+              <a:endParaRPr lang="zh-CN" altLang="en-US"/>
+            </a:p>
+          </p:txBody>
+        </p:sp>
+      </p:grpSp>
+      <p:sp>
+        <p:nvSpPr>
+          <p:cNvPr id="6" name="文本框 5">
+            <a:extLst>
+              <a:ext uri="{FF2B5EF4-FFF2-40B4-BE49-F238E27FC236}">
+                <a16:creationId xmlns:a16="http://schemas.microsoft.com/office/drawing/2014/main" id="{9691AF9D-2F4C-B849-8968-C30065904FF3}"/>
+              </a:ext>
+            </a:extLst>
+          </p:cNvPr>
+          <p:cNvSpPr txBox="1"/>
+          <p:nvPr/>
+        </p:nvSpPr>
+        <p:spPr>
+          <a:xfrm>
+            <a:off x="3097508" y="1930326"/>
+            <a:ext cx="8488221" cy="2785378"/>
+          </a:xfrm>
+          <a:prstGeom prst="rect">
+            <a:avLst/>
+          </a:prstGeom>
+          <a:noFill/>
+        </p:spPr>
+        <p:txBody>
+          <a:bodyPr wrap="square" rtlCol="0">
+            <a:spAutoFit/>
+          </a:bodyPr>
+          <a:lstStyle/>
+          <a:p>
+            <a:pPr marL="0" marR="0" lvl="0" indent="0" algn="l" defTabSz="914400" rtl="0" eaLnBrk="1" fontAlgn="auto" latinLnBrk="0" hangingPunct="1">
+              <a:lnSpc>
+                <a:spcPct val="100000"/>
+              </a:lnSpc>
+              <a:spcBef>
+                <a:spcPts val="0"/>
+              </a:spcBef>
+              <a:spcAft>
+                <a:spcPts val="0"/>
+              </a:spcAft>
+              <a:buClrTx/>
+              <a:buSzTx/>
+              <a:buFontTx/>
+              <a:buNone/>
+              <a:tabLst/>
+              <a:defRPr/>
+            </a:pPr>
+            <a:r>
+              <a:rPr kumimoji="0" lang="en-US" altLang="zh-CN" sz="17500" b="1" i="0" u="none" strike="noStrike" kern="1200" cap="none" spc="0" normalizeH="0" baseline="0" noProof="0" dirty="0">
+                <a:ln>
+                  <a:noFill/>
+                </a:ln>
+                <a:solidFill>
+                  <a:prstClr val="black">
+                    <a:alpha val="5000"/>
+                  </a:prstClr>
+                </a:solidFill>
+                <a:effectLst/>
+                <a:uLnTx/>
+                <a:uFillTx/>
+                <a:latin typeface="Century Gothic" panose="020B0502020202020204" pitchFamily="34" charset="0"/>
+                <a:ea typeface="思源黑体 CN Bold"/>
+                <a:cs typeface="+mn-ea"/>
+              </a:rPr>
+              <a:t>PART 03</a:t>
+            </a:r>
+            <a:endParaRPr kumimoji="0" lang="zh-CN" altLang="en-US" sz="17500" b="1" i="0" u="none" strike="noStrike" kern="1200" cap="none" spc="0" normalizeH="0" baseline="0" noProof="0" dirty="0">
+              <a:ln>
+                <a:noFill/>
+              </a:ln>
+              <a:solidFill>
+                <a:prstClr val="black">
+                  <a:alpha val="5000"/>
+                </a:prstClr>
+              </a:solidFill>
+              <a:effectLst/>
+              <a:uLnTx/>
+              <a:uFillTx/>
+              <a:latin typeface="Century Gothic" panose="020B0502020202020204" pitchFamily="34" charset="0"/>
+              <a:ea typeface="思源黑体 CN Bold"/>
+              <a:cs typeface="+mn-ea"/>
+            </a:endParaRPr>
+          </a:p>
+        </p:txBody>
+      </p:sp>
+      <p:sp>
+        <p:nvSpPr>
+          <p:cNvPr id="7" name="文本框 6">
+            <a:extLst>
+              <a:ext uri="{FF2B5EF4-FFF2-40B4-BE49-F238E27FC236}">
+                <a16:creationId xmlns:a16="http://schemas.microsoft.com/office/drawing/2014/main" id="{98D63829-BEBB-6B47-B614-A6AFA52AF5F8}"/>
+              </a:ext>
+            </a:extLst>
+          </p:cNvPr>
+          <p:cNvSpPr txBox="1"/>
+          <p:nvPr/>
+        </p:nvSpPr>
+        <p:spPr>
+          <a:xfrm>
+            <a:off x="3647664" y="2665966"/>
+            <a:ext cx="6101896" cy="830997"/>
+          </a:xfrm>
+          <a:prstGeom prst="rect">
+            <a:avLst/>
+          </a:prstGeom>
+          <a:noFill/>
+        </p:spPr>
+        <p:txBody>
+          <a:bodyPr wrap="square" rtlCol="0">
+            <a:spAutoFit/>
+            <a:scene3d>
+              <a:camera prst="orthographicFront"/>
+              <a:lightRig rig="threePt" dir="t"/>
+            </a:scene3d>
+            <a:sp3d contourW="12700"/>
+          </a:bodyPr>
+          <a:lstStyle>
+            <a:defPPr>
+              <a:defRPr lang="en-US"/>
+            </a:defPPr>
+            <a:lvl1pPr algn="ctr">
+              <a:defRPr sz="2800" b="1">
+                <a:solidFill>
+                  <a:schemeClr val="tx1">
+                    <a:lumMod val="75000"/>
+                    <a:lumOff val="25000"/>
+                  </a:schemeClr>
+                </a:solidFill>
+                <a:latin typeface="Century Gothic" panose="020B0502020202020204" pitchFamily="34" charset="0"/>
+              </a:defRPr>
+            </a:lvl1pPr>
+          </a:lstStyle>
+          <a:p>
+            <a:pPr marL="0" marR="0" lvl="0" indent="0" algn="l" defTabSz="914400" rtl="0" eaLnBrk="1" fontAlgn="auto" latinLnBrk="0" hangingPunct="1">
+              <a:lnSpc>
+                <a:spcPct val="100000"/>
+              </a:lnSpc>
+              <a:spcBef>
+                <a:spcPts val="0"/>
+              </a:spcBef>
+              <a:spcAft>
+                <a:spcPts val="0"/>
+              </a:spcAft>
+              <a:buClrTx/>
+              <a:buSzTx/>
+              <a:buFontTx/>
+              <a:buNone/>
+              <a:tabLst/>
+              <a:defRPr/>
+            </a:pPr>
+            <a:r>
+              <a:rPr kumimoji="0" lang="zh-CN" altLang="en-US" sz="4800" b="1" i="0" u="none" strike="noStrike" kern="0" cap="none" spc="0" normalizeH="0" baseline="0" noProof="0" dirty="0">
+                <a:ln>
+                  <a:noFill/>
+                </a:ln>
+                <a:solidFill>
+                  <a:prstClr val="black"/>
+                </a:solidFill>
+                <a:effectLst/>
+                <a:uLnTx/>
+                <a:uFillTx/>
+                <a:latin typeface="思源黑体 CN Bold"/>
+                <a:ea typeface="思源黑体 CN Bold"/>
+                <a:cs typeface="+mn-ea"/>
+              </a:rPr>
+              <a:t>项目功能及工作流程</a:t>
+            </a:r>
+          </a:p>
+        </p:txBody>
+      </p:sp>
+      <p:grpSp>
+        <p:nvGrpSpPr>
+          <p:cNvPr id="9" name="Group 77">
+            <a:extLst>
+              <a:ext uri="{FF2B5EF4-FFF2-40B4-BE49-F238E27FC236}">
+                <a16:creationId xmlns:a16="http://schemas.microsoft.com/office/drawing/2014/main" id="{9E1EE0EB-6A05-7240-92D6-C696871BDACE}"/>
+              </a:ext>
+            </a:extLst>
+          </p:cNvPr>
+          <p:cNvGrpSpPr/>
+          <p:nvPr/>
+        </p:nvGrpSpPr>
+        <p:grpSpPr>
+          <a:xfrm>
+            <a:off x="965178" y="2562666"/>
+            <a:ext cx="1520414" cy="1520698"/>
+            <a:chOff x="8613835" y="4173075"/>
+            <a:chExt cx="710960" cy="710958"/>
+          </a:xfrm>
+          <a:solidFill>
+            <a:srgbClr val="B02434"/>
+          </a:solidFill>
+        </p:grpSpPr>
+        <p:sp>
+          <p:nvSpPr>
+            <p:cNvPr id="10" name="Oval 65">
+              <a:extLst>
+                <a:ext uri="{FF2B5EF4-FFF2-40B4-BE49-F238E27FC236}">
+                  <a16:creationId xmlns:a16="http://schemas.microsoft.com/office/drawing/2014/main" id="{03530235-0535-3A4B-A9D1-F9BD4E17B9F1}"/>
+                </a:ext>
+              </a:extLst>
+            </p:cNvPr>
+            <p:cNvSpPr/>
+            <p:nvPr/>
+          </p:nvSpPr>
+          <p:spPr>
+            <a:xfrm>
+              <a:off x="8613835" y="4173075"/>
+              <a:ext cx="710960" cy="710958"/>
+            </a:xfrm>
+            <a:prstGeom prst="ellipse">
+              <a:avLst/>
+            </a:prstGeom>
+            <a:noFill/>
+            <a:ln>
+              <a:solidFill>
+                <a:schemeClr val="bg1">
+                  <a:lumMod val="75000"/>
+                </a:schemeClr>
+              </a:solidFill>
+            </a:ln>
+          </p:spPr>
+          <p:style>
+            <a:lnRef idx="2">
+              <a:schemeClr val="accent3">
+                <a:hueOff val="552171"/>
+                <a:satOff val="28263"/>
+                <a:lumOff val="11872"/>
+                <a:alphaOff val="0"/>
+              </a:schemeClr>
+            </a:lnRef>
+            <a:fillRef idx="1">
+              <a:schemeClr val="accent3">
+                <a:hueOff val="552171"/>
+                <a:satOff val="28263"/>
+                <a:lumOff val="11872"/>
+                <a:alphaOff val="0"/>
+              </a:schemeClr>
+            </a:fillRef>
+            <a:effectRef idx="0">
+              <a:schemeClr val="accent3">
+                <a:hueOff val="552171"/>
+                <a:satOff val="28263"/>
+                <a:lumOff val="11872"/>
+                <a:alphaOff val="0"/>
+              </a:schemeClr>
+            </a:effectRef>
+            <a:fontRef idx="minor">
+              <a:schemeClr val="lt1"/>
+            </a:fontRef>
+          </p:style>
+          <p:txBody>
+            <a:bodyPr/>
+            <a:lstStyle/>
+            <a:p>
+              <a:pPr marL="0" marR="0" lvl="0" indent="0" algn="just" defTabSz="914400" rtl="0" eaLnBrk="1" fontAlgn="auto" latinLnBrk="0" hangingPunct="1">
+                <a:lnSpc>
+                  <a:spcPct val="120000"/>
+                </a:lnSpc>
+                <a:spcBef>
+                  <a:spcPts val="0"/>
+                </a:spcBef>
+                <a:spcAft>
+                  <a:spcPts val="0"/>
+                </a:spcAft>
+                <a:buClrTx/>
+                <a:buSzTx/>
+                <a:buFontTx/>
+                <a:buNone/>
+                <a:tabLst/>
+                <a:defRPr/>
+              </a:pPr>
+              <a:endParaRPr kumimoji="0" lang="zh-CN" altLang="en-US" sz="800" b="0" i="0" u="none" strike="noStrike" kern="1200" cap="none" spc="0" normalizeH="0" baseline="0" noProof="0" dirty="0">
+                <a:ln>
+                  <a:noFill/>
+                </a:ln>
+                <a:solidFill>
+                  <a:prstClr val="white"/>
+                </a:solidFill>
+                <a:effectLst/>
+                <a:uLnTx/>
+                <a:uFillTx/>
+                <a:latin typeface="Arial" panose="020B0604020202020204" pitchFamily="34" charset="0"/>
+                <a:ea typeface="思源黑体 CN Bold"/>
+                <a:cs typeface="+mn-ea"/>
+                <a:sym typeface="Arial" panose="020B0604020202020204" pitchFamily="34" charset="0"/>
+              </a:endParaRPr>
+            </a:p>
+          </p:txBody>
+        </p:sp>
+        <p:sp>
+          <p:nvSpPr>
+            <p:cNvPr id="11" name="Freeform 16">
+              <a:extLst>
+                <a:ext uri="{FF2B5EF4-FFF2-40B4-BE49-F238E27FC236}">
+                  <a16:creationId xmlns:a16="http://schemas.microsoft.com/office/drawing/2014/main" id="{01A06202-5D37-6845-B495-7FF6D37E6789}"/>
+                </a:ext>
+              </a:extLst>
+            </p:cNvPr>
+            <p:cNvSpPr>
+              <a:spLocks noChangeAspect="1" noEditPoints="1"/>
+            </p:cNvSpPr>
+            <p:nvPr/>
+          </p:nvSpPr>
+          <p:spPr bwMode="auto">
+            <a:xfrm>
+              <a:off x="8807774" y="4323051"/>
+              <a:ext cx="310685" cy="360000"/>
+            </a:xfrm>
+            <a:custGeom>
+              <a:avLst/>
+              <a:gdLst>
+                <a:gd name="T0" fmla="*/ 233 w 320"/>
+                <a:gd name="T1" fmla="*/ 138 h 371"/>
+                <a:gd name="T2" fmla="*/ 261 w 320"/>
+                <a:gd name="T3" fmla="*/ 12 h 371"/>
+                <a:gd name="T4" fmla="*/ 168 w 320"/>
+                <a:gd name="T5" fmla="*/ 104 h 371"/>
+                <a:gd name="T6" fmla="*/ 80 w 320"/>
+                <a:gd name="T7" fmla="*/ 182 h 371"/>
+                <a:gd name="T8" fmla="*/ 80 w 320"/>
+                <a:gd name="T9" fmla="*/ 319 h 371"/>
+                <a:gd name="T10" fmla="*/ 253 w 320"/>
+                <a:gd name="T11" fmla="*/ 371 h 371"/>
+                <a:gd name="T12" fmla="*/ 320 w 320"/>
+                <a:gd name="T13" fmla="*/ 172 h 371"/>
+                <a:gd name="T14" fmla="*/ 233 w 320"/>
+                <a:gd name="T15" fmla="*/ 138 h 371"/>
+                <a:gd name="T16" fmla="*/ 60 w 320"/>
+                <a:gd name="T17" fmla="*/ 140 h 371"/>
+                <a:gd name="T18" fmla="*/ 0 w 320"/>
+                <a:gd name="T19" fmla="*/ 202 h 371"/>
+                <a:gd name="T20" fmla="*/ 0 w 320"/>
+                <a:gd name="T21" fmla="*/ 299 h 371"/>
+                <a:gd name="T22" fmla="*/ 60 w 320"/>
+                <a:gd name="T23" fmla="*/ 360 h 371"/>
+                <a:gd name="T24" fmla="*/ 40 w 320"/>
+                <a:gd name="T25" fmla="*/ 315 h 371"/>
+                <a:gd name="T26" fmla="*/ 40 w 320"/>
+                <a:gd name="T27" fmla="*/ 187 h 371"/>
+                <a:gd name="T28" fmla="*/ 60 w 320"/>
+                <a:gd name="T29" fmla="*/ 140 h 371"/>
+              </a:gdLst>
+              <a:ahLst/>
+              <a:cxnLst>
+                <a:cxn ang="0">
+                  <a:pos x="T0" y="T1"/>
+                </a:cxn>
+                <a:cxn ang="0">
+                  <a:pos x="T2" y="T3"/>
+                </a:cxn>
+                <a:cxn ang="0">
+                  <a:pos x="T4" y="T5"/>
+                </a:cxn>
+                <a:cxn ang="0">
+                  <a:pos x="T6" y="T7"/>
+                </a:cxn>
+                <a:cxn ang="0">
+                  <a:pos x="T8" y="T9"/>
+                </a:cxn>
+                <a:cxn ang="0">
+                  <a:pos x="T10" y="T11"/>
+                </a:cxn>
+                <a:cxn ang="0">
+                  <a:pos x="T12" y="T13"/>
+                </a:cxn>
+                <a:cxn ang="0">
+                  <a:pos x="T14" y="T15"/>
+                </a:cxn>
+                <a:cxn ang="0">
+                  <a:pos x="T16" y="T17"/>
+                </a:cxn>
+                <a:cxn ang="0">
+                  <a:pos x="T18" y="T19"/>
+                </a:cxn>
+                <a:cxn ang="0">
+                  <a:pos x="T20" y="T21"/>
+                </a:cxn>
+                <a:cxn ang="0">
+                  <a:pos x="T22" y="T23"/>
+                </a:cxn>
+                <a:cxn ang="0">
+                  <a:pos x="T24" y="T25"/>
+                </a:cxn>
+                <a:cxn ang="0">
+                  <a:pos x="T26" y="T27"/>
+                </a:cxn>
+                <a:cxn ang="0">
+                  <a:pos x="T28" y="T29"/>
+                </a:cxn>
+              </a:cxnLst>
+              <a:rect l="0" t="0" r="r" b="b"/>
+              <a:pathLst>
+                <a:path w="320" h="371">
+                  <a:moveTo>
+                    <a:pt x="233" y="138"/>
+                  </a:moveTo>
+                  <a:cubicBezTo>
+                    <a:pt x="230" y="131"/>
+                    <a:pt x="304" y="65"/>
+                    <a:pt x="261" y="12"/>
+                  </a:cubicBezTo>
+                  <a:cubicBezTo>
+                    <a:pt x="251" y="0"/>
+                    <a:pt x="217" y="72"/>
+                    <a:pt x="168" y="104"/>
+                  </a:cubicBezTo>
+                  <a:cubicBezTo>
+                    <a:pt x="142" y="122"/>
+                    <a:pt x="80" y="161"/>
+                    <a:pt x="80" y="182"/>
+                  </a:cubicBezTo>
+                  <a:cubicBezTo>
+                    <a:pt x="80" y="319"/>
+                    <a:pt x="80" y="319"/>
+                    <a:pt x="80" y="319"/>
+                  </a:cubicBezTo>
+                  <a:cubicBezTo>
+                    <a:pt x="80" y="344"/>
+                    <a:pt x="178" y="371"/>
+                    <a:pt x="253" y="371"/>
+                  </a:cubicBezTo>
+                  <a:cubicBezTo>
+                    <a:pt x="280" y="371"/>
+                    <a:pt x="320" y="199"/>
+                    <a:pt x="320" y="172"/>
+                  </a:cubicBezTo>
+                  <a:cubicBezTo>
+                    <a:pt x="320" y="145"/>
+                    <a:pt x="235" y="145"/>
+                    <a:pt x="233" y="138"/>
+                  </a:cubicBezTo>
+                  <a:close/>
+                  <a:moveTo>
+                    <a:pt x="60" y="140"/>
+                  </a:moveTo>
+                  <a:cubicBezTo>
+                    <a:pt x="47" y="140"/>
+                    <a:pt x="0" y="148"/>
+                    <a:pt x="0" y="202"/>
+                  </a:cubicBezTo>
+                  <a:cubicBezTo>
+                    <a:pt x="0" y="299"/>
+                    <a:pt x="0" y="299"/>
+                    <a:pt x="0" y="299"/>
+                  </a:cubicBezTo>
+                  <a:cubicBezTo>
+                    <a:pt x="0" y="354"/>
+                    <a:pt x="47" y="360"/>
+                    <a:pt x="60" y="360"/>
+                  </a:cubicBezTo>
+                  <a:cubicBezTo>
+                    <a:pt x="73" y="360"/>
+                    <a:pt x="40" y="348"/>
+                    <a:pt x="40" y="315"/>
+                  </a:cubicBezTo>
+                  <a:cubicBezTo>
+                    <a:pt x="40" y="187"/>
+                    <a:pt x="40" y="187"/>
+                    <a:pt x="40" y="187"/>
+                  </a:cubicBezTo>
+                  <a:cubicBezTo>
+                    <a:pt x="40" y="152"/>
+                    <a:pt x="73" y="140"/>
+                    <a:pt x="60" y="140"/>
+                  </a:cubicBezTo>
+                  <a:close/>
+                </a:path>
+              </a:pathLst>
+            </a:custGeom>
+            <a:solidFill>
+              <a:schemeClr val="accent1"/>
+            </a:solidFill>
+            <a:ln>
+              <a:noFill/>
+            </a:ln>
+          </p:spPr>
+          <p:txBody>
+            <a:bodyPr vert="horz" wrap="square" lIns="128540" tIns="64271" rIns="128540" bIns="64271" numCol="1" anchor="t" anchorCtr="0" compatLnSpc="1">
+              <a:prstTxWarp prst="textNoShape">
+                <a:avLst/>
+              </a:prstTxWarp>
+            </a:bodyPr>
+            <a:lstStyle/>
+            <a:p>
+              <a:pPr marL="0" marR="0" lvl="0" indent="0" algn="just" defTabSz="914400" rtl="0" eaLnBrk="1" fontAlgn="auto" latinLnBrk="0" hangingPunct="1">
+                <a:lnSpc>
+                  <a:spcPct val="120000"/>
+                </a:lnSpc>
+                <a:spcBef>
+                  <a:spcPts val="0"/>
+                </a:spcBef>
+                <a:spcAft>
+                  <a:spcPts val="0"/>
+                </a:spcAft>
+                <a:buClrTx/>
+                <a:buSzTx/>
+                <a:buFontTx/>
+                <a:buNone/>
+                <a:tabLst/>
+                <a:defRPr/>
+              </a:pPr>
+              <a:endParaRPr kumimoji="0" lang="en-US" sz="800" b="0" i="0" u="none" strike="noStrike" kern="1200" cap="none" spc="0" normalizeH="0" baseline="0" noProof="0" dirty="0">
+                <a:ln>
+                  <a:noFill/>
+                </a:ln>
+                <a:solidFill>
+                  <a:prstClr val="black"/>
+                </a:solidFill>
+                <a:effectLst/>
+                <a:uLnTx/>
+                <a:uFillTx/>
+                <a:latin typeface="Arial" panose="020B0604020202020204" pitchFamily="34" charset="0"/>
+                <a:ea typeface="思源黑体 CN Bold"/>
+                <a:cs typeface="+mn-ea"/>
+                <a:sym typeface="Arial" panose="020B0604020202020204" pitchFamily="34" charset="0"/>
+              </a:endParaRPr>
+            </a:p>
+          </p:txBody>
+        </p:sp>
+      </p:grpSp>
+      <p:sp>
+        <p:nvSpPr>
+          <p:cNvPr id="13" name="文本框 12">
+            <a:extLst>
+              <a:ext uri="{FF2B5EF4-FFF2-40B4-BE49-F238E27FC236}">
+                <a16:creationId xmlns:a16="http://schemas.microsoft.com/office/drawing/2014/main" id="{F441CE1F-B2DE-62FB-3730-6AA57EE065BB}"/>
+              </a:ext>
+            </a:extLst>
+          </p:cNvPr>
+          <p:cNvSpPr txBox="1"/>
+          <p:nvPr/>
+        </p:nvSpPr>
+        <p:spPr>
+          <a:xfrm>
+            <a:off x="3647664" y="3468388"/>
+            <a:ext cx="5221287" cy="392864"/>
+          </a:xfrm>
+          <a:prstGeom prst="rect">
+            <a:avLst/>
+          </a:prstGeom>
+          <a:noFill/>
+        </p:spPr>
+        <p:txBody>
+          <a:bodyPr wrap="square" rtlCol="0">
+            <a:spAutoFit/>
+            <a:scene3d>
+              <a:camera prst="orthographicFront"/>
+              <a:lightRig rig="threePt" dir="t"/>
+            </a:scene3d>
+            <a:sp3d contourW="12700"/>
+          </a:bodyPr>
+          <a:lstStyle>
+            <a:defPPr>
+              <a:defRPr lang="en-US"/>
+            </a:defPPr>
+            <a:lvl1pPr algn="ctr">
+              <a:lnSpc>
+                <a:spcPct val="120000"/>
+              </a:lnSpc>
+              <a:defRPr sz="1100">
+                <a:solidFill>
+                  <a:schemeClr val="bg1">
+                    <a:lumMod val="65000"/>
+                  </a:schemeClr>
+                </a:solidFill>
+                <a:latin typeface="Century Gothic" panose="020B0502020202020204" pitchFamily="34" charset="0"/>
+              </a:defRPr>
+            </a:lvl1pPr>
+          </a:lstStyle>
+          <a:p>
+            <a:pPr lvl="0" algn="l">
+              <a:defRPr/>
+            </a:pPr>
+            <a:r>
+              <a:rPr lang="en-US" altLang="zh-CN" sz="1800" dirty="0">
+                <a:solidFill>
+                  <a:prstClr val="black"/>
+                </a:solidFill>
+                <a:ea typeface="思源黑体 CN Bold"/>
+                <a:cs typeface="+mn-ea"/>
+              </a:rPr>
+              <a:t>Menu recommendation system</a:t>
+            </a:r>
+          </a:p>
+        </p:txBody>
+      </p:sp>
+    </p:spTree>
+    <p:extLst>
+      <p:ext uri="{BB962C8B-B14F-4D97-AF65-F5344CB8AC3E}">
+        <p14:creationId xmlns:p14="http://schemas.microsoft.com/office/powerpoint/2010/main" val="1366736411"/>
+      </p:ext>
+    </p:extLst>
+  </p:cSld>
+  <p:clrMapOvr>
+    <a:masterClrMapping/>
+  </p:clrMapOvr>
+  <p:timing>
+    <p:tnLst>
+      <p:par>
+        <p:cTn id="1" dur="indefinite" restart="never" nodeType="tmRoot">
+          <p:childTnLst>
+            <p:seq concurrent="1" nextAc="seek">
+              <p:cTn id="2" dur="indefinite" nodeType="mainSeq">
+                <p:childTnLst>
+                  <p:par>
+                    <p:cTn id="3" fill="hold">
+                      <p:stCondLst>
+                        <p:cond delay="indefinite"/>
+                        <p:cond evt="onBegin" delay="0">
+                          <p:tn val="2"/>
+                        </p:cond>
+                      </p:stCondLst>
+                      <p:childTnLst>
+                        <p:par>
+                          <p:cTn id="4" fill="hold">
+                            <p:stCondLst>
+                              <p:cond delay="0"/>
+                            </p:stCondLst>
+                            <p:childTnLst>
+                              <p:par>
+                                <p:cTn id="5" presetID="53" presetClass="entr" presetSubtype="16" fill="hold" grpId="0" nodeType="afterEffect">
+                                  <p:stCondLst>
+                                    <p:cond delay="0"/>
+                                  </p:stCondLst>
+                                  <p:childTnLst>
+                                    <p:set>
+                                      <p:cBhvr>
+                                        <p:cTn id="6" dur="1" fill="hold">
+                                          <p:stCondLst>
+                                            <p:cond delay="0"/>
+                                          </p:stCondLst>
+                                        </p:cTn>
+                                        <p:tgtEl>
+                                          <p:spTgt spid="6"/>
+                                        </p:tgtEl>
+                                        <p:attrNameLst>
+                                          <p:attrName>style.visibility</p:attrName>
+                                        </p:attrNameLst>
+                                      </p:cBhvr>
+                                      <p:to>
+                                        <p:strVal val="visible"/>
+                                      </p:to>
+                                    </p:set>
+                                    <p:anim calcmode="lin" valueType="num">
+                                      <p:cBhvr>
+                                        <p:cTn id="7" dur="500" fill="hold"/>
+                                        <p:tgtEl>
+                                          <p:spTgt spid="6"/>
+                                        </p:tgtEl>
+                                        <p:attrNameLst>
+                                          <p:attrName>ppt_w</p:attrName>
+                                        </p:attrNameLst>
+                                      </p:cBhvr>
+                                      <p:tavLst>
+                                        <p:tav tm="0">
+                                          <p:val>
+                                            <p:fltVal val="0"/>
+                                          </p:val>
+                                        </p:tav>
+                                        <p:tav tm="100000">
+                                          <p:val>
+                                            <p:strVal val="#ppt_w"/>
+                                          </p:val>
+                                        </p:tav>
+                                      </p:tavLst>
+                                    </p:anim>
+                                    <p:anim calcmode="lin" valueType="num">
+                                      <p:cBhvr>
+                                        <p:cTn id="8" dur="500" fill="hold"/>
+                                        <p:tgtEl>
+                                          <p:spTgt spid="6"/>
+                                        </p:tgtEl>
+                                        <p:attrNameLst>
+                                          <p:attrName>ppt_h</p:attrName>
+                                        </p:attrNameLst>
+                                      </p:cBhvr>
+                                      <p:tavLst>
+                                        <p:tav tm="0">
+                                          <p:val>
+                                            <p:fltVal val="0"/>
+                                          </p:val>
+                                        </p:tav>
+                                        <p:tav tm="100000">
+                                          <p:val>
+                                            <p:strVal val="#ppt_h"/>
+                                          </p:val>
+                                        </p:tav>
+                                      </p:tavLst>
+                                    </p:anim>
+                                    <p:animEffect transition="in" filter="fade">
+                                      <p:cBhvr>
+                                        <p:cTn id="9" dur="500"/>
+                                        <p:tgtEl>
+                                          <p:spTgt spid="6"/>
+                                        </p:tgtEl>
+                                      </p:cBhvr>
+                                    </p:animEffect>
+                                  </p:childTnLst>
+                                </p:cTn>
+                              </p:par>
+                            </p:childTnLst>
+                          </p:cTn>
+                        </p:par>
+                        <p:par>
+                          <p:cTn id="10" fill="hold">
+                            <p:stCondLst>
+                              <p:cond delay="500"/>
+                            </p:stCondLst>
+                            <p:childTnLst>
+                              <p:par>
+                                <p:cTn id="11" presetID="2" presetClass="entr" presetSubtype="8" fill="hold" grpId="0" nodeType="afterEffect">
+                                  <p:stCondLst>
+                                    <p:cond delay="0"/>
+                                  </p:stCondLst>
+                                  <p:childTnLst>
+                                    <p:set>
+                                      <p:cBhvr>
+                                        <p:cTn id="12" dur="1" fill="hold">
+                                          <p:stCondLst>
+                                            <p:cond delay="0"/>
+                                          </p:stCondLst>
+                                        </p:cTn>
+                                        <p:tgtEl>
+                                          <p:spTgt spid="7"/>
+                                        </p:tgtEl>
+                                        <p:attrNameLst>
+                                          <p:attrName>style.visibility</p:attrName>
+                                        </p:attrNameLst>
+                                      </p:cBhvr>
+                                      <p:to>
+                                        <p:strVal val="visible"/>
+                                      </p:to>
+                                    </p:set>
+                                    <p:anim calcmode="lin" valueType="num">
+                                      <p:cBhvr additive="base">
+                                        <p:cTn id="13" dur="500" fill="hold"/>
+                                        <p:tgtEl>
+                                          <p:spTgt spid="7"/>
+                                        </p:tgtEl>
+                                        <p:attrNameLst>
+                                          <p:attrName>ppt_x</p:attrName>
+                                        </p:attrNameLst>
+                                      </p:cBhvr>
+                                      <p:tavLst>
+                                        <p:tav tm="0">
+                                          <p:val>
+                                            <p:strVal val="0-#ppt_w/2"/>
+                                          </p:val>
+                                        </p:tav>
+                                        <p:tav tm="100000">
+                                          <p:val>
+                                            <p:strVal val="#ppt_x"/>
+                                          </p:val>
+                                        </p:tav>
+                                      </p:tavLst>
+                                    </p:anim>
+                                    <p:anim calcmode="lin" valueType="num">
+                                      <p:cBhvr additive="base">
+                                        <p:cTn id="14" dur="500" fill="hold"/>
+                                        <p:tgtEl>
+                                          <p:spTgt spid="7"/>
+                                        </p:tgtEl>
+                                        <p:attrNameLst>
+                                          <p:attrName>ppt_y</p:attrName>
+                                        </p:attrNameLst>
+                                      </p:cBhvr>
+                                      <p:tavLst>
+                                        <p:tav tm="0">
+                                          <p:val>
+                                            <p:strVal val="#ppt_y"/>
+                                          </p:val>
+                                        </p:tav>
+                                        <p:tav tm="100000">
+                                          <p:val>
+                                            <p:strVal val="#ppt_y"/>
+                                          </p:val>
+                                        </p:tav>
+                                      </p:tavLst>
+                                    </p:anim>
+                                  </p:childTnLst>
+                                </p:cTn>
+                              </p:par>
+                            </p:childTnLst>
+                          </p:cTn>
+                        </p:par>
+                        <p:par>
+                          <p:cTn id="15" fill="hold">
+                            <p:stCondLst>
+                              <p:cond delay="1000"/>
+                            </p:stCondLst>
+                            <p:childTnLst>
+                              <p:par>
+                                <p:cTn id="16" presetID="53" presetClass="entr" presetSubtype="16" fill="hold" nodeType="afterEffect">
+                                  <p:stCondLst>
+                                    <p:cond delay="0"/>
+                                  </p:stCondLst>
+                                  <p:childTnLst>
+                                    <p:set>
+                                      <p:cBhvr>
+                                        <p:cTn id="17" dur="1" fill="hold">
+                                          <p:stCondLst>
+                                            <p:cond delay="0"/>
+                                          </p:stCondLst>
+                                        </p:cTn>
+                                        <p:tgtEl>
+                                          <p:spTgt spid="9"/>
+                                        </p:tgtEl>
+                                        <p:attrNameLst>
+                                          <p:attrName>style.visibility</p:attrName>
+                                        </p:attrNameLst>
+                                      </p:cBhvr>
+                                      <p:to>
+                                        <p:strVal val="visible"/>
+                                      </p:to>
+                                    </p:set>
+                                    <p:anim calcmode="lin" valueType="num">
+                                      <p:cBhvr>
+                                        <p:cTn id="18" dur="500" fill="hold"/>
+                                        <p:tgtEl>
+                                          <p:spTgt spid="9"/>
+                                        </p:tgtEl>
+                                        <p:attrNameLst>
+                                          <p:attrName>ppt_w</p:attrName>
+                                        </p:attrNameLst>
+                                      </p:cBhvr>
+                                      <p:tavLst>
+                                        <p:tav tm="0">
+                                          <p:val>
+                                            <p:fltVal val="0"/>
+                                          </p:val>
+                                        </p:tav>
+                                        <p:tav tm="100000">
+                                          <p:val>
+                                            <p:strVal val="#ppt_w"/>
+                                          </p:val>
+                                        </p:tav>
+                                      </p:tavLst>
+                                    </p:anim>
+                                    <p:anim calcmode="lin" valueType="num">
+                                      <p:cBhvr>
+                                        <p:cTn id="19" dur="500" fill="hold"/>
+                                        <p:tgtEl>
+                                          <p:spTgt spid="9"/>
+                                        </p:tgtEl>
+                                        <p:attrNameLst>
+                                          <p:attrName>ppt_h</p:attrName>
+                                        </p:attrNameLst>
+                                      </p:cBhvr>
+                                      <p:tavLst>
+                                        <p:tav tm="0">
+                                          <p:val>
+                                            <p:fltVal val="0"/>
+                                          </p:val>
+                                        </p:tav>
+                                        <p:tav tm="100000">
+                                          <p:val>
+                                            <p:strVal val="#ppt_h"/>
+                                          </p:val>
+                                        </p:tav>
+                                      </p:tavLst>
+                                    </p:anim>
+                                    <p:animEffect transition="in" filter="fade">
+                                      <p:cBhvr>
+                                        <p:cTn id="20" dur="500"/>
+                                        <p:tgtEl>
+                                          <p:spTgt spid="9"/>
+                                        </p:tgtEl>
+                                      </p:cBhvr>
+                                    </p:animEffect>
+                                  </p:childTnLst>
+                                </p:cTn>
+                              </p:par>
+                            </p:childTnLst>
+                          </p:cTn>
+                        </p:par>
+                        <p:par>
+                          <p:cTn id="21" fill="hold">
+                            <p:stCondLst>
+                              <p:cond delay="1500"/>
+                            </p:stCondLst>
+                            <p:childTnLst>
+                              <p:par>
+                                <p:cTn id="22" presetID="22" presetClass="entr" presetSubtype="1" fill="hold" grpId="0" nodeType="afterEffect">
+                                  <p:stCondLst>
+                                    <p:cond delay="0"/>
+                                  </p:stCondLst>
+                                  <p:childTnLst>
+                                    <p:set>
+                                      <p:cBhvr>
+                                        <p:cTn id="23" dur="1" fill="hold">
+                                          <p:stCondLst>
+                                            <p:cond delay="0"/>
+                                          </p:stCondLst>
+                                        </p:cTn>
+                                        <p:tgtEl>
+                                          <p:spTgt spid="13"/>
+                                        </p:tgtEl>
+                                        <p:attrNameLst>
+                                          <p:attrName>style.visibility</p:attrName>
+                                        </p:attrNameLst>
+                                      </p:cBhvr>
+                                      <p:to>
+                                        <p:strVal val="visible"/>
+                                      </p:to>
+                                    </p:set>
+                                    <p:animEffect transition="in" filter="wipe(up)">
+                                      <p:cBhvr>
+                                        <p:cTn id="24" dur="500"/>
+                                        <p:tgtEl>
+                                          <p:spTgt spid="13"/>
+                                        </p:tgtEl>
+                                      </p:cBhvr>
+                                    </p:animEffect>
+                                  </p:childTnLst>
+                                </p:cTn>
+                              </p:par>
+                            </p:childTnLst>
+                          </p:cTn>
+                        </p:par>
+                      </p:childTnLst>
+                    </p:cTn>
+                  </p:par>
+                </p:childTnLst>
+              </p:cTn>
+              <p:prevCondLst>
+                <p:cond evt="onPrev" delay="0">
+                  <p:tgtEl>
+                    <p:sldTgt/>
+                  </p:tgtEl>
+                </p:cond>
+              </p:prevCondLst>
+              <p:nextCondLst>
+                <p:cond evt="onNext" delay="0">
+                  <p:tgtEl>
+                    <p:sldTgt/>
+                  </p:tgtEl>
+                </p:cond>
+              </p:nextCondLst>
+            </p:seq>
+          </p:childTnLst>
+        </p:cTn>
+      </p:par>
+    </p:tnLst>
+    <p:bldLst>
+      <p:bldP spid="6" grpId="0"/>
+      <p:bldP spid="7" grpId="0"/>
+      <p:bldP spid="13" grpId="0"/>
+    </p:bldLst>
+  </p:timing>
+</p:sld>
+</file>
+
+<file path=ppt/slides/slide11.xml><?xml version="1.0" encoding="utf-8"?>
+<p:sld xmlns:a="http://schemas.openxmlformats.org/drawingml/2006/main" xmlns:r="http://schemas.openxmlformats.org/officeDocument/2006/relationships" xmlns:p="http://schemas.openxmlformats.org/presentationml/2006/main">
+  <p:cSld>
+    <p:spTree>
+      <p:nvGrpSpPr>
+        <p:cNvPr id="1" name=""/>
+        <p:cNvGrpSpPr/>
+        <p:nvPr/>
+      </p:nvGrpSpPr>
+      <p:grpSpPr>
+        <a:xfrm>
+          <a:off x="0" y="0"/>
+          <a:ext cx="0" cy="0"/>
+          <a:chOff x="0" y="0"/>
+          <a:chExt cx="0" cy="0"/>
+        </a:xfrm>
+      </p:grpSpPr>
       <p:sp>
         <p:nvSpPr>
           <p:cNvPr id="2" name="平行四边形 1">
@@ -13606,7 +15149,7 @@
 </p:sld>
 </file>
 
-<file path=ppt/slides/slide11.xml><?xml version="1.0" encoding="utf-8"?>
+<file path=ppt/slides/slide12.xml><?xml version="1.0" encoding="utf-8"?>
 <p:sld xmlns:a="http://schemas.openxmlformats.org/drawingml/2006/main" xmlns:r="http://schemas.openxmlformats.org/officeDocument/2006/relationships" xmlns:p="http://schemas.openxmlformats.org/presentationml/2006/main">
   <p:cSld>
     <p:spTree>
@@ -14154,7 +15697,7 @@
 </p:sld>
 </file>
 
-<file path=ppt/slides/slide12.xml><?xml version="1.0" encoding="utf-8"?>
+<file path=ppt/slides/slide13.xml><?xml version="1.0" encoding="utf-8"?>
 <p:sld xmlns:a="http://schemas.openxmlformats.org/drawingml/2006/main" xmlns:r="http://schemas.openxmlformats.org/officeDocument/2006/relationships" xmlns:p="http://schemas.openxmlformats.org/presentationml/2006/main">
   <p:cSld>
     <p:spTree>
@@ -15301,7 +16844,7 @@
 </p:sld>
 </file>
 
-<file path=ppt/slides/slide13.xml><?xml version="1.0" encoding="utf-8"?>
+<file path=ppt/slides/slide14.xml><?xml version="1.0" encoding="utf-8"?>
 <p:sld xmlns:a="http://schemas.openxmlformats.org/drawingml/2006/main" xmlns:r="http://schemas.openxmlformats.org/officeDocument/2006/relationships" xmlns:p="http://schemas.openxmlformats.org/presentationml/2006/main">
   <p:cSld>
     <p:spTree>
@@ -17119,7 +18662,7 @@
 </p:sld>
 </file>
 
-<file path=ppt/slides/slide14.xml><?xml version="1.0" encoding="utf-8"?>
+<file path=ppt/slides/slide15.xml><?xml version="1.0" encoding="utf-8"?>
 <p:sld xmlns:a="http://schemas.openxmlformats.org/drawingml/2006/main" xmlns:r="http://schemas.openxmlformats.org/officeDocument/2006/relationships" xmlns:p="http://schemas.openxmlformats.org/presentationml/2006/main">
   <p:cSld>
     <p:spTree>
@@ -18272,7 +19815,7 @@
 </p:sld>
 </file>
 
-<file path=ppt/slides/slide15.xml><?xml version="1.0" encoding="utf-8"?>
+<file path=ppt/slides/slide16.xml><?xml version="1.0" encoding="utf-8"?>
 <p:sld xmlns:a="http://schemas.openxmlformats.org/drawingml/2006/main" xmlns:r="http://schemas.openxmlformats.org/officeDocument/2006/relationships" xmlns:p="http://schemas.openxmlformats.org/presentationml/2006/main">
   <p:cSld>
     <p:spTree>
@@ -20936,7 +22479,7 @@
 </p:sld>
 </file>
 
-<file path=ppt/slides/slide16.xml><?xml version="1.0" encoding="utf-8"?>
+<file path=ppt/slides/slide17.xml><?xml version="1.0" encoding="utf-8"?>
 <p:sld xmlns:a="http://schemas.openxmlformats.org/drawingml/2006/main" xmlns:r="http://schemas.openxmlformats.org/officeDocument/2006/relationships" xmlns:p="http://schemas.openxmlformats.org/presentationml/2006/main">
   <p:cSld>
     <p:spTree>
@@ -22096,7 +23639,7 @@
 </p:sld>
 </file>
 
-<file path=ppt/slides/slide17.xml><?xml version="1.0" encoding="utf-8"?>
+<file path=ppt/slides/slide18.xml><?xml version="1.0" encoding="utf-8"?>
 <p:sld xmlns:a="http://schemas.openxmlformats.org/drawingml/2006/main" xmlns:r="http://schemas.openxmlformats.org/officeDocument/2006/relationships" xmlns:p="http://schemas.openxmlformats.org/presentationml/2006/main">
   <p:cSld>
     <p:spTree>
@@ -22355,8 +23898,8 @@
         </p:nvSpPr>
         <p:spPr>
           <a:xfrm>
-            <a:off x="565971" y="3391891"/>
-            <a:ext cx="2431752" cy="2126159"/>
+            <a:off x="565971" y="3842034"/>
+            <a:ext cx="2431752" cy="1135054"/>
           </a:xfrm>
           <a:prstGeom prst="rect">
             <a:avLst/>
@@ -22386,30 +23929,72 @@
               <a:defRPr/>
             </a:pPr>
             <a:r>
-              <a:rPr lang="zh-CN" altLang="zh-CN" sz="1800" dirty="0">
+              <a:rPr lang="zh-CN" altLang="en-US" sz="2400" b="1" dirty="0">
+                <a:solidFill>
+                  <a:schemeClr val="tx1">
+                    <a:lumMod val="75000"/>
+                    <a:lumOff val="25000"/>
+                  </a:schemeClr>
+                </a:solidFill>
+                <a:latin typeface="宋体" panose="02010600030101010101" pitchFamily="2" charset="-122"/>
+                <a:ea typeface="宋体" panose="02010600030101010101" pitchFamily="2" charset="-122"/>
+                <a:cs typeface="+mn-ea"/>
+                <a:sym typeface="+mn-lt"/>
+              </a:rPr>
+              <a:t>修改项目计划书</a:t>
+            </a:r>
+            <a:endParaRPr lang="en-US" altLang="zh-CN" sz="2400" b="1" dirty="0">
+              <a:solidFill>
+                <a:schemeClr val="tx1">
+                  <a:lumMod val="75000"/>
+                  <a:lumOff val="25000"/>
+                </a:schemeClr>
+              </a:solidFill>
+              <a:latin typeface="宋体" panose="02010600030101010101" pitchFamily="2" charset="-122"/>
+              <a:ea typeface="宋体" panose="02010600030101010101" pitchFamily="2" charset="-122"/>
+              <a:cs typeface="+mn-ea"/>
+              <a:sym typeface="+mn-lt"/>
+            </a:endParaRPr>
+          </a:p>
+          <a:p>
+            <a:pPr marL="0" marR="0" lvl="0" indent="0" algn="ctr" defTabSz="914400" rtl="0" eaLnBrk="1" fontAlgn="auto" latinLnBrk="0" hangingPunct="1">
+              <a:lnSpc>
+                <a:spcPct val="150000"/>
+              </a:lnSpc>
+              <a:spcBef>
+                <a:spcPts val="0"/>
+              </a:spcBef>
+              <a:spcAft>
+                <a:spcPts val="0"/>
+              </a:spcAft>
+              <a:buClrTx/>
+              <a:buSzTx/>
+              <a:buFontTx/>
+              <a:buNone/>
+              <a:defRPr/>
+            </a:pPr>
+            <a:r>
+              <a:rPr kumimoji="0" lang="zh-CN" altLang="en-US" sz="2400" b="1" i="0" u="none" strike="noStrike" kern="1200" cap="none" spc="0" normalizeH="0" baseline="0" noProof="0" dirty="0">
+                <a:ln>
+                  <a:noFill/>
+                </a:ln>
+                <a:solidFill>
+                  <a:schemeClr val="tx1">
+                    <a:lumMod val="75000"/>
+                    <a:lumOff val="25000"/>
+                  </a:schemeClr>
+                </a:solidFill>
                 <a:effectLst/>
-                <a:ea typeface="等线" panose="02010600030101010101" pitchFamily="2" charset="-122"/>
-                <a:cs typeface="Times New Roman" panose="02020603050405020304" pitchFamily="18" charset="0"/>
+                <a:uLnTx/>
+                <a:uFillTx/>
+                <a:latin typeface="宋体" panose="02010600030101010101" pitchFamily="2" charset="-122"/>
+                <a:ea typeface="宋体" panose="02010600030101010101" pitchFamily="2" charset="-122"/>
+                <a:cs typeface="+mn-ea"/>
+                <a:sym typeface="+mn-lt"/>
               </a:rPr>
-              <a:t>标签筛选功能，训练和测试多分类模型，其分类原则为食物标注的</a:t>
+              <a:t>制作甘特图</a:t>
             </a:r>
-            <a:r>
-              <a:rPr lang="en-US" altLang="zh-CN" sz="1800" dirty="0">
-                <a:effectLst/>
-                <a:ea typeface="等线" panose="02010600030101010101" pitchFamily="2" charset="-122"/>
-                <a:cs typeface="Times New Roman" panose="02020603050405020304" pitchFamily="18" charset="0"/>
-              </a:rPr>
-              <a:t>tag</a:t>
-            </a:r>
-            <a:r>
-              <a:rPr lang="zh-CN" altLang="zh-CN" sz="1800" dirty="0">
-                <a:effectLst/>
-                <a:ea typeface="等线" panose="02010600030101010101" pitchFamily="2" charset="-122"/>
-                <a:cs typeface="Times New Roman" panose="02020603050405020304" pitchFamily="18" charset="0"/>
-              </a:rPr>
-              <a:t>，如：麻辣、清淡、海鲜、菌类等；</a:t>
-            </a:r>
-            <a:endParaRPr kumimoji="0" lang="en-US" sz="1200" b="0" i="0" u="none" strike="noStrike" kern="1200" cap="none" spc="0" normalizeH="0" baseline="0" noProof="0" dirty="0">
+            <a:endParaRPr kumimoji="0" lang="en-US" altLang="zh-CN" sz="2400" b="1" i="0" u="none" strike="noStrike" kern="1200" cap="none" spc="0" normalizeH="0" baseline="0" noProof="0" dirty="0">
               <a:ln>
                 <a:noFill/>
               </a:ln>
@@ -22422,8 +24007,8 @@
               <a:effectLst/>
               <a:uLnTx/>
               <a:uFillTx/>
-              <a:latin typeface="微软雅黑" panose="020B0503020204020204" pitchFamily="34" charset="-122"/>
-              <a:ea typeface="微软雅黑" panose="020B0503020204020204" pitchFamily="34" charset="-122"/>
+              <a:latin typeface="宋体" panose="02010600030101010101" pitchFamily="2" charset="-122"/>
+              <a:ea typeface="宋体" panose="02010600030101010101" pitchFamily="2" charset="-122"/>
               <a:cs typeface="+mn-ea"/>
               <a:sym typeface="+mn-lt"/>
             </a:endParaRPr>
@@ -22444,7 +24029,7 @@
         </p:nvSpPr>
         <p:spPr>
           <a:xfrm>
-            <a:off x="3985949" y="3004504"/>
+            <a:off x="4222405" y="2993665"/>
             <a:ext cx="943252" cy="369332"/>
           </a:xfrm>
           <a:prstGeom prst="rect">
@@ -22672,8 +24257,8 @@
         </p:nvSpPr>
         <p:spPr>
           <a:xfrm>
-            <a:off x="2871536" y="3391890"/>
-            <a:ext cx="3417902" cy="2126159"/>
+            <a:off x="3478155" y="3750965"/>
+            <a:ext cx="2431752" cy="1667764"/>
           </a:xfrm>
           <a:prstGeom prst="rect">
             <a:avLst/>
@@ -22703,14 +24288,24 @@
               <a:defRPr/>
             </a:pPr>
             <a:r>
-              <a:rPr lang="zh-CN" altLang="zh-CN" sz="1800" dirty="0">
+              <a:rPr lang="zh-CN" altLang="en-US" sz="2400" b="1" dirty="0">
                 <a:effectLst/>
-                <a:ea typeface="等线" panose="02010600030101010101" pitchFamily="2" charset="-122"/>
+                <a:latin typeface="宋体" panose="02010600030101010101" pitchFamily="2" charset="-122"/>
+                <a:ea typeface="宋体" panose="02010600030101010101" pitchFamily="2" charset="-122"/>
                 <a:cs typeface="Times New Roman" panose="02020603050405020304" pitchFamily="18" charset="0"/>
               </a:rPr>
-              <a:t>推荐菜单功能，训练和测试推荐模型，其推荐原则为用户提前已输入的饮食习惯原则或者近期身体状况，如喜欢辣一点的食物、有胃炎需要清淡饮食等</a:t>
+              <a:t>根据项目计划书及项目进度，修改</a:t>
             </a:r>
-            <a:endParaRPr kumimoji="0" lang="en-US" sz="1200" b="0" i="0" u="none" strike="noStrike" kern="1200" cap="none" spc="0" normalizeH="0" baseline="0" noProof="0" dirty="0">
+            <a:r>
+              <a:rPr lang="en-US" altLang="zh-CN" sz="2400" b="1" dirty="0">
+                <a:effectLst/>
+                <a:latin typeface="宋体" panose="02010600030101010101" pitchFamily="2" charset="-122"/>
+                <a:ea typeface="宋体" panose="02010600030101010101" pitchFamily="2" charset="-122"/>
+                <a:cs typeface="Times New Roman" panose="02020603050405020304" pitchFamily="18" charset="0"/>
+              </a:rPr>
+              <a:t>ppt</a:t>
+            </a:r>
+            <a:endParaRPr kumimoji="0" lang="en-US" sz="2400" b="1" i="0" u="none" strike="noStrike" kern="1200" cap="none" spc="0" normalizeH="0" baseline="0" noProof="0" dirty="0">
               <a:ln>
                 <a:noFill/>
               </a:ln>
@@ -22723,8 +24318,8 @@
               <a:effectLst/>
               <a:uLnTx/>
               <a:uFillTx/>
-              <a:latin typeface="微软雅黑" panose="020B0503020204020204" pitchFamily="34" charset="-122"/>
-              <a:ea typeface="微软雅黑" panose="020B0503020204020204" pitchFamily="34" charset="-122"/>
+              <a:latin typeface="宋体" panose="02010600030101010101" pitchFamily="2" charset="-122"/>
+              <a:ea typeface="宋体" panose="02010600030101010101" pitchFamily="2" charset="-122"/>
               <a:cs typeface="+mn-ea"/>
               <a:sym typeface="+mn-lt"/>
             </a:endParaRPr>
@@ -24024,7 +25619,7 @@
 </p:sld>
 </file>
 
-<file path=ppt/slides/slide18.xml><?xml version="1.0" encoding="utf-8"?>
+<file path=ppt/slides/slide19.xml><?xml version="1.0" encoding="utf-8"?>
 <p:sld xmlns:a="http://schemas.openxmlformats.org/drawingml/2006/main" xmlns:r="http://schemas.openxmlformats.org/officeDocument/2006/relationships" xmlns:p="http://schemas.openxmlformats.org/presentationml/2006/main">
   <p:cSld>
     <p:spTree>
@@ -25286,7 +26881,7 @@
         </p:nvGrpSpPr>
         <p:grpSpPr>
           <a:xfrm>
-            <a:off x="907682" y="3504325"/>
+            <a:off x="472254" y="3485424"/>
             <a:ext cx="4102085" cy="686460"/>
             <a:chOff x="7717943" y="1707592"/>
             <a:chExt cx="3595949" cy="601761"/>
@@ -25307,7 +26902,7 @@
           <p:spPr>
             <a:xfrm>
               <a:off x="7717943" y="1707592"/>
-              <a:ext cx="1772259" cy="404702"/>
+              <a:ext cx="2581663" cy="404702"/>
             </a:xfrm>
             <a:prstGeom prst="rect">
               <a:avLst/>
@@ -25374,7 +26969,7 @@
                   <a:ea typeface="思源黑体 CN Bold"/>
                   <a:cs typeface="+mn-ea"/>
                 </a:rPr>
-                <a:t>项目背景</a:t>
+                <a:t>项目背景与意义</a:t>
               </a:r>
             </a:p>
           </p:txBody>
@@ -25444,7 +27039,7 @@
                   <a:ea typeface="思源黑体 CN Bold"/>
                   <a:cs typeface="+mn-ea"/>
                 </a:rPr>
-                <a:t>Background of the project</a:t>
+                <a:t>Project background and significance</a:t>
               </a:r>
             </a:p>
           </p:txBody>
@@ -26332,7 +27927,7 @@
         </p:nvGrpSpPr>
         <p:grpSpPr>
           <a:xfrm>
-            <a:off x="907682" y="4612153"/>
+            <a:off x="472254" y="4601723"/>
             <a:ext cx="4190985" cy="686459"/>
             <a:chOff x="7717943" y="1707592"/>
             <a:chExt cx="3673880" cy="601760"/>
@@ -26353,7 +27948,7 @@
           <p:spPr>
             <a:xfrm>
               <a:off x="7717943" y="1707592"/>
-              <a:ext cx="2042060" cy="404702"/>
+              <a:ext cx="2311861" cy="404702"/>
             </a:xfrm>
             <a:prstGeom prst="rect">
               <a:avLst/>
@@ -26416,12 +28011,26 @@
                   <a:effectLst/>
                   <a:uLnTx/>
                   <a:uFillTx/>
-                  <a:latin typeface="思源黑体 CN Bold"/>
+                  <a:latin typeface="Century Gothic" panose="020B0502020202020204" pitchFamily="34" charset="0"/>
                   <a:ea typeface="思源黑体 CN Bold"/>
                   <a:cs typeface="+mn-ea"/>
                 </a:rPr>
-                <a:t>目的和意义</a:t>
+                <a:t>项目阶段目标</a:t>
               </a:r>
+              <a:endParaRPr kumimoji="0" lang="zh-CN" altLang="en-US" sz="2400" b="1" i="0" u="none" strike="noStrike" kern="1200" cap="none" spc="0" normalizeH="0" baseline="0" noProof="0" dirty="0">
+                <a:ln>
+                  <a:noFill/>
+                </a:ln>
+                <a:solidFill>
+                  <a:prstClr val="black"/>
+                </a:solidFill>
+                <a:effectLst/>
+                <a:uLnTx/>
+                <a:uFillTx/>
+                <a:latin typeface="思源黑体 CN Bold"/>
+                <a:ea typeface="思源黑体 CN Bold"/>
+                <a:cs typeface="+mn-ea"/>
+              </a:endParaRPr>
             </a:p>
           </p:txBody>
         </p:sp>
@@ -26490,7 +28099,7 @@
                   <a:ea typeface="思源黑体 CN Bold"/>
                   <a:cs typeface="+mn-ea"/>
                 </a:rPr>
-                <a:t>Purpose and significance</a:t>
+                <a:t>Project phase goals</a:t>
               </a:r>
             </a:p>
           </p:txBody>
@@ -27488,7 +29097,7 @@
                 <a:ea typeface="思源黑体 CN Bold"/>
                 <a:cs typeface="+mn-ea"/>
               </a:rPr>
-              <a:t>项目背景</a:t>
+              <a:t>项目背景与意义</a:t>
             </a:r>
             <a:endParaRPr kumimoji="0" lang="zh-CN" altLang="en-US" sz="4800" b="1" i="0" u="none" strike="noStrike" kern="0" cap="none" spc="0" normalizeH="0" baseline="0" noProof="0" dirty="0">
               <a:ln>
@@ -29040,7 +30649,7 @@
           <p:spPr>
             <a:xfrm>
               <a:off x="1469911" y="360040"/>
-              <a:ext cx="2001399" cy="461665"/>
+              <a:ext cx="2712483" cy="461665"/>
             </a:xfrm>
             <a:prstGeom prst="rect">
               <a:avLst/>
@@ -29085,7 +30694,7 @@
                   <a:ea typeface="Microsoft YaHei" panose="020B0503020204020204" pitchFamily="34" charset="-122"/>
                   <a:cs typeface="+mn-ea"/>
                 </a:rPr>
-                <a:t>项目背景</a:t>
+                <a:t>项目背景与意义</a:t>
               </a:r>
             </a:p>
           </p:txBody>
@@ -30148,9 +31757,9 @@
         <p:grpSpPr>
           <a:xfrm>
             <a:off x="760660" y="360040"/>
-            <a:ext cx="2710650" cy="461665"/>
+            <a:ext cx="3315862" cy="461665"/>
             <a:chOff x="760660" y="360040"/>
-            <a:chExt cx="2710650" cy="461665"/>
+            <a:chExt cx="3315862" cy="461665"/>
           </a:xfrm>
         </p:grpSpPr>
         <p:grpSp>
@@ -30514,7 +32123,7 @@
           <p:spPr>
             <a:xfrm>
               <a:off x="1469911" y="360040"/>
-              <a:ext cx="2001399" cy="461665"/>
+              <a:ext cx="2606611" cy="461665"/>
             </a:xfrm>
             <a:prstGeom prst="rect">
               <a:avLst/>
@@ -30559,7 +32168,7 @@
                   <a:ea typeface="Microsoft YaHei" panose="020B0503020204020204" pitchFamily="34" charset="-122"/>
                   <a:cs typeface="+mn-ea"/>
                 </a:rPr>
-                <a:t>项目背景</a:t>
+                <a:t>项目背景与意义</a:t>
               </a:r>
             </a:p>
           </p:txBody>
@@ -31733,7 +33342,7 @@
           <p:spPr>
             <a:xfrm>
               <a:off x="1469911" y="360040"/>
-              <a:ext cx="2001399" cy="461665"/>
+              <a:ext cx="2938388" cy="461665"/>
             </a:xfrm>
             <a:prstGeom prst="rect">
               <a:avLst/>
@@ -31778,7 +33387,7 @@
                   <a:ea typeface="Microsoft YaHei" panose="020B0503020204020204" pitchFamily="34" charset="-122"/>
                   <a:cs typeface="+mn-ea"/>
                 </a:rPr>
-                <a:t>项目背景</a:t>
+                <a:t>项目背景与意义</a:t>
               </a:r>
             </a:p>
           </p:txBody>
@@ -31798,1145 +33407,6 @@
 </file>
 
 <file path=ppt/slides/slide7.xml><?xml version="1.0" encoding="utf-8"?>
-<p:sld xmlns:a="http://schemas.openxmlformats.org/drawingml/2006/main" xmlns:r="http://schemas.openxmlformats.org/officeDocument/2006/relationships" xmlns:p="http://schemas.openxmlformats.org/presentationml/2006/main">
-  <p:cSld>
-    <p:spTree>
-      <p:nvGrpSpPr>
-        <p:cNvPr id="1" name=""/>
-        <p:cNvGrpSpPr/>
-        <p:nvPr/>
-      </p:nvGrpSpPr>
-      <p:grpSpPr>
-        <a:xfrm>
-          <a:off x="0" y="0"/>
-          <a:ext cx="0" cy="0"/>
-          <a:chOff x="0" y="0"/>
-          <a:chExt cx="0" cy="0"/>
-        </a:xfrm>
-      </p:grpSpPr>
-      <p:grpSp>
-        <p:nvGrpSpPr>
-          <p:cNvPr id="2" name="组合 1">
-            <a:extLst>
-              <a:ext uri="{FF2B5EF4-FFF2-40B4-BE49-F238E27FC236}">
-                <a16:creationId xmlns:a16="http://schemas.microsoft.com/office/drawing/2014/main" id="{8A8C0487-8EAF-184D-BFA6-E5BDE537AF32}"/>
-              </a:ext>
-            </a:extLst>
-          </p:cNvPr>
-          <p:cNvGrpSpPr/>
-          <p:nvPr/>
-        </p:nvGrpSpPr>
-        <p:grpSpPr>
-          <a:xfrm>
-            <a:off x="0" y="1129665"/>
-            <a:ext cx="12190730" cy="4632960"/>
-            <a:chOff x="0" y="1752"/>
-            <a:chExt cx="19198" cy="7296"/>
-          </a:xfrm>
-          <a:effectLst>
-            <a:outerShdw blurRad="469900" sx="102000" sy="102000" algn="ctr" rotWithShape="0">
-              <a:prstClr val="black">
-                <a:alpha val="29000"/>
-              </a:prstClr>
-            </a:outerShdw>
-          </a:effectLst>
-        </p:grpSpPr>
-        <p:sp>
-          <p:nvSpPr>
-            <p:cNvPr id="3" name="矩形 2">
-              <a:extLst>
-                <a:ext uri="{FF2B5EF4-FFF2-40B4-BE49-F238E27FC236}">
-                  <a16:creationId xmlns:a16="http://schemas.microsoft.com/office/drawing/2014/main" id="{2BBF41A7-C36F-BE4C-BF5F-DDE590B93671}"/>
-                </a:ext>
-              </a:extLst>
-            </p:cNvPr>
-            <p:cNvSpPr/>
-            <p:nvPr/>
-          </p:nvSpPr>
-          <p:spPr>
-            <a:xfrm>
-              <a:off x="3350" y="1752"/>
-              <a:ext cx="12490" cy="7296"/>
-            </a:xfrm>
-            <a:prstGeom prst="rect">
-              <a:avLst/>
-            </a:prstGeom>
-            <a:solidFill>
-              <a:schemeClr val="accent2"/>
-            </a:solidFill>
-            <a:ln>
-              <a:noFill/>
-            </a:ln>
-          </p:spPr>
-          <p:style>
-            <a:lnRef idx="2">
-              <a:schemeClr val="accent1">
-                <a:shade val="50000"/>
-              </a:schemeClr>
-            </a:lnRef>
-            <a:fillRef idx="1">
-              <a:schemeClr val="accent1"/>
-            </a:fillRef>
-            <a:effectRef idx="0">
-              <a:schemeClr val="accent1"/>
-            </a:effectRef>
-            <a:fontRef idx="minor">
-              <a:schemeClr val="lt1"/>
-            </a:fontRef>
-          </p:style>
-          <p:txBody>
-            <a:bodyPr rtlCol="0" anchor="ctr"/>
-            <a:lstStyle/>
-            <a:p>
-              <a:pPr algn="ctr"/>
-              <a:endParaRPr lang="zh-CN" altLang="en-US"/>
-            </a:p>
-          </p:txBody>
-        </p:sp>
-        <p:sp>
-          <p:nvSpPr>
-            <p:cNvPr id="4" name="矩形 3">
-              <a:extLst>
-                <a:ext uri="{FF2B5EF4-FFF2-40B4-BE49-F238E27FC236}">
-                  <a16:creationId xmlns:a16="http://schemas.microsoft.com/office/drawing/2014/main" id="{C879D830-71DD-5041-BCD6-B868B23AC2F0}"/>
-                </a:ext>
-              </a:extLst>
-            </p:cNvPr>
-            <p:cNvSpPr/>
-            <p:nvPr/>
-          </p:nvSpPr>
-          <p:spPr>
-            <a:xfrm>
-              <a:off x="0" y="2496"/>
-              <a:ext cx="19198" cy="5753"/>
-            </a:xfrm>
-            <a:prstGeom prst="rect">
-              <a:avLst/>
-            </a:prstGeom>
-            <a:solidFill>
-              <a:schemeClr val="bg1"/>
-            </a:solidFill>
-            <a:ln>
-              <a:noFill/>
-            </a:ln>
-            <a:effectLst/>
-          </p:spPr>
-          <p:style>
-            <a:lnRef idx="2">
-              <a:schemeClr val="accent1">
-                <a:shade val="50000"/>
-              </a:schemeClr>
-            </a:lnRef>
-            <a:fillRef idx="1">
-              <a:schemeClr val="accent1"/>
-            </a:fillRef>
-            <a:effectRef idx="0">
-              <a:schemeClr val="accent1"/>
-            </a:effectRef>
-            <a:fontRef idx="minor">
-              <a:schemeClr val="lt1"/>
-            </a:fontRef>
-          </p:style>
-          <p:txBody>
-            <a:bodyPr rtlCol="0" anchor="ctr"/>
-            <a:lstStyle/>
-            <a:p>
-              <a:pPr algn="ctr"/>
-              <a:endParaRPr lang="zh-CN" altLang="en-US"/>
-            </a:p>
-          </p:txBody>
-        </p:sp>
-        <p:sp>
-          <p:nvSpPr>
-            <p:cNvPr id="5" name="等腰三角形 7">
-              <a:extLst>
-                <a:ext uri="{FF2B5EF4-FFF2-40B4-BE49-F238E27FC236}">
-                  <a16:creationId xmlns:a16="http://schemas.microsoft.com/office/drawing/2014/main" id="{4511EAA9-C24E-B044-92DA-D7436ED08B2D}"/>
-                </a:ext>
-              </a:extLst>
-            </p:cNvPr>
-            <p:cNvSpPr/>
-            <p:nvPr/>
-          </p:nvSpPr>
-          <p:spPr>
-            <a:xfrm flipV="1">
-              <a:off x="8940" y="2496"/>
-              <a:ext cx="1317" cy="590"/>
-            </a:xfrm>
-            <a:prstGeom prst="triangle">
-              <a:avLst/>
-            </a:prstGeom>
-            <a:solidFill>
-              <a:schemeClr val="accent2"/>
-            </a:solidFill>
-            <a:ln>
-              <a:noFill/>
-            </a:ln>
-          </p:spPr>
-          <p:style>
-            <a:lnRef idx="2">
-              <a:schemeClr val="accent1">
-                <a:shade val="50000"/>
-              </a:schemeClr>
-            </a:lnRef>
-            <a:fillRef idx="1">
-              <a:schemeClr val="accent1"/>
-            </a:fillRef>
-            <a:effectRef idx="0">
-              <a:schemeClr val="accent1"/>
-            </a:effectRef>
-            <a:fontRef idx="minor">
-              <a:schemeClr val="lt1"/>
-            </a:fontRef>
-          </p:style>
-          <p:txBody>
-            <a:bodyPr rtlCol="0" anchor="ctr"/>
-            <a:lstStyle/>
-            <a:p>
-              <a:pPr algn="ctr"/>
-              <a:endParaRPr lang="zh-CN" altLang="en-US"/>
-            </a:p>
-          </p:txBody>
-        </p:sp>
-      </p:grpSp>
-      <p:sp>
-        <p:nvSpPr>
-          <p:cNvPr id="6" name="文本框 5">
-            <a:extLst>
-              <a:ext uri="{FF2B5EF4-FFF2-40B4-BE49-F238E27FC236}">
-                <a16:creationId xmlns:a16="http://schemas.microsoft.com/office/drawing/2014/main" id="{9691AF9D-2F4C-B849-8968-C30065904FF3}"/>
-              </a:ext>
-            </a:extLst>
-          </p:cNvPr>
-          <p:cNvSpPr txBox="1"/>
-          <p:nvPr/>
-        </p:nvSpPr>
-        <p:spPr>
-          <a:xfrm>
-            <a:off x="3097508" y="1930326"/>
-            <a:ext cx="8488221" cy="2785378"/>
-          </a:xfrm>
-          <a:prstGeom prst="rect">
-            <a:avLst/>
-          </a:prstGeom>
-          <a:noFill/>
-        </p:spPr>
-        <p:txBody>
-          <a:bodyPr wrap="square" rtlCol="0">
-            <a:spAutoFit/>
-          </a:bodyPr>
-          <a:lstStyle/>
-          <a:p>
-            <a:pPr marL="0" marR="0" lvl="0" indent="0" algn="l" defTabSz="914400" rtl="0" eaLnBrk="1" fontAlgn="auto" latinLnBrk="0" hangingPunct="1">
-              <a:lnSpc>
-                <a:spcPct val="100000"/>
-              </a:lnSpc>
-              <a:spcBef>
-                <a:spcPts val="0"/>
-              </a:spcBef>
-              <a:spcAft>
-                <a:spcPts val="0"/>
-              </a:spcAft>
-              <a:buClrTx/>
-              <a:buSzTx/>
-              <a:buFontTx/>
-              <a:buNone/>
-              <a:tabLst/>
-              <a:defRPr/>
-            </a:pPr>
-            <a:r>
-              <a:rPr kumimoji="0" lang="en-US" altLang="zh-CN" sz="17500" b="1" i="0" u="none" strike="noStrike" kern="1200" cap="none" spc="0" normalizeH="0" baseline="0" noProof="0" dirty="0">
-                <a:ln>
-                  <a:noFill/>
-                </a:ln>
-                <a:solidFill>
-                  <a:prstClr val="black">
-                    <a:alpha val="5000"/>
-                  </a:prstClr>
-                </a:solidFill>
-                <a:effectLst/>
-                <a:uLnTx/>
-                <a:uFillTx/>
-                <a:latin typeface="Century Gothic" panose="020B0502020202020204" pitchFamily="34" charset="0"/>
-                <a:ea typeface="思源黑体 CN Bold"/>
-                <a:cs typeface="+mn-ea"/>
-              </a:rPr>
-              <a:t>PART 02</a:t>
-            </a:r>
-            <a:endParaRPr kumimoji="0" lang="zh-CN" altLang="en-US" sz="17500" b="1" i="0" u="none" strike="noStrike" kern="1200" cap="none" spc="0" normalizeH="0" baseline="0" noProof="0" dirty="0">
-              <a:ln>
-                <a:noFill/>
-              </a:ln>
-              <a:solidFill>
-                <a:prstClr val="black">
-                  <a:alpha val="5000"/>
-                </a:prstClr>
-              </a:solidFill>
-              <a:effectLst/>
-              <a:uLnTx/>
-              <a:uFillTx/>
-              <a:latin typeface="Century Gothic" panose="020B0502020202020204" pitchFamily="34" charset="0"/>
-              <a:ea typeface="思源黑体 CN Bold"/>
-              <a:cs typeface="+mn-ea"/>
-            </a:endParaRPr>
-          </a:p>
-        </p:txBody>
-      </p:sp>
-      <p:sp>
-        <p:nvSpPr>
-          <p:cNvPr id="7" name="文本框 6">
-            <a:extLst>
-              <a:ext uri="{FF2B5EF4-FFF2-40B4-BE49-F238E27FC236}">
-                <a16:creationId xmlns:a16="http://schemas.microsoft.com/office/drawing/2014/main" id="{98D63829-BEBB-6B47-B614-A6AFA52AF5F8}"/>
-              </a:ext>
-            </a:extLst>
-          </p:cNvPr>
-          <p:cNvSpPr txBox="1"/>
-          <p:nvPr/>
-        </p:nvSpPr>
-        <p:spPr>
-          <a:xfrm>
-            <a:off x="4424736" y="2640526"/>
-            <a:ext cx="6603922" cy="830997"/>
-          </a:xfrm>
-          <a:prstGeom prst="rect">
-            <a:avLst/>
-          </a:prstGeom>
-          <a:noFill/>
-        </p:spPr>
-        <p:txBody>
-          <a:bodyPr wrap="square" rtlCol="0">
-            <a:spAutoFit/>
-            <a:scene3d>
-              <a:camera prst="orthographicFront"/>
-              <a:lightRig rig="threePt" dir="t"/>
-            </a:scene3d>
-            <a:sp3d contourW="12700"/>
-          </a:bodyPr>
-          <a:lstStyle>
-            <a:defPPr>
-              <a:defRPr lang="en-US"/>
-            </a:defPPr>
-            <a:lvl1pPr algn="ctr">
-              <a:defRPr sz="2800" b="1">
-                <a:solidFill>
-                  <a:schemeClr val="tx1">
-                    <a:lumMod val="75000"/>
-                    <a:lumOff val="25000"/>
-                  </a:schemeClr>
-                </a:solidFill>
-                <a:latin typeface="Century Gothic" panose="020B0502020202020204" pitchFamily="34" charset="0"/>
-              </a:defRPr>
-            </a:lvl1pPr>
-          </a:lstStyle>
-          <a:p>
-            <a:pPr lvl="0" algn="l">
-              <a:defRPr/>
-            </a:pPr>
-            <a:r>
-              <a:rPr kumimoji="0" lang="zh-CN" altLang="en-US" sz="4800" b="1" i="0" u="none" strike="noStrike" kern="0" cap="none" spc="0" normalizeH="0" baseline="0" noProof="0" dirty="0">
-                <a:ln>
-                  <a:noFill/>
-                </a:ln>
-                <a:solidFill>
-                  <a:prstClr val="black"/>
-                </a:solidFill>
-                <a:effectLst/>
-                <a:uLnTx/>
-                <a:uFillTx/>
-                <a:latin typeface="思源黑体 CN Bold"/>
-                <a:ea typeface="思源黑体 CN Bold"/>
-                <a:cs typeface="+mn-ea"/>
-              </a:rPr>
-              <a:t>目的与意义</a:t>
-            </a:r>
-          </a:p>
-        </p:txBody>
-      </p:sp>
-      <p:grpSp>
-        <p:nvGrpSpPr>
-          <p:cNvPr id="9" name="Group 77">
-            <a:extLst>
-              <a:ext uri="{FF2B5EF4-FFF2-40B4-BE49-F238E27FC236}">
-                <a16:creationId xmlns:a16="http://schemas.microsoft.com/office/drawing/2014/main" id="{9E1EE0EB-6A05-7240-92D6-C696871BDACE}"/>
-              </a:ext>
-            </a:extLst>
-          </p:cNvPr>
-          <p:cNvGrpSpPr/>
-          <p:nvPr/>
-        </p:nvGrpSpPr>
-        <p:grpSpPr>
-          <a:xfrm>
-            <a:off x="965178" y="2562666"/>
-            <a:ext cx="1520414" cy="1520698"/>
-            <a:chOff x="8613835" y="4173075"/>
-            <a:chExt cx="710960" cy="710958"/>
-          </a:xfrm>
-          <a:solidFill>
-            <a:srgbClr val="B02434"/>
-          </a:solidFill>
-        </p:grpSpPr>
-        <p:sp>
-          <p:nvSpPr>
-            <p:cNvPr id="10" name="Oval 65">
-              <a:extLst>
-                <a:ext uri="{FF2B5EF4-FFF2-40B4-BE49-F238E27FC236}">
-                  <a16:creationId xmlns:a16="http://schemas.microsoft.com/office/drawing/2014/main" id="{03530235-0535-3A4B-A9D1-F9BD4E17B9F1}"/>
-                </a:ext>
-              </a:extLst>
-            </p:cNvPr>
-            <p:cNvSpPr/>
-            <p:nvPr/>
-          </p:nvSpPr>
-          <p:spPr>
-            <a:xfrm>
-              <a:off x="8613835" y="4173075"/>
-              <a:ext cx="710960" cy="710958"/>
-            </a:xfrm>
-            <a:prstGeom prst="ellipse">
-              <a:avLst/>
-            </a:prstGeom>
-            <a:noFill/>
-            <a:ln>
-              <a:solidFill>
-                <a:schemeClr val="bg1">
-                  <a:lumMod val="75000"/>
-                </a:schemeClr>
-              </a:solidFill>
-            </a:ln>
-          </p:spPr>
-          <p:style>
-            <a:lnRef idx="2">
-              <a:schemeClr val="accent3">
-                <a:hueOff val="552171"/>
-                <a:satOff val="28263"/>
-                <a:lumOff val="11872"/>
-                <a:alphaOff val="0"/>
-              </a:schemeClr>
-            </a:lnRef>
-            <a:fillRef idx="1">
-              <a:schemeClr val="accent3">
-                <a:hueOff val="552171"/>
-                <a:satOff val="28263"/>
-                <a:lumOff val="11872"/>
-                <a:alphaOff val="0"/>
-              </a:schemeClr>
-            </a:fillRef>
-            <a:effectRef idx="0">
-              <a:schemeClr val="accent3">
-                <a:hueOff val="552171"/>
-                <a:satOff val="28263"/>
-                <a:lumOff val="11872"/>
-                <a:alphaOff val="0"/>
-              </a:schemeClr>
-            </a:effectRef>
-            <a:fontRef idx="minor">
-              <a:schemeClr val="lt1"/>
-            </a:fontRef>
-          </p:style>
-          <p:txBody>
-            <a:bodyPr/>
-            <a:lstStyle/>
-            <a:p>
-              <a:pPr marL="0" marR="0" lvl="0" indent="0" algn="just" defTabSz="914400" rtl="0" eaLnBrk="1" fontAlgn="auto" latinLnBrk="0" hangingPunct="1">
-                <a:lnSpc>
-                  <a:spcPct val="120000"/>
-                </a:lnSpc>
-                <a:spcBef>
-                  <a:spcPts val="0"/>
-                </a:spcBef>
-                <a:spcAft>
-                  <a:spcPts val="0"/>
-                </a:spcAft>
-                <a:buClrTx/>
-                <a:buSzTx/>
-                <a:buFontTx/>
-                <a:buNone/>
-                <a:tabLst/>
-                <a:defRPr/>
-              </a:pPr>
-              <a:endParaRPr kumimoji="0" lang="zh-CN" altLang="en-US" sz="800" b="0" i="0" u="none" strike="noStrike" kern="1200" cap="none" spc="0" normalizeH="0" baseline="0" noProof="0" dirty="0">
-                <a:ln>
-                  <a:noFill/>
-                </a:ln>
-                <a:solidFill>
-                  <a:prstClr val="white"/>
-                </a:solidFill>
-                <a:effectLst/>
-                <a:uLnTx/>
-                <a:uFillTx/>
-                <a:latin typeface="Arial" panose="020B0604020202020204" pitchFamily="34" charset="0"/>
-                <a:ea typeface="思源黑体 CN Bold"/>
-                <a:cs typeface="+mn-ea"/>
-                <a:sym typeface="Arial" panose="020B0604020202020204" pitchFamily="34" charset="0"/>
-              </a:endParaRPr>
-            </a:p>
-          </p:txBody>
-        </p:sp>
-        <p:sp>
-          <p:nvSpPr>
-            <p:cNvPr id="11" name="Freeform 16">
-              <a:extLst>
-                <a:ext uri="{FF2B5EF4-FFF2-40B4-BE49-F238E27FC236}">
-                  <a16:creationId xmlns:a16="http://schemas.microsoft.com/office/drawing/2014/main" id="{01A06202-5D37-6845-B495-7FF6D37E6789}"/>
-                </a:ext>
-              </a:extLst>
-            </p:cNvPr>
-            <p:cNvSpPr>
-              <a:spLocks noChangeAspect="1" noEditPoints="1"/>
-            </p:cNvSpPr>
-            <p:nvPr/>
-          </p:nvSpPr>
-          <p:spPr bwMode="auto">
-            <a:xfrm>
-              <a:off x="8807774" y="4323051"/>
-              <a:ext cx="310685" cy="360000"/>
-            </a:xfrm>
-            <a:custGeom>
-              <a:avLst/>
-              <a:gdLst>
-                <a:gd name="T0" fmla="*/ 233 w 320"/>
-                <a:gd name="T1" fmla="*/ 138 h 371"/>
-                <a:gd name="T2" fmla="*/ 261 w 320"/>
-                <a:gd name="T3" fmla="*/ 12 h 371"/>
-                <a:gd name="T4" fmla="*/ 168 w 320"/>
-                <a:gd name="T5" fmla="*/ 104 h 371"/>
-                <a:gd name="T6" fmla="*/ 80 w 320"/>
-                <a:gd name="T7" fmla="*/ 182 h 371"/>
-                <a:gd name="T8" fmla="*/ 80 w 320"/>
-                <a:gd name="T9" fmla="*/ 319 h 371"/>
-                <a:gd name="T10" fmla="*/ 253 w 320"/>
-                <a:gd name="T11" fmla="*/ 371 h 371"/>
-                <a:gd name="T12" fmla="*/ 320 w 320"/>
-                <a:gd name="T13" fmla="*/ 172 h 371"/>
-                <a:gd name="T14" fmla="*/ 233 w 320"/>
-                <a:gd name="T15" fmla="*/ 138 h 371"/>
-                <a:gd name="T16" fmla="*/ 60 w 320"/>
-                <a:gd name="T17" fmla="*/ 140 h 371"/>
-                <a:gd name="T18" fmla="*/ 0 w 320"/>
-                <a:gd name="T19" fmla="*/ 202 h 371"/>
-                <a:gd name="T20" fmla="*/ 0 w 320"/>
-                <a:gd name="T21" fmla="*/ 299 h 371"/>
-                <a:gd name="T22" fmla="*/ 60 w 320"/>
-                <a:gd name="T23" fmla="*/ 360 h 371"/>
-                <a:gd name="T24" fmla="*/ 40 w 320"/>
-                <a:gd name="T25" fmla="*/ 315 h 371"/>
-                <a:gd name="T26" fmla="*/ 40 w 320"/>
-                <a:gd name="T27" fmla="*/ 187 h 371"/>
-                <a:gd name="T28" fmla="*/ 60 w 320"/>
-                <a:gd name="T29" fmla="*/ 140 h 371"/>
-              </a:gdLst>
-              <a:ahLst/>
-              <a:cxnLst>
-                <a:cxn ang="0">
-                  <a:pos x="T0" y="T1"/>
-                </a:cxn>
-                <a:cxn ang="0">
-                  <a:pos x="T2" y="T3"/>
-                </a:cxn>
-                <a:cxn ang="0">
-                  <a:pos x="T4" y="T5"/>
-                </a:cxn>
-                <a:cxn ang="0">
-                  <a:pos x="T6" y="T7"/>
-                </a:cxn>
-                <a:cxn ang="0">
-                  <a:pos x="T8" y="T9"/>
-                </a:cxn>
-                <a:cxn ang="0">
-                  <a:pos x="T10" y="T11"/>
-                </a:cxn>
-                <a:cxn ang="0">
-                  <a:pos x="T12" y="T13"/>
-                </a:cxn>
-                <a:cxn ang="0">
-                  <a:pos x="T14" y="T15"/>
-                </a:cxn>
-                <a:cxn ang="0">
-                  <a:pos x="T16" y="T17"/>
-                </a:cxn>
-                <a:cxn ang="0">
-                  <a:pos x="T18" y="T19"/>
-                </a:cxn>
-                <a:cxn ang="0">
-                  <a:pos x="T20" y="T21"/>
-                </a:cxn>
-                <a:cxn ang="0">
-                  <a:pos x="T22" y="T23"/>
-                </a:cxn>
-                <a:cxn ang="0">
-                  <a:pos x="T24" y="T25"/>
-                </a:cxn>
-                <a:cxn ang="0">
-                  <a:pos x="T26" y="T27"/>
-                </a:cxn>
-                <a:cxn ang="0">
-                  <a:pos x="T28" y="T29"/>
-                </a:cxn>
-              </a:cxnLst>
-              <a:rect l="0" t="0" r="r" b="b"/>
-              <a:pathLst>
-                <a:path w="320" h="371">
-                  <a:moveTo>
-                    <a:pt x="233" y="138"/>
-                  </a:moveTo>
-                  <a:cubicBezTo>
-                    <a:pt x="230" y="131"/>
-                    <a:pt x="304" y="65"/>
-                    <a:pt x="261" y="12"/>
-                  </a:cubicBezTo>
-                  <a:cubicBezTo>
-                    <a:pt x="251" y="0"/>
-                    <a:pt x="217" y="72"/>
-                    <a:pt x="168" y="104"/>
-                  </a:cubicBezTo>
-                  <a:cubicBezTo>
-                    <a:pt x="142" y="122"/>
-                    <a:pt x="80" y="161"/>
-                    <a:pt x="80" y="182"/>
-                  </a:cubicBezTo>
-                  <a:cubicBezTo>
-                    <a:pt x="80" y="319"/>
-                    <a:pt x="80" y="319"/>
-                    <a:pt x="80" y="319"/>
-                  </a:cubicBezTo>
-                  <a:cubicBezTo>
-                    <a:pt x="80" y="344"/>
-                    <a:pt x="178" y="371"/>
-                    <a:pt x="253" y="371"/>
-                  </a:cubicBezTo>
-                  <a:cubicBezTo>
-                    <a:pt x="280" y="371"/>
-                    <a:pt x="320" y="199"/>
-                    <a:pt x="320" y="172"/>
-                  </a:cubicBezTo>
-                  <a:cubicBezTo>
-                    <a:pt x="320" y="145"/>
-                    <a:pt x="235" y="145"/>
-                    <a:pt x="233" y="138"/>
-                  </a:cubicBezTo>
-                  <a:close/>
-                  <a:moveTo>
-                    <a:pt x="60" y="140"/>
-                  </a:moveTo>
-                  <a:cubicBezTo>
-                    <a:pt x="47" y="140"/>
-                    <a:pt x="0" y="148"/>
-                    <a:pt x="0" y="202"/>
-                  </a:cubicBezTo>
-                  <a:cubicBezTo>
-                    <a:pt x="0" y="299"/>
-                    <a:pt x="0" y="299"/>
-                    <a:pt x="0" y="299"/>
-                  </a:cubicBezTo>
-                  <a:cubicBezTo>
-                    <a:pt x="0" y="354"/>
-                    <a:pt x="47" y="360"/>
-                    <a:pt x="60" y="360"/>
-                  </a:cubicBezTo>
-                  <a:cubicBezTo>
-                    <a:pt x="73" y="360"/>
-                    <a:pt x="40" y="348"/>
-                    <a:pt x="40" y="315"/>
-                  </a:cubicBezTo>
-                  <a:cubicBezTo>
-                    <a:pt x="40" y="187"/>
-                    <a:pt x="40" y="187"/>
-                    <a:pt x="40" y="187"/>
-                  </a:cubicBezTo>
-                  <a:cubicBezTo>
-                    <a:pt x="40" y="152"/>
-                    <a:pt x="73" y="140"/>
-                    <a:pt x="60" y="140"/>
-                  </a:cubicBezTo>
-                  <a:close/>
-                </a:path>
-              </a:pathLst>
-            </a:custGeom>
-            <a:solidFill>
-              <a:schemeClr val="accent1"/>
-            </a:solidFill>
-            <a:ln>
-              <a:noFill/>
-            </a:ln>
-          </p:spPr>
-          <p:txBody>
-            <a:bodyPr vert="horz" wrap="square" lIns="128540" tIns="64271" rIns="128540" bIns="64271" numCol="1" anchor="t" anchorCtr="0" compatLnSpc="1">
-              <a:prstTxWarp prst="textNoShape">
-                <a:avLst/>
-              </a:prstTxWarp>
-            </a:bodyPr>
-            <a:lstStyle/>
-            <a:p>
-              <a:pPr marL="0" marR="0" lvl="0" indent="0" algn="just" defTabSz="914400" rtl="0" eaLnBrk="1" fontAlgn="auto" latinLnBrk="0" hangingPunct="1">
-                <a:lnSpc>
-                  <a:spcPct val="120000"/>
-                </a:lnSpc>
-                <a:spcBef>
-                  <a:spcPts val="0"/>
-                </a:spcBef>
-                <a:spcAft>
-                  <a:spcPts val="0"/>
-                </a:spcAft>
-                <a:buClrTx/>
-                <a:buSzTx/>
-                <a:buFontTx/>
-                <a:buNone/>
-                <a:tabLst/>
-                <a:defRPr/>
-              </a:pPr>
-              <a:endParaRPr kumimoji="0" lang="en-US" sz="800" b="0" i="0" u="none" strike="noStrike" kern="1200" cap="none" spc="0" normalizeH="0" baseline="0" noProof="0" dirty="0">
-                <a:ln>
-                  <a:noFill/>
-                </a:ln>
-                <a:solidFill>
-                  <a:prstClr val="black"/>
-                </a:solidFill>
-                <a:effectLst/>
-                <a:uLnTx/>
-                <a:uFillTx/>
-                <a:latin typeface="Arial" panose="020B0604020202020204" pitchFamily="34" charset="0"/>
-                <a:ea typeface="思源黑体 CN Bold"/>
-                <a:cs typeface="+mn-ea"/>
-                <a:sym typeface="Arial" panose="020B0604020202020204" pitchFamily="34" charset="0"/>
-              </a:endParaRPr>
-            </a:p>
-          </p:txBody>
-        </p:sp>
-      </p:grpSp>
-      <p:sp>
-        <p:nvSpPr>
-          <p:cNvPr id="12" name="文本框 11">
-            <a:extLst>
-              <a:ext uri="{FF2B5EF4-FFF2-40B4-BE49-F238E27FC236}">
-                <a16:creationId xmlns:a16="http://schemas.microsoft.com/office/drawing/2014/main" id="{C17462C4-C08E-0CD8-0DDE-4D825427BAFC}"/>
-              </a:ext>
-            </a:extLst>
-          </p:cNvPr>
-          <p:cNvSpPr txBox="1"/>
-          <p:nvPr/>
-        </p:nvSpPr>
-        <p:spPr>
-          <a:xfrm>
-            <a:off x="4424736" y="3496963"/>
-            <a:ext cx="5221287" cy="392864"/>
-          </a:xfrm>
-          <a:prstGeom prst="rect">
-            <a:avLst/>
-          </a:prstGeom>
-          <a:noFill/>
-        </p:spPr>
-        <p:txBody>
-          <a:bodyPr wrap="square" rtlCol="0">
-            <a:spAutoFit/>
-            <a:scene3d>
-              <a:camera prst="orthographicFront"/>
-              <a:lightRig rig="threePt" dir="t"/>
-            </a:scene3d>
-            <a:sp3d contourW="12700"/>
-          </a:bodyPr>
-          <a:lstStyle>
-            <a:defPPr>
-              <a:defRPr lang="en-US"/>
-            </a:defPPr>
-            <a:lvl1pPr algn="ctr">
-              <a:lnSpc>
-                <a:spcPct val="120000"/>
-              </a:lnSpc>
-              <a:defRPr sz="1100">
-                <a:solidFill>
-                  <a:schemeClr val="bg1">
-                    <a:lumMod val="65000"/>
-                  </a:schemeClr>
-                </a:solidFill>
-                <a:latin typeface="Century Gothic" panose="020B0502020202020204" pitchFamily="34" charset="0"/>
-              </a:defRPr>
-            </a:lvl1pPr>
-          </a:lstStyle>
-          <a:p>
-            <a:pPr lvl="0" algn="l">
-              <a:defRPr/>
-            </a:pPr>
-            <a:r>
-              <a:rPr lang="en-US" altLang="zh-CN" sz="1800" dirty="0">
-                <a:solidFill>
-                  <a:prstClr val="black"/>
-                </a:solidFill>
-                <a:ea typeface="思源黑体 CN Bold"/>
-                <a:cs typeface="+mn-ea"/>
-              </a:rPr>
-              <a:t>Menu recommendation system</a:t>
-            </a:r>
-          </a:p>
-        </p:txBody>
-      </p:sp>
-    </p:spTree>
-    <p:extLst>
-      <p:ext uri="{BB962C8B-B14F-4D97-AF65-F5344CB8AC3E}">
-        <p14:creationId xmlns:p14="http://schemas.microsoft.com/office/powerpoint/2010/main" val="3940103768"/>
-      </p:ext>
-    </p:extLst>
-  </p:cSld>
-  <p:clrMapOvr>
-    <a:masterClrMapping/>
-  </p:clrMapOvr>
-  <p:timing>
-    <p:tnLst>
-      <p:par>
-        <p:cTn id="1" dur="indefinite" restart="never" nodeType="tmRoot">
-          <p:childTnLst>
-            <p:seq concurrent="1" nextAc="seek">
-              <p:cTn id="2" dur="indefinite" nodeType="mainSeq">
-                <p:childTnLst>
-                  <p:par>
-                    <p:cTn id="3" fill="hold">
-                      <p:stCondLst>
-                        <p:cond delay="indefinite"/>
-                        <p:cond evt="onBegin" delay="0">
-                          <p:tn val="2"/>
-                        </p:cond>
-                      </p:stCondLst>
-                      <p:childTnLst>
-                        <p:par>
-                          <p:cTn id="4" fill="hold">
-                            <p:stCondLst>
-                              <p:cond delay="0"/>
-                            </p:stCondLst>
-                            <p:childTnLst>
-                              <p:par>
-                                <p:cTn id="5" presetID="53" presetClass="entr" presetSubtype="16" fill="hold" grpId="0" nodeType="afterEffect">
-                                  <p:stCondLst>
-                                    <p:cond delay="0"/>
-                                  </p:stCondLst>
-                                  <p:childTnLst>
-                                    <p:set>
-                                      <p:cBhvr>
-                                        <p:cTn id="6" dur="1" fill="hold">
-                                          <p:stCondLst>
-                                            <p:cond delay="0"/>
-                                          </p:stCondLst>
-                                        </p:cTn>
-                                        <p:tgtEl>
-                                          <p:spTgt spid="6"/>
-                                        </p:tgtEl>
-                                        <p:attrNameLst>
-                                          <p:attrName>style.visibility</p:attrName>
-                                        </p:attrNameLst>
-                                      </p:cBhvr>
-                                      <p:to>
-                                        <p:strVal val="visible"/>
-                                      </p:to>
-                                    </p:set>
-                                    <p:anim calcmode="lin" valueType="num">
-                                      <p:cBhvr>
-                                        <p:cTn id="7" dur="500" fill="hold"/>
-                                        <p:tgtEl>
-                                          <p:spTgt spid="6"/>
-                                        </p:tgtEl>
-                                        <p:attrNameLst>
-                                          <p:attrName>ppt_w</p:attrName>
-                                        </p:attrNameLst>
-                                      </p:cBhvr>
-                                      <p:tavLst>
-                                        <p:tav tm="0">
-                                          <p:val>
-                                            <p:fltVal val="0"/>
-                                          </p:val>
-                                        </p:tav>
-                                        <p:tav tm="100000">
-                                          <p:val>
-                                            <p:strVal val="#ppt_w"/>
-                                          </p:val>
-                                        </p:tav>
-                                      </p:tavLst>
-                                    </p:anim>
-                                    <p:anim calcmode="lin" valueType="num">
-                                      <p:cBhvr>
-                                        <p:cTn id="8" dur="500" fill="hold"/>
-                                        <p:tgtEl>
-                                          <p:spTgt spid="6"/>
-                                        </p:tgtEl>
-                                        <p:attrNameLst>
-                                          <p:attrName>ppt_h</p:attrName>
-                                        </p:attrNameLst>
-                                      </p:cBhvr>
-                                      <p:tavLst>
-                                        <p:tav tm="0">
-                                          <p:val>
-                                            <p:fltVal val="0"/>
-                                          </p:val>
-                                        </p:tav>
-                                        <p:tav tm="100000">
-                                          <p:val>
-                                            <p:strVal val="#ppt_h"/>
-                                          </p:val>
-                                        </p:tav>
-                                      </p:tavLst>
-                                    </p:anim>
-                                    <p:animEffect transition="in" filter="fade">
-                                      <p:cBhvr>
-                                        <p:cTn id="9" dur="500"/>
-                                        <p:tgtEl>
-                                          <p:spTgt spid="6"/>
-                                        </p:tgtEl>
-                                      </p:cBhvr>
-                                    </p:animEffect>
-                                  </p:childTnLst>
-                                </p:cTn>
-                              </p:par>
-                            </p:childTnLst>
-                          </p:cTn>
-                        </p:par>
-                        <p:par>
-                          <p:cTn id="10" fill="hold">
-                            <p:stCondLst>
-                              <p:cond delay="500"/>
-                            </p:stCondLst>
-                            <p:childTnLst>
-                              <p:par>
-                                <p:cTn id="11" presetID="2" presetClass="entr" presetSubtype="8" fill="hold" grpId="0" nodeType="afterEffect">
-                                  <p:stCondLst>
-                                    <p:cond delay="0"/>
-                                  </p:stCondLst>
-                                  <p:childTnLst>
-                                    <p:set>
-                                      <p:cBhvr>
-                                        <p:cTn id="12" dur="1" fill="hold">
-                                          <p:stCondLst>
-                                            <p:cond delay="0"/>
-                                          </p:stCondLst>
-                                        </p:cTn>
-                                        <p:tgtEl>
-                                          <p:spTgt spid="7"/>
-                                        </p:tgtEl>
-                                        <p:attrNameLst>
-                                          <p:attrName>style.visibility</p:attrName>
-                                        </p:attrNameLst>
-                                      </p:cBhvr>
-                                      <p:to>
-                                        <p:strVal val="visible"/>
-                                      </p:to>
-                                    </p:set>
-                                    <p:anim calcmode="lin" valueType="num">
-                                      <p:cBhvr additive="base">
-                                        <p:cTn id="13" dur="500" fill="hold"/>
-                                        <p:tgtEl>
-                                          <p:spTgt spid="7"/>
-                                        </p:tgtEl>
-                                        <p:attrNameLst>
-                                          <p:attrName>ppt_x</p:attrName>
-                                        </p:attrNameLst>
-                                      </p:cBhvr>
-                                      <p:tavLst>
-                                        <p:tav tm="0">
-                                          <p:val>
-                                            <p:strVal val="0-#ppt_w/2"/>
-                                          </p:val>
-                                        </p:tav>
-                                        <p:tav tm="100000">
-                                          <p:val>
-                                            <p:strVal val="#ppt_x"/>
-                                          </p:val>
-                                        </p:tav>
-                                      </p:tavLst>
-                                    </p:anim>
-                                    <p:anim calcmode="lin" valueType="num">
-                                      <p:cBhvr additive="base">
-                                        <p:cTn id="14" dur="500" fill="hold"/>
-                                        <p:tgtEl>
-                                          <p:spTgt spid="7"/>
-                                        </p:tgtEl>
-                                        <p:attrNameLst>
-                                          <p:attrName>ppt_y</p:attrName>
-                                        </p:attrNameLst>
-                                      </p:cBhvr>
-                                      <p:tavLst>
-                                        <p:tav tm="0">
-                                          <p:val>
-                                            <p:strVal val="#ppt_y"/>
-                                          </p:val>
-                                        </p:tav>
-                                        <p:tav tm="100000">
-                                          <p:val>
-                                            <p:strVal val="#ppt_y"/>
-                                          </p:val>
-                                        </p:tav>
-                                      </p:tavLst>
-                                    </p:anim>
-                                  </p:childTnLst>
-                                </p:cTn>
-                              </p:par>
-                            </p:childTnLst>
-                          </p:cTn>
-                        </p:par>
-                        <p:par>
-                          <p:cTn id="15" fill="hold">
-                            <p:stCondLst>
-                              <p:cond delay="1000"/>
-                            </p:stCondLst>
-                            <p:childTnLst>
-                              <p:par>
-                                <p:cTn id="16" presetID="53" presetClass="entr" presetSubtype="16" fill="hold" nodeType="afterEffect">
-                                  <p:stCondLst>
-                                    <p:cond delay="0"/>
-                                  </p:stCondLst>
-                                  <p:childTnLst>
-                                    <p:set>
-                                      <p:cBhvr>
-                                        <p:cTn id="17" dur="1" fill="hold">
-                                          <p:stCondLst>
-                                            <p:cond delay="0"/>
-                                          </p:stCondLst>
-                                        </p:cTn>
-                                        <p:tgtEl>
-                                          <p:spTgt spid="9"/>
-                                        </p:tgtEl>
-                                        <p:attrNameLst>
-                                          <p:attrName>style.visibility</p:attrName>
-                                        </p:attrNameLst>
-                                      </p:cBhvr>
-                                      <p:to>
-                                        <p:strVal val="visible"/>
-                                      </p:to>
-                                    </p:set>
-                                    <p:anim calcmode="lin" valueType="num">
-                                      <p:cBhvr>
-                                        <p:cTn id="18" dur="500" fill="hold"/>
-                                        <p:tgtEl>
-                                          <p:spTgt spid="9"/>
-                                        </p:tgtEl>
-                                        <p:attrNameLst>
-                                          <p:attrName>ppt_w</p:attrName>
-                                        </p:attrNameLst>
-                                      </p:cBhvr>
-                                      <p:tavLst>
-                                        <p:tav tm="0">
-                                          <p:val>
-                                            <p:fltVal val="0"/>
-                                          </p:val>
-                                        </p:tav>
-                                        <p:tav tm="100000">
-                                          <p:val>
-                                            <p:strVal val="#ppt_w"/>
-                                          </p:val>
-                                        </p:tav>
-                                      </p:tavLst>
-                                    </p:anim>
-                                    <p:anim calcmode="lin" valueType="num">
-                                      <p:cBhvr>
-                                        <p:cTn id="19" dur="500" fill="hold"/>
-                                        <p:tgtEl>
-                                          <p:spTgt spid="9"/>
-                                        </p:tgtEl>
-                                        <p:attrNameLst>
-                                          <p:attrName>ppt_h</p:attrName>
-                                        </p:attrNameLst>
-                                      </p:cBhvr>
-                                      <p:tavLst>
-                                        <p:tav tm="0">
-                                          <p:val>
-                                            <p:fltVal val="0"/>
-                                          </p:val>
-                                        </p:tav>
-                                        <p:tav tm="100000">
-                                          <p:val>
-                                            <p:strVal val="#ppt_h"/>
-                                          </p:val>
-                                        </p:tav>
-                                      </p:tavLst>
-                                    </p:anim>
-                                    <p:animEffect transition="in" filter="fade">
-                                      <p:cBhvr>
-                                        <p:cTn id="20" dur="500"/>
-                                        <p:tgtEl>
-                                          <p:spTgt spid="9"/>
-                                        </p:tgtEl>
-                                      </p:cBhvr>
-                                    </p:animEffect>
-                                  </p:childTnLst>
-                                </p:cTn>
-                              </p:par>
-                            </p:childTnLst>
-                          </p:cTn>
-                        </p:par>
-                        <p:par>
-                          <p:cTn id="21" fill="hold">
-                            <p:stCondLst>
-                              <p:cond delay="1500"/>
-                            </p:stCondLst>
-                            <p:childTnLst>
-                              <p:par>
-                                <p:cTn id="22" presetID="22" presetClass="entr" presetSubtype="1" fill="hold" grpId="0" nodeType="afterEffect">
-                                  <p:stCondLst>
-                                    <p:cond delay="0"/>
-                                  </p:stCondLst>
-                                  <p:childTnLst>
-                                    <p:set>
-                                      <p:cBhvr>
-                                        <p:cTn id="23" dur="1" fill="hold">
-                                          <p:stCondLst>
-                                            <p:cond delay="0"/>
-                                          </p:stCondLst>
-                                        </p:cTn>
-                                        <p:tgtEl>
-                                          <p:spTgt spid="12"/>
-                                        </p:tgtEl>
-                                        <p:attrNameLst>
-                                          <p:attrName>style.visibility</p:attrName>
-                                        </p:attrNameLst>
-                                      </p:cBhvr>
-                                      <p:to>
-                                        <p:strVal val="visible"/>
-                                      </p:to>
-                                    </p:set>
-                                    <p:animEffect transition="in" filter="wipe(up)">
-                                      <p:cBhvr>
-                                        <p:cTn id="24" dur="500"/>
-                                        <p:tgtEl>
-                                          <p:spTgt spid="12"/>
-                                        </p:tgtEl>
-                                      </p:cBhvr>
-                                    </p:animEffect>
-                                  </p:childTnLst>
-                                </p:cTn>
-                              </p:par>
-                            </p:childTnLst>
-                          </p:cTn>
-                        </p:par>
-                      </p:childTnLst>
-                    </p:cTn>
-                  </p:par>
-                </p:childTnLst>
-              </p:cTn>
-              <p:prevCondLst>
-                <p:cond evt="onPrev" delay="0">
-                  <p:tgtEl>
-                    <p:sldTgt/>
-                  </p:tgtEl>
-                </p:cond>
-              </p:prevCondLst>
-              <p:nextCondLst>
-                <p:cond evt="onNext" delay="0">
-                  <p:tgtEl>
-                    <p:sldTgt/>
-                  </p:tgtEl>
-                </p:cond>
-              </p:nextCondLst>
-            </p:seq>
-          </p:childTnLst>
-        </p:cTn>
-      </p:par>
-    </p:tnLst>
-    <p:bldLst>
-      <p:bldP spid="6" grpId="0"/>
-      <p:bldP spid="7" grpId="0"/>
-      <p:bldP spid="12" grpId="0"/>
-    </p:bldLst>
-  </p:timing>
-</p:sld>
-</file>
-
-<file path=ppt/slides/slide8.xml><?xml version="1.0" encoding="utf-8"?>
 <p:sld xmlns:a="http://schemas.openxmlformats.org/drawingml/2006/main" xmlns:r="http://schemas.openxmlformats.org/officeDocument/2006/relationships" xmlns:p="http://schemas.openxmlformats.org/presentationml/2006/main">
   <p:cSld>
     <p:spTree>
@@ -35443,7 +35913,7 @@
           <p:spPr>
             <a:xfrm>
               <a:off x="1469911" y="360040"/>
-              <a:ext cx="2001399" cy="461665"/>
+              <a:ext cx="2876047" cy="461665"/>
             </a:xfrm>
             <a:prstGeom prst="rect">
               <a:avLst/>
@@ -35488,7 +35958,7 @@
                   <a:ea typeface="Microsoft YaHei" panose="020B0503020204020204" pitchFamily="34" charset="-122"/>
                   <a:cs typeface="+mn-ea"/>
                 </a:rPr>
-                <a:t>目的与意义</a:t>
+                <a:t>项目背景与意义</a:t>
               </a:r>
             </a:p>
           </p:txBody>
@@ -37638,7 +38108,7 @@
 </p:sld>
 </file>
 
-<file path=ppt/slides/slide9.xml><?xml version="1.0" encoding="utf-8"?>
+<file path=ppt/slides/slide8.xml><?xml version="1.0" encoding="utf-8"?>
 <p:sld xmlns:a="http://schemas.openxmlformats.org/drawingml/2006/main" xmlns:r="http://schemas.openxmlformats.org/officeDocument/2006/relationships" xmlns:p="http://schemas.openxmlformats.org/presentationml/2006/main">
   <p:cSld>
     <p:spTree>
@@ -37902,7 +38372,7 @@
                 <a:ea typeface="思源黑体 CN Bold"/>
                 <a:cs typeface="+mn-ea"/>
               </a:rPr>
-              <a:t>PART 03</a:t>
+              <a:t>PART 02</a:t>
             </a:r>
             <a:endParaRPr kumimoji="0" lang="zh-CN" altLang="en-US" sz="17500" b="1" i="0" u="none" strike="noStrike" kern="1200" cap="none" spc="0" normalizeH="0" baseline="0" noProof="0" dirty="0">
               <a:ln>
@@ -37937,8 +38407,8 @@
         </p:nvSpPr>
         <p:spPr>
           <a:xfrm>
-            <a:off x="3647664" y="2665966"/>
-            <a:ext cx="6101896" cy="830997"/>
+            <a:off x="4424736" y="2640526"/>
+            <a:ext cx="6603922" cy="830997"/>
           </a:xfrm>
           <a:prstGeom prst="rect">
             <a:avLst/>
@@ -37971,40 +38441,33 @@
             </a:lvl1pPr>
           </a:lstStyle>
           <a:p>
-            <a:pPr marL="0" marR="0" lvl="0" indent="0" algn="l" defTabSz="914400" rtl="0" eaLnBrk="1" fontAlgn="auto" latinLnBrk="0" hangingPunct="1">
-              <a:lnSpc>
-                <a:spcPct val="100000"/>
-              </a:lnSpc>
-              <a:spcBef>
-                <a:spcPts val="0"/>
-              </a:spcBef>
-              <a:spcAft>
-                <a:spcPts val="0"/>
-              </a:spcAft>
-              <a:buClrTx/>
-              <a:buSzTx/>
-              <a:buFontTx/>
-              <a:buNone/>
-              <a:tabLst/>
+            <a:pPr lvl="0" algn="l">
               <a:defRPr/>
             </a:pPr>
             <a:r>
-              <a:rPr kumimoji="0" lang="zh-CN" altLang="en-US" sz="4800" b="1" i="0" u="none" strike="noStrike" kern="0" cap="none" spc="0" normalizeH="0" baseline="0" noProof="0" dirty="0">
-                <a:ln>
-                  <a:noFill/>
-                </a:ln>
+              <a:rPr lang="zh-CN" altLang="en-US" sz="4800" dirty="0">
                 <a:solidFill>
                   <a:prstClr val="black"/>
                 </a:solidFill>
-                <a:effectLst/>
-                <a:uLnTx/>
-                <a:uFillTx/>
-                <a:latin typeface="思源黑体 CN Bold"/>
                 <a:ea typeface="思源黑体 CN Bold"/>
                 <a:cs typeface="+mn-ea"/>
               </a:rPr>
-              <a:t>项目功能及工作流程</a:t>
+              <a:t>项目阶段目标</a:t>
             </a:r>
+            <a:endParaRPr kumimoji="0" lang="zh-CN" altLang="en-US" sz="4800" b="1" i="0" u="none" strike="noStrike" kern="0" cap="none" spc="0" normalizeH="0" baseline="0" noProof="0" dirty="0">
+              <a:ln>
+                <a:noFill/>
+              </a:ln>
+              <a:solidFill>
+                <a:prstClr val="black"/>
+              </a:solidFill>
+              <a:effectLst/>
+              <a:uLnTx/>
+              <a:uFillTx/>
+              <a:latin typeface="思源黑体 CN Bold"/>
+              <a:ea typeface="思源黑体 CN Bold"/>
+              <a:cs typeface="+mn-ea"/>
+            </a:endParaRPr>
           </a:p>
         </p:txBody>
       </p:sp>
@@ -38361,10 +38824,10 @@
       </p:grpSp>
       <p:sp>
         <p:nvSpPr>
-          <p:cNvPr id="13" name="文本框 12">
+          <p:cNvPr id="12" name="文本框 11">
             <a:extLst>
               <a:ext uri="{FF2B5EF4-FFF2-40B4-BE49-F238E27FC236}">
-                <a16:creationId xmlns:a16="http://schemas.microsoft.com/office/drawing/2014/main" id="{F441CE1F-B2DE-62FB-3730-6AA57EE065BB}"/>
+                <a16:creationId xmlns:a16="http://schemas.microsoft.com/office/drawing/2014/main" id="{C17462C4-C08E-0CD8-0DDE-4D825427BAFC}"/>
               </a:ext>
             </a:extLst>
           </p:cNvPr>
@@ -38373,7 +38836,7 @@
         </p:nvSpPr>
         <p:spPr>
           <a:xfrm>
-            <a:off x="3647664" y="3468388"/>
+            <a:off x="4424736" y="3496963"/>
             <a:ext cx="5221287" cy="392864"/>
           </a:xfrm>
           <a:prstGeom prst="rect">
@@ -38428,7 +38891,7 @@
     </p:spTree>
     <p:extLst>
       <p:ext uri="{BB962C8B-B14F-4D97-AF65-F5344CB8AC3E}">
-        <p14:creationId xmlns:p14="http://schemas.microsoft.com/office/powerpoint/2010/main" val="1366736411"/>
+        <p14:creationId xmlns:p14="http://schemas.microsoft.com/office/powerpoint/2010/main" val="3940103768"/>
       </p:ext>
     </p:extLst>
   </p:cSld>
@@ -38734,7 +39197,7 @@
                                           </p:stCondLst>
                                         </p:cTn>
                                         <p:tgtEl>
-                                          <p:spTgt spid="13"/>
+                                          <p:spTgt spid="12"/>
                                         </p:tgtEl>
                                         <p:attrNameLst>
                                           <p:attrName>style.visibility</p:attrName>
@@ -38748,7 +39211,7 @@
                                       <p:cBhvr>
                                         <p:cTn id="24" dur="500"/>
                                         <p:tgtEl>
-                                          <p:spTgt spid="13"/>
+                                          <p:spTgt spid="12"/>
                                         </p:tgtEl>
                                       </p:cBhvr>
                                     </p:animEffect>
@@ -38785,9 +39248,899 @@
     <p:bldLst>
       <p:bldP spid="6" grpId="0"/>
       <p:bldP spid="7" grpId="0"/>
-      <p:bldP spid="13" grpId="0"/>
+      <p:bldP spid="12" grpId="0"/>
     </p:bldLst>
   </p:timing>
+</p:sld>
+</file>
+
+<file path=ppt/slides/slide9.xml><?xml version="1.0" encoding="utf-8"?>
+<p:sld xmlns:a="http://schemas.openxmlformats.org/drawingml/2006/main" xmlns:r="http://schemas.openxmlformats.org/officeDocument/2006/relationships" xmlns:p="http://schemas.openxmlformats.org/presentationml/2006/main">
+  <p:cSld>
+    <p:spTree>
+      <p:nvGrpSpPr>
+        <p:cNvPr id="1" name=""/>
+        <p:cNvGrpSpPr/>
+        <p:nvPr/>
+      </p:nvGrpSpPr>
+      <p:grpSpPr>
+        <a:xfrm>
+          <a:off x="0" y="0"/>
+          <a:ext cx="0" cy="0"/>
+          <a:chOff x="0" y="0"/>
+          <a:chExt cx="0" cy="0"/>
+        </a:xfrm>
+      </p:grpSpPr>
+      <p:grpSp>
+        <p:nvGrpSpPr>
+          <p:cNvPr id="22" name="组合 21">
+            <a:extLst>
+              <a:ext uri="{FF2B5EF4-FFF2-40B4-BE49-F238E27FC236}">
+                <a16:creationId xmlns:a16="http://schemas.microsoft.com/office/drawing/2014/main" id="{4953F329-30A5-7240-9BE0-4F392AE6BE9E}"/>
+              </a:ext>
+            </a:extLst>
+          </p:cNvPr>
+          <p:cNvGrpSpPr/>
+          <p:nvPr/>
+        </p:nvGrpSpPr>
+        <p:grpSpPr>
+          <a:xfrm>
+            <a:off x="636565" y="360040"/>
+            <a:ext cx="10918871" cy="650509"/>
+            <a:chOff x="636565" y="360040"/>
+            <a:chExt cx="10918871" cy="650509"/>
+          </a:xfrm>
+        </p:grpSpPr>
+        <p:cxnSp>
+          <p:nvCxnSpPr>
+            <p:cNvPr id="23" name="直接连接符 1">
+              <a:extLst>
+                <a:ext uri="{FF2B5EF4-FFF2-40B4-BE49-F238E27FC236}">
+                  <a16:creationId xmlns:a16="http://schemas.microsoft.com/office/drawing/2014/main" id="{2C6FDACA-CE61-BF46-872A-AB65F9DE1CEF}"/>
+                </a:ext>
+              </a:extLst>
+            </p:cNvPr>
+            <p:cNvCxnSpPr>
+              <a:cxnSpLocks/>
+            </p:cNvCxnSpPr>
+            <p:nvPr/>
+          </p:nvCxnSpPr>
+          <p:spPr>
+            <a:xfrm>
+              <a:off x="636565" y="1010549"/>
+              <a:ext cx="10918871" cy="0"/>
+            </a:xfrm>
+            <a:prstGeom prst="line">
+              <a:avLst/>
+            </a:prstGeom>
+            <a:ln w="12700">
+              <a:solidFill>
+                <a:schemeClr val="bg1">
+                  <a:lumMod val="50000"/>
+                </a:schemeClr>
+              </a:solidFill>
+            </a:ln>
+          </p:spPr>
+          <p:style>
+            <a:lnRef idx="1">
+              <a:schemeClr val="accent1"/>
+            </a:lnRef>
+            <a:fillRef idx="0">
+              <a:schemeClr val="accent1"/>
+            </a:fillRef>
+            <a:effectRef idx="0">
+              <a:schemeClr val="accent1"/>
+            </a:effectRef>
+            <a:fontRef idx="minor">
+              <a:schemeClr val="tx1"/>
+            </a:fontRef>
+          </p:style>
+        </p:cxnSp>
+        <p:grpSp>
+          <p:nvGrpSpPr>
+            <p:cNvPr id="24" name="Group 4">
+              <a:extLst>
+                <a:ext uri="{FF2B5EF4-FFF2-40B4-BE49-F238E27FC236}">
+                  <a16:creationId xmlns:a16="http://schemas.microsoft.com/office/drawing/2014/main" id="{3D49530B-173A-F342-935F-0997B41F6BD1}"/>
+                </a:ext>
+              </a:extLst>
+            </p:cNvPr>
+            <p:cNvGrpSpPr>
+              <a:grpSpLocks noChangeAspect="1"/>
+            </p:cNvGrpSpPr>
+            <p:nvPr/>
+          </p:nvGrpSpPr>
+          <p:grpSpPr bwMode="auto">
+            <a:xfrm>
+              <a:off x="760660" y="387081"/>
+              <a:ext cx="483760" cy="420748"/>
+              <a:chOff x="2111" y="-891"/>
+              <a:chExt cx="1343" cy="816"/>
+            </a:xfrm>
+            <a:solidFill>
+              <a:schemeClr val="accent2"/>
+            </a:solidFill>
+          </p:grpSpPr>
+          <p:sp>
+            <p:nvSpPr>
+              <p:cNvPr id="26" name="Freeform 5">
+                <a:extLst>
+                  <a:ext uri="{FF2B5EF4-FFF2-40B4-BE49-F238E27FC236}">
+                    <a16:creationId xmlns:a16="http://schemas.microsoft.com/office/drawing/2014/main" id="{C0FEE0D6-BD69-A748-AA10-7BBAF82F18E7}"/>
+                  </a:ext>
+                </a:extLst>
+              </p:cNvPr>
+              <p:cNvSpPr>
+                <a:spLocks/>
+              </p:cNvSpPr>
+              <p:nvPr/>
+            </p:nvSpPr>
+            <p:spPr bwMode="auto">
+              <a:xfrm>
+                <a:off x="2737" y="-891"/>
+                <a:ext cx="717" cy="816"/>
+              </a:xfrm>
+              <a:custGeom>
+                <a:avLst/>
+                <a:gdLst>
+                  <a:gd name="T0" fmla="*/ 406 w 717"/>
+                  <a:gd name="T1" fmla="*/ 407 h 816"/>
+                  <a:gd name="T2" fmla="*/ 0 w 717"/>
+                  <a:gd name="T3" fmla="*/ 816 h 816"/>
+                  <a:gd name="T4" fmla="*/ 310 w 717"/>
+                  <a:gd name="T5" fmla="*/ 816 h 816"/>
+                  <a:gd name="T6" fmla="*/ 717 w 717"/>
+                  <a:gd name="T7" fmla="*/ 407 h 816"/>
+                  <a:gd name="T8" fmla="*/ 310 w 717"/>
+                  <a:gd name="T9" fmla="*/ 0 h 816"/>
+                  <a:gd name="T10" fmla="*/ 0 w 717"/>
+                  <a:gd name="T11" fmla="*/ 0 h 816"/>
+                  <a:gd name="T12" fmla="*/ 406 w 717"/>
+                  <a:gd name="T13" fmla="*/ 407 h 816"/>
+                </a:gdLst>
+                <a:ahLst/>
+                <a:cxnLst>
+                  <a:cxn ang="0">
+                    <a:pos x="T0" y="T1"/>
+                  </a:cxn>
+                  <a:cxn ang="0">
+                    <a:pos x="T2" y="T3"/>
+                  </a:cxn>
+                  <a:cxn ang="0">
+                    <a:pos x="T4" y="T5"/>
+                  </a:cxn>
+                  <a:cxn ang="0">
+                    <a:pos x="T6" y="T7"/>
+                  </a:cxn>
+                  <a:cxn ang="0">
+                    <a:pos x="T8" y="T9"/>
+                  </a:cxn>
+                  <a:cxn ang="0">
+                    <a:pos x="T10" y="T11"/>
+                  </a:cxn>
+                  <a:cxn ang="0">
+                    <a:pos x="T12" y="T13"/>
+                  </a:cxn>
+                </a:cxnLst>
+                <a:rect l="0" t="0" r="r" b="b"/>
+                <a:pathLst>
+                  <a:path w="717" h="816">
+                    <a:moveTo>
+                      <a:pt x="406" y="407"/>
+                    </a:moveTo>
+                    <a:lnTo>
+                      <a:pt x="0" y="816"/>
+                    </a:lnTo>
+                    <a:lnTo>
+                      <a:pt x="310" y="816"/>
+                    </a:lnTo>
+                    <a:lnTo>
+                      <a:pt x="717" y="407"/>
+                    </a:lnTo>
+                    <a:lnTo>
+                      <a:pt x="310" y="0"/>
+                    </a:lnTo>
+                    <a:lnTo>
+                      <a:pt x="0" y="0"/>
+                    </a:lnTo>
+                    <a:lnTo>
+                      <a:pt x="406" y="407"/>
+                    </a:lnTo>
+                    <a:close/>
+                  </a:path>
+                </a:pathLst>
+              </a:custGeom>
+              <a:grpFill/>
+              <a:ln>
+                <a:noFill/>
+              </a:ln>
+              <a:effectLst>
+                <a:outerShdw blurRad="63500" algn="ctr" rotWithShape="0">
+                  <a:prstClr val="black">
+                    <a:alpha val="40000"/>
+                  </a:prstClr>
+                </a:outerShdw>
+              </a:effectLst>
+            </p:spPr>
+            <p:style>
+              <a:lnRef idx="2">
+                <a:schemeClr val="accent1">
+                  <a:shade val="50000"/>
+                </a:schemeClr>
+              </a:lnRef>
+              <a:fillRef idx="1">
+                <a:schemeClr val="accent1"/>
+              </a:fillRef>
+              <a:effectRef idx="0">
+                <a:schemeClr val="accent1"/>
+              </a:effectRef>
+              <a:fontRef idx="minor">
+                <a:schemeClr val="lt1"/>
+              </a:fontRef>
+            </p:style>
+            <p:txBody>
+              <a:bodyPr rot="0" spcFirstLastPara="0" vertOverflow="overflow" horzOverflow="overflow" vert="horz" wrap="square" lIns="91440" tIns="45720" rIns="91440" bIns="45720" numCol="1" spcCol="0" rtlCol="0" fromWordArt="0" anchor="ctr" anchorCtr="0" forceAA="0" compatLnSpc="1">
+                <a:prstTxWarp prst="textNoShape">
+                  <a:avLst/>
+                </a:prstTxWarp>
+                <a:noAutofit/>
+              </a:bodyPr>
+              <a:lstStyle/>
+              <a:p>
+                <a:pPr marL="0" marR="0" lvl="0" indent="0" algn="ctr" defTabSz="457200" rtl="0" eaLnBrk="1" fontAlgn="auto" latinLnBrk="0" hangingPunct="1">
+                  <a:lnSpc>
+                    <a:spcPct val="100000"/>
+                  </a:lnSpc>
+                  <a:spcBef>
+                    <a:spcPts val="0"/>
+                  </a:spcBef>
+                  <a:spcAft>
+                    <a:spcPts val="0"/>
+                  </a:spcAft>
+                  <a:buClrTx/>
+                  <a:buSzTx/>
+                  <a:buFontTx/>
+                  <a:buNone/>
+                  <a:tabLst/>
+                  <a:defRPr/>
+                </a:pPr>
+                <a:endParaRPr kumimoji="0" lang="zh-CN" altLang="en-US" sz="1800" b="0" i="0" u="none" strike="noStrike" kern="1200" cap="none" spc="0" normalizeH="0" baseline="0" noProof="0">
+                  <a:ln>
+                    <a:noFill/>
+                  </a:ln>
+                  <a:solidFill>
+                    <a:srgbClr val="FFFFFF"/>
+                  </a:solidFill>
+                  <a:effectLst/>
+                  <a:uLnTx/>
+                  <a:uFillTx/>
+                  <a:latin typeface="Century Gothic" panose="020F0502020204030204"/>
+                  <a:ea typeface="思源黑体 CN Bold"/>
+                  <a:cs typeface="+mn-ea"/>
+                </a:endParaRPr>
+              </a:p>
+            </p:txBody>
+          </p:sp>
+          <p:sp>
+            <p:nvSpPr>
+              <p:cNvPr id="37" name="Freeform 6">
+                <a:extLst>
+                  <a:ext uri="{FF2B5EF4-FFF2-40B4-BE49-F238E27FC236}">
+                    <a16:creationId xmlns:a16="http://schemas.microsoft.com/office/drawing/2014/main" id="{EF26BF72-1FE2-314C-AB76-FDA07B219102}"/>
+                  </a:ext>
+                </a:extLst>
+              </p:cNvPr>
+              <p:cNvSpPr>
+                <a:spLocks/>
+              </p:cNvSpPr>
+              <p:nvPr/>
+            </p:nvSpPr>
+            <p:spPr bwMode="auto">
+              <a:xfrm>
+                <a:off x="2111" y="-891"/>
+                <a:ext cx="717" cy="816"/>
+              </a:xfrm>
+              <a:custGeom>
+                <a:avLst/>
+                <a:gdLst>
+                  <a:gd name="T0" fmla="*/ 407 w 717"/>
+                  <a:gd name="T1" fmla="*/ 407 h 816"/>
+                  <a:gd name="T2" fmla="*/ 0 w 717"/>
+                  <a:gd name="T3" fmla="*/ 816 h 816"/>
+                  <a:gd name="T4" fmla="*/ 311 w 717"/>
+                  <a:gd name="T5" fmla="*/ 816 h 816"/>
+                  <a:gd name="T6" fmla="*/ 717 w 717"/>
+                  <a:gd name="T7" fmla="*/ 407 h 816"/>
+                  <a:gd name="T8" fmla="*/ 311 w 717"/>
+                  <a:gd name="T9" fmla="*/ 0 h 816"/>
+                  <a:gd name="T10" fmla="*/ 0 w 717"/>
+                  <a:gd name="T11" fmla="*/ 0 h 816"/>
+                  <a:gd name="T12" fmla="*/ 407 w 717"/>
+                  <a:gd name="T13" fmla="*/ 407 h 816"/>
+                </a:gdLst>
+                <a:ahLst/>
+                <a:cxnLst>
+                  <a:cxn ang="0">
+                    <a:pos x="T0" y="T1"/>
+                  </a:cxn>
+                  <a:cxn ang="0">
+                    <a:pos x="T2" y="T3"/>
+                  </a:cxn>
+                  <a:cxn ang="0">
+                    <a:pos x="T4" y="T5"/>
+                  </a:cxn>
+                  <a:cxn ang="0">
+                    <a:pos x="T6" y="T7"/>
+                  </a:cxn>
+                  <a:cxn ang="0">
+                    <a:pos x="T8" y="T9"/>
+                  </a:cxn>
+                  <a:cxn ang="0">
+                    <a:pos x="T10" y="T11"/>
+                  </a:cxn>
+                  <a:cxn ang="0">
+                    <a:pos x="T12" y="T13"/>
+                  </a:cxn>
+                </a:cxnLst>
+                <a:rect l="0" t="0" r="r" b="b"/>
+                <a:pathLst>
+                  <a:path w="717" h="816">
+                    <a:moveTo>
+                      <a:pt x="407" y="407"/>
+                    </a:moveTo>
+                    <a:lnTo>
+                      <a:pt x="0" y="816"/>
+                    </a:lnTo>
+                    <a:lnTo>
+                      <a:pt x="311" y="816"/>
+                    </a:lnTo>
+                    <a:lnTo>
+                      <a:pt x="717" y="407"/>
+                    </a:lnTo>
+                    <a:lnTo>
+                      <a:pt x="311" y="0"/>
+                    </a:lnTo>
+                    <a:lnTo>
+                      <a:pt x="0" y="0"/>
+                    </a:lnTo>
+                    <a:lnTo>
+                      <a:pt x="407" y="407"/>
+                    </a:lnTo>
+                    <a:close/>
+                  </a:path>
+                </a:pathLst>
+              </a:custGeom>
+              <a:grpFill/>
+              <a:ln>
+                <a:noFill/>
+              </a:ln>
+              <a:effectLst>
+                <a:outerShdw blurRad="63500" algn="ctr" rotWithShape="0">
+                  <a:prstClr val="black">
+                    <a:alpha val="40000"/>
+                  </a:prstClr>
+                </a:outerShdw>
+              </a:effectLst>
+            </p:spPr>
+            <p:style>
+              <a:lnRef idx="2">
+                <a:schemeClr val="accent1">
+                  <a:shade val="50000"/>
+                </a:schemeClr>
+              </a:lnRef>
+              <a:fillRef idx="1">
+                <a:schemeClr val="accent1"/>
+              </a:fillRef>
+              <a:effectRef idx="0">
+                <a:schemeClr val="accent1"/>
+              </a:effectRef>
+              <a:fontRef idx="minor">
+                <a:schemeClr val="lt1"/>
+              </a:fontRef>
+            </p:style>
+            <p:txBody>
+              <a:bodyPr rot="0" spcFirstLastPara="0" vertOverflow="overflow" horzOverflow="overflow" vert="horz" wrap="square" lIns="91440" tIns="45720" rIns="91440" bIns="45720" numCol="1" spcCol="0" rtlCol="0" fromWordArt="0" anchor="ctr" anchorCtr="0" forceAA="0" compatLnSpc="1">
+                <a:prstTxWarp prst="textNoShape">
+                  <a:avLst/>
+                </a:prstTxWarp>
+                <a:noAutofit/>
+              </a:bodyPr>
+              <a:lstStyle/>
+              <a:p>
+                <a:pPr marL="0" marR="0" lvl="0" indent="0" algn="ctr" defTabSz="457200" rtl="0" eaLnBrk="1" fontAlgn="auto" latinLnBrk="0" hangingPunct="1">
+                  <a:lnSpc>
+                    <a:spcPct val="100000"/>
+                  </a:lnSpc>
+                  <a:spcBef>
+                    <a:spcPts val="0"/>
+                  </a:spcBef>
+                  <a:spcAft>
+                    <a:spcPts val="0"/>
+                  </a:spcAft>
+                  <a:buClrTx/>
+                  <a:buSzTx/>
+                  <a:buFontTx/>
+                  <a:buNone/>
+                  <a:tabLst/>
+                  <a:defRPr/>
+                </a:pPr>
+                <a:endParaRPr kumimoji="0" lang="zh-CN" altLang="en-US" sz="1800" b="0" i="0" u="none" strike="noStrike" kern="1200" cap="none" spc="0" normalizeH="0" baseline="0" noProof="0">
+                  <a:ln>
+                    <a:noFill/>
+                  </a:ln>
+                  <a:solidFill>
+                    <a:srgbClr val="FFFFFF"/>
+                  </a:solidFill>
+                  <a:effectLst/>
+                  <a:uLnTx/>
+                  <a:uFillTx/>
+                  <a:latin typeface="Century Gothic" panose="020F0502020204030204"/>
+                  <a:ea typeface="思源黑体 CN Bold"/>
+                  <a:cs typeface="+mn-ea"/>
+                </a:endParaRPr>
+              </a:p>
+            </p:txBody>
+          </p:sp>
+        </p:grpSp>
+        <p:sp>
+          <p:nvSpPr>
+            <p:cNvPr id="25" name="文本框 24">
+              <a:extLst>
+                <a:ext uri="{FF2B5EF4-FFF2-40B4-BE49-F238E27FC236}">
+                  <a16:creationId xmlns:a16="http://schemas.microsoft.com/office/drawing/2014/main" id="{CB620D30-E70B-134D-B16B-1D9C2C66EC38}"/>
+                </a:ext>
+              </a:extLst>
+            </p:cNvPr>
+            <p:cNvSpPr txBox="1"/>
+            <p:nvPr/>
+          </p:nvSpPr>
+          <p:spPr>
+            <a:xfrm>
+              <a:off x="1469911" y="360040"/>
+              <a:ext cx="2721089" cy="461665"/>
+            </a:xfrm>
+            <a:prstGeom prst="rect">
+              <a:avLst/>
+            </a:prstGeom>
+            <a:noFill/>
+          </p:spPr>
+          <p:txBody>
+            <a:bodyPr wrap="square" rtlCol="0">
+              <a:spAutoFit/>
+            </a:bodyPr>
+            <a:lstStyle/>
+            <a:p>
+              <a:pPr marL="0" marR="0" lvl="0" indent="0" algn="dist" defTabSz="914400" rtl="0" eaLnBrk="1" fontAlgn="auto" latinLnBrk="0" hangingPunct="1">
+                <a:lnSpc>
+                  <a:spcPct val="100000"/>
+                </a:lnSpc>
+                <a:spcBef>
+                  <a:spcPts val="0"/>
+                </a:spcBef>
+                <a:spcAft>
+                  <a:spcPts val="0"/>
+                </a:spcAft>
+                <a:buClrTx/>
+                <a:buSzTx/>
+                <a:buFontTx/>
+                <a:buNone/>
+                <a:tabLst/>
+                <a:defRPr/>
+              </a:pPr>
+              <a:r>
+                <a:rPr kumimoji="0" lang="zh-CN" altLang="en-US" sz="2400" b="1" i="0" u="none" strike="noStrike" kern="1200" cap="none" spc="0" normalizeH="0" baseline="0" noProof="0" dirty="0">
+                  <a:ln>
+                    <a:noFill/>
+                  </a:ln>
+                  <a:solidFill>
+                    <a:srgbClr val="3F3F3F"/>
+                  </a:solidFill>
+                  <a:effectLst/>
+                  <a:uLnTx/>
+                  <a:uFillTx/>
+                  <a:latin typeface="Microsoft YaHei" panose="020B0503020204020204" pitchFamily="34" charset="-122"/>
+                  <a:ea typeface="Microsoft YaHei" panose="020B0503020204020204" pitchFamily="34" charset="-122"/>
+                  <a:cs typeface="+mn-ea"/>
+                </a:rPr>
+                <a:t>项目阶段目标</a:t>
+              </a:r>
+            </a:p>
+          </p:txBody>
+        </p:sp>
+      </p:grpSp>
+      <p:sp>
+        <p:nvSpPr>
+          <p:cNvPr id="12" name="文本框 11">
+            <a:extLst>
+              <a:ext uri="{FF2B5EF4-FFF2-40B4-BE49-F238E27FC236}">
+                <a16:creationId xmlns:a16="http://schemas.microsoft.com/office/drawing/2014/main" id="{BA536282-CC98-E202-8B44-6C6E8D71F866}"/>
+              </a:ext>
+            </a:extLst>
+          </p:cNvPr>
+          <p:cNvSpPr txBox="1"/>
+          <p:nvPr/>
+        </p:nvSpPr>
+        <p:spPr>
+          <a:xfrm>
+            <a:off x="1219200" y="1010549"/>
+            <a:ext cx="9753600" cy="6001643"/>
+          </a:xfrm>
+          <a:prstGeom prst="rect">
+            <a:avLst/>
+          </a:prstGeom>
+          <a:noFill/>
+        </p:spPr>
+        <p:txBody>
+          <a:bodyPr wrap="square" rtlCol="0">
+            <a:spAutoFit/>
+          </a:bodyPr>
+          <a:lstStyle/>
+          <a:p>
+            <a:pPr algn="just"/>
+            <a:r>
+              <a:rPr lang="zh-CN" altLang="zh-CN" sz="2400" b="1" kern="100" dirty="0">
+                <a:effectLst/>
+                <a:latin typeface="等线" panose="02010600030101010101" pitchFamily="2" charset="-122"/>
+                <a:ea typeface="等线" panose="02010600030101010101" pitchFamily="2" charset="-122"/>
+                <a:cs typeface="Times New Roman" panose="02020603050405020304" pitchFamily="18" charset="0"/>
+              </a:rPr>
+              <a:t>第一阶段目标：（第</a:t>
+            </a:r>
+            <a:r>
+              <a:rPr lang="en-US" altLang="zh-CN" sz="2400" b="1" kern="100" dirty="0">
+                <a:effectLst/>
+                <a:latin typeface="等线" panose="02010600030101010101" pitchFamily="2" charset="-122"/>
+                <a:ea typeface="等线" panose="02010600030101010101" pitchFamily="2" charset="-122"/>
+                <a:cs typeface="Times New Roman" panose="02020603050405020304" pitchFamily="18" charset="0"/>
+              </a:rPr>
+              <a:t>4</a:t>
+            </a:r>
+            <a:r>
+              <a:rPr lang="zh-CN" altLang="zh-CN" sz="2400" b="1" kern="100" dirty="0">
+                <a:effectLst/>
+                <a:latin typeface="等线" panose="02010600030101010101" pitchFamily="2" charset="-122"/>
+                <a:ea typeface="等线" panose="02010600030101010101" pitchFamily="2" charset="-122"/>
+                <a:cs typeface="Times New Roman" panose="02020603050405020304" pitchFamily="18" charset="0"/>
+              </a:rPr>
+              <a:t>周</a:t>
+            </a:r>
+            <a:r>
+              <a:rPr lang="en-US" altLang="zh-CN" sz="2400" b="1" kern="100" dirty="0">
+                <a:effectLst/>
+                <a:latin typeface="等线" panose="02010600030101010101" pitchFamily="2" charset="-122"/>
+                <a:ea typeface="等线" panose="02010600030101010101" pitchFamily="2" charset="-122"/>
+                <a:cs typeface="Times New Roman" panose="02020603050405020304" pitchFamily="18" charset="0"/>
+              </a:rPr>
+              <a:t>-</a:t>
+            </a:r>
+            <a:r>
+              <a:rPr lang="zh-CN" altLang="zh-CN" sz="2400" b="1" kern="100" dirty="0">
+                <a:effectLst/>
+                <a:latin typeface="等线" panose="02010600030101010101" pitchFamily="2" charset="-122"/>
+                <a:ea typeface="等线" panose="02010600030101010101" pitchFamily="2" charset="-122"/>
+                <a:cs typeface="Times New Roman" panose="02020603050405020304" pitchFamily="18" charset="0"/>
+              </a:rPr>
+              <a:t>第</a:t>
+            </a:r>
+            <a:r>
+              <a:rPr lang="en-US" altLang="zh-CN" sz="2400" b="1" kern="100" dirty="0">
+                <a:effectLst/>
+                <a:latin typeface="等线" panose="02010600030101010101" pitchFamily="2" charset="-122"/>
+                <a:ea typeface="等线" panose="02010600030101010101" pitchFamily="2" charset="-122"/>
+                <a:cs typeface="Times New Roman" panose="02020603050405020304" pitchFamily="18" charset="0"/>
+              </a:rPr>
+              <a:t>6</a:t>
+            </a:r>
+            <a:r>
+              <a:rPr lang="zh-CN" altLang="zh-CN" sz="2400" b="1" kern="100" dirty="0">
+                <a:effectLst/>
+                <a:latin typeface="等线" panose="02010600030101010101" pitchFamily="2" charset="-122"/>
+                <a:ea typeface="等线" panose="02010600030101010101" pitchFamily="2" charset="-122"/>
+                <a:cs typeface="Times New Roman" panose="02020603050405020304" pitchFamily="18" charset="0"/>
+              </a:rPr>
+              <a:t>周）</a:t>
+            </a:r>
+            <a:endParaRPr lang="en-US" altLang="zh-CN" sz="2400" b="1" kern="100" dirty="0">
+              <a:latin typeface="等线" panose="02010600030101010101" pitchFamily="2" charset="-122"/>
+              <a:ea typeface="等线" panose="02010600030101010101" pitchFamily="2" charset="-122"/>
+              <a:cs typeface="Times New Roman" panose="02020603050405020304" pitchFamily="18" charset="0"/>
+            </a:endParaRPr>
+          </a:p>
+          <a:p>
+            <a:pPr algn="just"/>
+            <a:r>
+              <a:rPr lang="zh-CN" altLang="zh-CN" sz="2400" kern="100" dirty="0">
+                <a:effectLst/>
+                <a:latin typeface="等线" panose="02010600030101010101" pitchFamily="2" charset="-122"/>
+                <a:ea typeface="等线" panose="02010600030101010101" pitchFamily="2" charset="-122"/>
+                <a:cs typeface="Times New Roman" panose="02020603050405020304" pitchFamily="18" charset="0"/>
+              </a:rPr>
+              <a:t>通过网络搜集相关资料，丰富完善项目计划书，针对项目进行可行性分析，进行项目需求分析，确定项目执行计划，做好前期执行准备。</a:t>
+            </a:r>
+            <a:endParaRPr lang="en-US" altLang="zh-CN" sz="2400" kern="100" dirty="0">
+              <a:latin typeface="等线" panose="02010600030101010101" pitchFamily="2" charset="-122"/>
+              <a:ea typeface="等线" panose="02010600030101010101" pitchFamily="2" charset="-122"/>
+              <a:cs typeface="Times New Roman" panose="02020603050405020304" pitchFamily="18" charset="0"/>
+            </a:endParaRPr>
+          </a:p>
+          <a:p>
+            <a:pPr algn="just"/>
+            <a:endParaRPr lang="en-US" altLang="zh-CN" sz="2400" b="1" kern="100" dirty="0">
+              <a:effectLst/>
+              <a:latin typeface="等线" panose="02010600030101010101" pitchFamily="2" charset="-122"/>
+              <a:ea typeface="等线" panose="02010600030101010101" pitchFamily="2" charset="-122"/>
+              <a:cs typeface="Times New Roman" panose="02020603050405020304" pitchFamily="18" charset="0"/>
+            </a:endParaRPr>
+          </a:p>
+          <a:p>
+            <a:pPr algn="just"/>
+            <a:r>
+              <a:rPr lang="zh-CN" altLang="zh-CN" sz="2400" b="1" kern="100" dirty="0">
+                <a:effectLst/>
+                <a:latin typeface="等线" panose="02010600030101010101" pitchFamily="2" charset="-122"/>
+                <a:ea typeface="等线" panose="02010600030101010101" pitchFamily="2" charset="-122"/>
+                <a:cs typeface="Times New Roman" panose="02020603050405020304" pitchFamily="18" charset="0"/>
+              </a:rPr>
+              <a:t>第二阶段目标：（第</a:t>
+            </a:r>
+            <a:r>
+              <a:rPr lang="en-US" altLang="zh-CN" sz="2400" b="1" kern="100" dirty="0">
+                <a:effectLst/>
+                <a:latin typeface="等线" panose="02010600030101010101" pitchFamily="2" charset="-122"/>
+                <a:ea typeface="等线" panose="02010600030101010101" pitchFamily="2" charset="-122"/>
+                <a:cs typeface="Times New Roman" panose="02020603050405020304" pitchFamily="18" charset="0"/>
+              </a:rPr>
+              <a:t>7</a:t>
+            </a:r>
+            <a:r>
+              <a:rPr lang="zh-CN" altLang="zh-CN" sz="2400" b="1" kern="100" dirty="0">
+                <a:effectLst/>
+                <a:latin typeface="等线" panose="02010600030101010101" pitchFamily="2" charset="-122"/>
+                <a:ea typeface="等线" panose="02010600030101010101" pitchFamily="2" charset="-122"/>
+                <a:cs typeface="Times New Roman" panose="02020603050405020304" pitchFamily="18" charset="0"/>
+              </a:rPr>
+              <a:t>周</a:t>
+            </a:r>
+            <a:r>
+              <a:rPr lang="en-US" altLang="zh-CN" sz="2400" b="1" kern="100" dirty="0">
+                <a:effectLst/>
+                <a:latin typeface="等线" panose="02010600030101010101" pitchFamily="2" charset="-122"/>
+                <a:ea typeface="等线" panose="02010600030101010101" pitchFamily="2" charset="-122"/>
+                <a:cs typeface="Times New Roman" panose="02020603050405020304" pitchFamily="18" charset="0"/>
+              </a:rPr>
+              <a:t>-</a:t>
+            </a:r>
+            <a:r>
+              <a:rPr lang="zh-CN" altLang="zh-CN" sz="2400" b="1" kern="100" dirty="0">
+                <a:effectLst/>
+                <a:latin typeface="等线" panose="02010600030101010101" pitchFamily="2" charset="-122"/>
+                <a:ea typeface="等线" panose="02010600030101010101" pitchFamily="2" charset="-122"/>
+                <a:cs typeface="Times New Roman" panose="02020603050405020304" pitchFamily="18" charset="0"/>
+              </a:rPr>
+              <a:t>第</a:t>
+            </a:r>
+            <a:r>
+              <a:rPr lang="en-US" altLang="zh-CN" sz="2400" b="1" kern="100" dirty="0">
+                <a:effectLst/>
+                <a:latin typeface="等线" panose="02010600030101010101" pitchFamily="2" charset="-122"/>
+                <a:ea typeface="等线" panose="02010600030101010101" pitchFamily="2" charset="-122"/>
+                <a:cs typeface="Times New Roman" panose="02020603050405020304" pitchFamily="18" charset="0"/>
+              </a:rPr>
+              <a:t>12</a:t>
+            </a:r>
+            <a:r>
+              <a:rPr lang="zh-CN" altLang="zh-CN" sz="2400" b="1" kern="100" dirty="0">
+                <a:effectLst/>
+                <a:latin typeface="等线" panose="02010600030101010101" pitchFamily="2" charset="-122"/>
+                <a:ea typeface="等线" panose="02010600030101010101" pitchFamily="2" charset="-122"/>
+                <a:cs typeface="Times New Roman" panose="02020603050405020304" pitchFamily="18" charset="0"/>
+              </a:rPr>
+              <a:t>周）</a:t>
+            </a:r>
+            <a:endParaRPr lang="zh-CN" altLang="zh-CN" sz="2400" kern="100" dirty="0">
+              <a:effectLst/>
+              <a:latin typeface="等线" panose="02010600030101010101" pitchFamily="2" charset="-122"/>
+              <a:ea typeface="等线" panose="02010600030101010101" pitchFamily="2" charset="-122"/>
+              <a:cs typeface="Times New Roman" panose="02020603050405020304" pitchFamily="18" charset="0"/>
+            </a:endParaRPr>
+          </a:p>
+          <a:p>
+            <a:pPr algn="just"/>
+            <a:r>
+              <a:rPr lang="zh-CN" altLang="zh-CN" sz="2400" kern="100" dirty="0">
+                <a:effectLst/>
+                <a:latin typeface="等线" panose="02010600030101010101" pitchFamily="2" charset="-122"/>
+                <a:ea typeface="等线" panose="02010600030101010101" pitchFamily="2" charset="-122"/>
+                <a:cs typeface="Times New Roman" panose="02020603050405020304" pitchFamily="18" charset="0"/>
+              </a:rPr>
+              <a:t>为了完成第二阶段目标，必须实现以下目标：</a:t>
+            </a:r>
+          </a:p>
+          <a:p>
+            <a:pPr marL="342900" lvl="0" indent="-342900" algn="just">
+              <a:buFont typeface="Wingdings" panose="05000000000000000000" pitchFamily="2" charset="2"/>
+              <a:buChar char=""/>
+            </a:pPr>
+            <a:r>
+              <a:rPr lang="zh-CN" altLang="zh-CN" sz="2400" kern="100" dirty="0">
+                <a:effectLst/>
+                <a:latin typeface="等线" panose="02010600030101010101" pitchFamily="2" charset="-122"/>
+                <a:ea typeface="等线" panose="02010600030101010101" pitchFamily="2" charset="-122"/>
+                <a:cs typeface="Times New Roman" panose="02020603050405020304" pitchFamily="18" charset="0"/>
+              </a:rPr>
+              <a:t>完成数据的收集和清洗，并且加上标注</a:t>
+            </a:r>
+          </a:p>
+          <a:p>
+            <a:pPr marL="342900" lvl="0" indent="-342900" algn="just">
+              <a:buFont typeface="Wingdings" panose="05000000000000000000" pitchFamily="2" charset="2"/>
+              <a:buChar char=""/>
+            </a:pPr>
+            <a:r>
+              <a:rPr lang="zh-CN" altLang="zh-CN" sz="2400" kern="100" dirty="0">
+                <a:effectLst/>
+                <a:latin typeface="等线" panose="02010600030101010101" pitchFamily="2" charset="-122"/>
+                <a:ea typeface="等线" panose="02010600030101010101" pitchFamily="2" charset="-122"/>
+                <a:cs typeface="Times New Roman" panose="02020603050405020304" pitchFamily="18" charset="0"/>
+              </a:rPr>
+              <a:t>设计和训练适配项目功能的模型</a:t>
+            </a:r>
+          </a:p>
+          <a:p>
+            <a:pPr marL="342900" lvl="0" indent="-342900" algn="just">
+              <a:buFont typeface="Wingdings" panose="05000000000000000000" pitchFamily="2" charset="2"/>
+              <a:buChar char=""/>
+            </a:pPr>
+            <a:r>
+              <a:rPr lang="zh-CN" altLang="zh-CN" sz="2400" kern="100" dirty="0">
+                <a:effectLst/>
+                <a:latin typeface="等线" panose="02010600030101010101" pitchFamily="2" charset="-122"/>
+                <a:ea typeface="等线" panose="02010600030101010101" pitchFamily="2" charset="-122"/>
+                <a:cs typeface="Times New Roman" panose="02020603050405020304" pitchFamily="18" charset="0"/>
+              </a:rPr>
+              <a:t>设计和完善前端系统</a:t>
+            </a:r>
+          </a:p>
+          <a:p>
+            <a:pPr marL="342900" lvl="0" indent="-342900" algn="just">
+              <a:buFont typeface="Wingdings" panose="05000000000000000000" pitchFamily="2" charset="2"/>
+              <a:buChar char=""/>
+            </a:pPr>
+            <a:r>
+              <a:rPr lang="zh-CN" altLang="zh-CN" sz="2400" kern="100" dirty="0">
+                <a:effectLst/>
+                <a:latin typeface="等线" panose="02010600030101010101" pitchFamily="2" charset="-122"/>
+                <a:ea typeface="等线" panose="02010600030101010101" pitchFamily="2" charset="-122"/>
+                <a:cs typeface="Times New Roman" panose="02020603050405020304" pitchFamily="18" charset="0"/>
+              </a:rPr>
+              <a:t>连接前后端系统</a:t>
+            </a:r>
+          </a:p>
+          <a:p>
+            <a:pPr marL="342900" lvl="0" indent="-342900" algn="just">
+              <a:buFont typeface="Wingdings" panose="05000000000000000000" pitchFamily="2" charset="2"/>
+              <a:buChar char=""/>
+            </a:pPr>
+            <a:r>
+              <a:rPr lang="zh-CN" altLang="zh-CN" sz="2400" kern="100" dirty="0">
+                <a:effectLst/>
+                <a:latin typeface="等线" panose="02010600030101010101" pitchFamily="2" charset="-122"/>
+                <a:ea typeface="等线" panose="02010600030101010101" pitchFamily="2" charset="-122"/>
+                <a:cs typeface="Times New Roman" panose="02020603050405020304" pitchFamily="18" charset="0"/>
+              </a:rPr>
+              <a:t>初步的功能测试</a:t>
+            </a:r>
+            <a:endParaRPr lang="en-US" altLang="zh-CN" sz="2400" kern="100" dirty="0">
+              <a:effectLst/>
+              <a:latin typeface="等线" panose="02010600030101010101" pitchFamily="2" charset="-122"/>
+              <a:ea typeface="等线" panose="02010600030101010101" pitchFamily="2" charset="-122"/>
+              <a:cs typeface="Times New Roman" panose="02020603050405020304" pitchFamily="18" charset="0"/>
+            </a:endParaRPr>
+          </a:p>
+          <a:p>
+            <a:pPr lvl="0" algn="just"/>
+            <a:endParaRPr lang="en-US" altLang="zh-CN" sz="2400" kern="100" dirty="0">
+              <a:effectLst/>
+              <a:latin typeface="等线" panose="02010600030101010101" pitchFamily="2" charset="-122"/>
+              <a:ea typeface="等线" panose="02010600030101010101" pitchFamily="2" charset="-122"/>
+              <a:cs typeface="Times New Roman" panose="02020603050405020304" pitchFamily="18" charset="0"/>
+            </a:endParaRPr>
+          </a:p>
+          <a:p>
+            <a:pPr lvl="0" algn="just"/>
+            <a:r>
+              <a:rPr lang="zh-CN" altLang="zh-CN" sz="2400" b="1" kern="100" dirty="0">
+                <a:effectLst/>
+                <a:latin typeface="等线" panose="02010600030101010101" pitchFamily="2" charset="-122"/>
+                <a:ea typeface="等线" panose="02010600030101010101" pitchFamily="2" charset="-122"/>
+                <a:cs typeface="Times New Roman" panose="02020603050405020304" pitchFamily="18" charset="0"/>
+              </a:rPr>
+              <a:t>第三阶段目标：（第</a:t>
+            </a:r>
+            <a:r>
+              <a:rPr lang="en-US" altLang="zh-CN" sz="2400" b="1" kern="100" dirty="0">
+                <a:effectLst/>
+                <a:latin typeface="等线" panose="02010600030101010101" pitchFamily="2" charset="-122"/>
+                <a:ea typeface="等线" panose="02010600030101010101" pitchFamily="2" charset="-122"/>
+                <a:cs typeface="Times New Roman" panose="02020603050405020304" pitchFamily="18" charset="0"/>
+              </a:rPr>
+              <a:t>13</a:t>
+            </a:r>
+            <a:r>
+              <a:rPr lang="zh-CN" altLang="zh-CN" sz="2400" b="1" kern="100" dirty="0">
+                <a:effectLst/>
+                <a:latin typeface="等线" panose="02010600030101010101" pitchFamily="2" charset="-122"/>
+                <a:ea typeface="等线" panose="02010600030101010101" pitchFamily="2" charset="-122"/>
+                <a:cs typeface="Times New Roman" panose="02020603050405020304" pitchFamily="18" charset="0"/>
+              </a:rPr>
+              <a:t>周</a:t>
+            </a:r>
+            <a:r>
+              <a:rPr lang="en-US" altLang="zh-CN" sz="2400" b="1" kern="100" dirty="0">
+                <a:effectLst/>
+                <a:latin typeface="等线" panose="02010600030101010101" pitchFamily="2" charset="-122"/>
+                <a:ea typeface="等线" panose="02010600030101010101" pitchFamily="2" charset="-122"/>
+                <a:cs typeface="Times New Roman" panose="02020603050405020304" pitchFamily="18" charset="0"/>
+              </a:rPr>
+              <a:t>-16</a:t>
+            </a:r>
+            <a:r>
+              <a:rPr lang="zh-CN" altLang="zh-CN" sz="2400" b="1" kern="100" dirty="0">
+                <a:effectLst/>
+                <a:latin typeface="等线" panose="02010600030101010101" pitchFamily="2" charset="-122"/>
+                <a:ea typeface="等线" panose="02010600030101010101" pitchFamily="2" charset="-122"/>
+                <a:cs typeface="Times New Roman" panose="02020603050405020304" pitchFamily="18" charset="0"/>
+              </a:rPr>
+              <a:t>周）</a:t>
+            </a:r>
+            <a:endParaRPr lang="en-US" altLang="zh-CN" sz="2400" kern="100" dirty="0">
+              <a:latin typeface="等线" panose="02010600030101010101" pitchFamily="2" charset="-122"/>
+              <a:ea typeface="等线" panose="02010600030101010101" pitchFamily="2" charset="-122"/>
+              <a:cs typeface="Times New Roman" panose="02020603050405020304" pitchFamily="18" charset="0"/>
+            </a:endParaRPr>
+          </a:p>
+          <a:p>
+            <a:pPr lvl="0" algn="just"/>
+            <a:r>
+              <a:rPr lang="zh-CN" altLang="zh-CN" sz="2400" kern="100" dirty="0">
+                <a:effectLst/>
+                <a:latin typeface="等线" panose="02010600030101010101" pitchFamily="2" charset="-122"/>
+                <a:ea typeface="等线" panose="02010600030101010101" pitchFamily="2" charset="-122"/>
+                <a:cs typeface="Times New Roman" panose="02020603050405020304" pitchFamily="18" charset="0"/>
+              </a:rPr>
+              <a:t>多次测试，修订完善测试报告，并且针对问题对系统进行相应的修补。编写项目总结报告，制作总评审</a:t>
+            </a:r>
+            <a:r>
+              <a:rPr lang="en-US" altLang="zh-CN" sz="2400" kern="100" dirty="0">
+                <a:effectLst/>
+                <a:latin typeface="等线" panose="02010600030101010101" pitchFamily="2" charset="-122"/>
+                <a:ea typeface="等线" panose="02010600030101010101" pitchFamily="2" charset="-122"/>
+                <a:cs typeface="Times New Roman" panose="02020603050405020304" pitchFamily="18" charset="0"/>
+              </a:rPr>
+              <a:t>PPT</a:t>
+            </a:r>
+            <a:endParaRPr lang="zh-CN" altLang="zh-CN" sz="2400" kern="100" dirty="0">
+              <a:effectLst/>
+              <a:latin typeface="等线" panose="02010600030101010101" pitchFamily="2" charset="-122"/>
+              <a:ea typeface="等线" panose="02010600030101010101" pitchFamily="2" charset="-122"/>
+              <a:cs typeface="Times New Roman" panose="02020603050405020304" pitchFamily="18" charset="0"/>
+            </a:endParaRPr>
+          </a:p>
+          <a:p>
+            <a:endParaRPr lang="zh-CN" altLang="en-US" sz="2400" dirty="0"/>
+          </a:p>
+        </p:txBody>
+      </p:sp>
+    </p:spTree>
+    <p:extLst>
+      <p:ext uri="{BB962C8B-B14F-4D97-AF65-F5344CB8AC3E}">
+        <p14:creationId xmlns:p14="http://schemas.microsoft.com/office/powerpoint/2010/main" val="2471085517"/>
+      </p:ext>
+    </p:extLst>
+  </p:cSld>
+  <p:clrMapOvr>
+    <a:masterClrMapping/>
+  </p:clrMapOvr>
 </p:sld>
 </file>
 

--- a/doc/PPT/软件工程项目介绍PPT_2.1.pptx
+++ b/doc/PPT/软件工程项目介绍PPT_2.1.pptx
@@ -133,7 +133,7 @@
 <file path=ppt/revisionInfo.xml><?xml version="1.0" encoding="utf-8"?>
 <p1510:revInfo xmlns:a="http://schemas.openxmlformats.org/drawingml/2006/main" xmlns:r="http://schemas.openxmlformats.org/officeDocument/2006/relationships" xmlns:p1510="http://schemas.microsoft.com/office/powerpoint/2015/10/main">
   <p1510:revLst>
-    <p1510:client id="{A9148D38-8843-42B4-9A50-91738C75B8C1}" v="7" dt="2023-10-24T06:42:39.452"/>
+    <p1510:client id="{A9148D38-8843-42B4-9A50-91738C75B8C1}" v="13" dt="2023-10-24T07:01:59.955"/>
   </p1510:revLst>
 </p1510:revInfo>
 </file>
@@ -142,8 +142,8 @@
 <pc:chgInfo xmlns:a="http://schemas.openxmlformats.org/drawingml/2006/main" xmlns:r="http://schemas.openxmlformats.org/officeDocument/2006/relationships" xmlns:ac="http://schemas.microsoft.com/office/drawing/2013/main/command" xmlns:pc="http://schemas.microsoft.com/office/powerpoint/2013/main/command">
   <pc:docChgLst>
     <pc:chgData name="星榜 阮" userId="28304402c46bfd64" providerId="LiveId" clId="{A9148D38-8843-42B4-9A50-91738C75B8C1}"/>
-    <pc:docChg chg="undo custSel addSld modSld sldOrd">
-      <pc:chgData name="星榜 阮" userId="28304402c46bfd64" providerId="LiveId" clId="{A9148D38-8843-42B4-9A50-91738C75B8C1}" dt="2023-10-24T06:43:09.553" v="251" actId="113"/>
+    <pc:docChg chg="undo custSel addSld delSld modSld sldOrd">
+      <pc:chgData name="星榜 阮" userId="28304402c46bfd64" providerId="LiveId" clId="{A9148D38-8843-42B4-9A50-91738C75B8C1}" dt="2023-10-24T07:03:05.954" v="692" actId="20577"/>
       <pc:docMkLst>
         <pc:docMk/>
       </pc:docMkLst>
@@ -207,14 +207,14 @@
           </ac:spMkLst>
         </pc:spChg>
       </pc:sldChg>
-      <pc:sldChg chg="modSp mod">
-        <pc:chgData name="星榜 阮" userId="28304402c46bfd64" providerId="LiveId" clId="{A9148D38-8843-42B4-9A50-91738C75B8C1}" dt="2023-10-24T06:43:09.553" v="251" actId="113"/>
+      <pc:sldChg chg="addSp modSp mod">
+        <pc:chgData name="星榜 阮" userId="28304402c46bfd64" providerId="LiveId" clId="{A9148D38-8843-42B4-9A50-91738C75B8C1}" dt="2023-10-24T07:03:05.954" v="692" actId="20577"/>
         <pc:sldMkLst>
           <pc:docMk/>
           <pc:sldMk cId="1110252315" sldId="648"/>
         </pc:sldMkLst>
         <pc:spChg chg="mod">
-          <ac:chgData name="星榜 阮" userId="28304402c46bfd64" providerId="LiveId" clId="{A9148D38-8843-42B4-9A50-91738C75B8C1}" dt="2023-10-24T06:42:57.290" v="247" actId="255"/>
+          <ac:chgData name="星榜 阮" userId="28304402c46bfd64" providerId="LiveId" clId="{A9148D38-8843-42B4-9A50-91738C75B8C1}" dt="2023-10-24T06:57:26.890" v="512" actId="1076"/>
           <ac:spMkLst>
             <pc:docMk/>
             <pc:sldMk cId="1110252315" sldId="648"/>
@@ -222,7 +222,7 @@
           </ac:spMkLst>
         </pc:spChg>
         <pc:spChg chg="mod">
-          <ac:chgData name="星榜 阮" userId="28304402c46bfd64" providerId="LiveId" clId="{A9148D38-8843-42B4-9A50-91738C75B8C1}" dt="2023-10-24T06:42:39.452" v="244" actId="1076"/>
+          <ac:chgData name="星榜 阮" userId="28304402c46bfd64" providerId="LiveId" clId="{A9148D38-8843-42B4-9A50-91738C75B8C1}" dt="2023-10-24T06:57:18.881" v="509" actId="1076"/>
           <ac:spMkLst>
             <pc:docMk/>
             <pc:sldMk cId="1110252315" sldId="648"/>
@@ -230,13 +230,85 @@
           </ac:spMkLst>
         </pc:spChg>
         <pc:spChg chg="mod">
-          <ac:chgData name="星榜 阮" userId="28304402c46bfd64" providerId="LiveId" clId="{A9148D38-8843-42B4-9A50-91738C75B8C1}" dt="2023-10-24T06:43:09.553" v="251" actId="113"/>
+          <ac:chgData name="星榜 阮" userId="28304402c46bfd64" providerId="LiveId" clId="{A9148D38-8843-42B4-9A50-91738C75B8C1}" dt="2023-10-24T07:00:17.409" v="622" actId="20577"/>
           <ac:spMkLst>
             <pc:docMk/>
             <pc:sldMk cId="1110252315" sldId="648"/>
             <ac:spMk id="7" creationId="{0A3A743B-417A-4C58-A544-86099212F60F}"/>
           </ac:spMkLst>
         </pc:spChg>
+        <pc:spChg chg="mod">
+          <ac:chgData name="星榜 阮" userId="28304402c46bfd64" providerId="LiveId" clId="{A9148D38-8843-42B4-9A50-91738C75B8C1}" dt="2023-10-24T06:56:36.142" v="495" actId="1076"/>
+          <ac:spMkLst>
+            <pc:docMk/>
+            <pc:sldMk cId="1110252315" sldId="648"/>
+            <ac:spMk id="9" creationId="{918B769B-FA04-4CA3-9E1E-AB5C2ED21E3E}"/>
+          </ac:spMkLst>
+        </pc:spChg>
+        <pc:spChg chg="mod">
+          <ac:chgData name="星榜 阮" userId="28304402c46bfd64" providerId="LiveId" clId="{A9148D38-8843-42B4-9A50-91738C75B8C1}" dt="2023-10-24T06:56:36.142" v="495" actId="1076"/>
+          <ac:spMkLst>
+            <pc:docMk/>
+            <pc:sldMk cId="1110252315" sldId="648"/>
+            <ac:spMk id="10" creationId="{B99E5C12-C303-4FD2-8841-28FC0E5FBE0A}"/>
+          </ac:spMkLst>
+        </pc:spChg>
+        <pc:spChg chg="mod">
+          <ac:chgData name="星榜 阮" userId="28304402c46bfd64" providerId="LiveId" clId="{A9148D38-8843-42B4-9A50-91738C75B8C1}" dt="2023-10-24T07:00:12.326" v="620" actId="20577"/>
+          <ac:spMkLst>
+            <pc:docMk/>
+            <pc:sldMk cId="1110252315" sldId="648"/>
+            <ac:spMk id="15" creationId="{DFE81184-B16A-DAB1-E5F9-F2C9EEDCA1A2}"/>
+          </ac:spMkLst>
+        </pc:spChg>
+        <pc:spChg chg="add mod">
+          <ac:chgData name="星榜 阮" userId="28304402c46bfd64" providerId="LiveId" clId="{A9148D38-8843-42B4-9A50-91738C75B8C1}" dt="2023-10-24T07:02:41.934" v="680" actId="20577"/>
+          <ac:spMkLst>
+            <pc:docMk/>
+            <pc:sldMk cId="1110252315" sldId="648"/>
+            <ac:spMk id="17" creationId="{D91EAF03-623C-CA13-932A-1FCF00566F8D}"/>
+          </ac:spMkLst>
+        </pc:spChg>
+        <pc:spChg chg="add mod">
+          <ac:chgData name="星榜 阮" userId="28304402c46bfd64" providerId="LiveId" clId="{A9148D38-8843-42B4-9A50-91738C75B8C1}" dt="2023-10-24T07:02:59.516" v="688" actId="20577"/>
+          <ac:spMkLst>
+            <pc:docMk/>
+            <pc:sldMk cId="1110252315" sldId="648"/>
+            <ac:spMk id="19" creationId="{16EE0314-CC87-73A9-A0B3-DDF4629AB4F1}"/>
+          </ac:spMkLst>
+        </pc:spChg>
+        <pc:spChg chg="add mod">
+          <ac:chgData name="星榜 阮" userId="28304402c46bfd64" providerId="LiveId" clId="{A9148D38-8843-42B4-9A50-91738C75B8C1}" dt="2023-10-24T07:03:03.596" v="690" actId="20577"/>
+          <ac:spMkLst>
+            <pc:docMk/>
+            <pc:sldMk cId="1110252315" sldId="648"/>
+            <ac:spMk id="21" creationId="{00E314A9-F71B-7E5A-F4FE-177DC0BFB3CF}"/>
+          </ac:spMkLst>
+        </pc:spChg>
+        <pc:spChg chg="add mod">
+          <ac:chgData name="星榜 阮" userId="28304402c46bfd64" providerId="LiveId" clId="{A9148D38-8843-42B4-9A50-91738C75B8C1}" dt="2023-10-24T07:03:05.954" v="692" actId="20577"/>
+          <ac:spMkLst>
+            <pc:docMk/>
+            <pc:sldMk cId="1110252315" sldId="648"/>
+            <ac:spMk id="23" creationId="{B6E05911-A3B5-D566-161A-6F6A84023F24}"/>
+          </ac:spMkLst>
+        </pc:spChg>
+        <pc:picChg chg="mod">
+          <ac:chgData name="星榜 阮" userId="28304402c46bfd64" providerId="LiveId" clId="{A9148D38-8843-42B4-9A50-91738C75B8C1}" dt="2023-10-24T06:57:18.881" v="509" actId="1076"/>
+          <ac:picMkLst>
+            <pc:docMk/>
+            <pc:sldMk cId="1110252315" sldId="648"/>
+            <ac:picMk id="20" creationId="{60FEB3B7-959A-071F-A38A-0EA216C4BAC8}"/>
+          </ac:picMkLst>
+        </pc:picChg>
+        <pc:picChg chg="mod">
+          <ac:chgData name="星榜 阮" userId="28304402c46bfd64" providerId="LiveId" clId="{A9148D38-8843-42B4-9A50-91738C75B8C1}" dt="2023-10-24T06:56:36.142" v="495" actId="1076"/>
+          <ac:picMkLst>
+            <pc:docMk/>
+            <pc:sldMk cId="1110252315" sldId="648"/>
+            <ac:picMk id="22" creationId="{9F3D13BE-405B-05F0-54C0-B45387695A1A}"/>
+          </ac:picMkLst>
+        </pc:picChg>
       </pc:sldChg>
       <pc:sldChg chg="modSp mod">
         <pc:chgData name="星榜 阮" userId="28304402c46bfd64" providerId="LiveId" clId="{A9148D38-8843-42B4-9A50-91738C75B8C1}" dt="2023-10-24T06:35:54.422" v="41"/>
@@ -513,6 +585,13 @@
             <ac:spMk id="36" creationId="{288D8FA1-1486-4DAC-B118-73E14FE23059}"/>
           </ac:spMkLst>
         </pc:spChg>
+      </pc:sldChg>
+      <pc:sldChg chg="new del">
+        <pc:chgData name="星榜 阮" userId="28304402c46bfd64" providerId="LiveId" clId="{A9148D38-8843-42B4-9A50-91738C75B8C1}" dt="2023-10-24T06:59:06.743" v="574" actId="680"/>
+        <pc:sldMkLst>
+          <pc:docMk/>
+          <pc:sldMk cId="839876356" sldId="718"/>
+        </pc:sldMkLst>
       </pc:sldChg>
     </pc:docChg>
   </pc:docChgLst>
@@ -23898,8 +23977,8 @@
         </p:nvSpPr>
         <p:spPr>
           <a:xfrm>
-            <a:off x="565971" y="3842034"/>
-            <a:ext cx="2431752" cy="1135054"/>
+            <a:off x="565971" y="3737089"/>
+            <a:ext cx="2431752" cy="858377"/>
           </a:xfrm>
           <a:prstGeom prst="rect">
             <a:avLst/>
@@ -23929,7 +24008,7 @@
               <a:defRPr/>
             </a:pPr>
             <a:r>
-              <a:rPr lang="zh-CN" altLang="en-US" sz="2400" b="1" dirty="0">
+              <a:rPr lang="zh-CN" altLang="en-US" b="1" dirty="0">
                 <a:solidFill>
                   <a:schemeClr val="tx1">
                     <a:lumMod val="75000"/>
@@ -23943,7 +24022,7 @@
               </a:rPr>
               <a:t>修改项目计划书</a:t>
             </a:r>
-            <a:endParaRPr lang="en-US" altLang="zh-CN" sz="2400" b="1" dirty="0">
+            <a:endParaRPr lang="en-US" altLang="zh-CN" b="1" dirty="0">
               <a:solidFill>
                 <a:schemeClr val="tx1">
                   <a:lumMod val="75000"/>
@@ -23974,7 +24053,7 @@
               <a:defRPr/>
             </a:pPr>
             <a:r>
-              <a:rPr kumimoji="0" lang="zh-CN" altLang="en-US" sz="2400" b="1" i="0" u="none" strike="noStrike" kern="1200" cap="none" spc="0" normalizeH="0" baseline="0" noProof="0" dirty="0">
+              <a:rPr kumimoji="0" lang="zh-CN" altLang="en-US" b="1" i="0" u="none" strike="noStrike" kern="1200" cap="none" spc="0" normalizeH="0" baseline="0" noProof="0" dirty="0">
                 <a:ln>
                   <a:noFill/>
                 </a:ln>
@@ -23994,7 +24073,7 @@
               </a:rPr>
               <a:t>制作甘特图</a:t>
             </a:r>
-            <a:endParaRPr kumimoji="0" lang="en-US" altLang="zh-CN" sz="2400" b="1" i="0" u="none" strike="noStrike" kern="1200" cap="none" spc="0" normalizeH="0" baseline="0" noProof="0" dirty="0">
+            <a:endParaRPr kumimoji="0" lang="en-US" altLang="zh-CN" b="1" i="0" u="none" strike="noStrike" kern="1200" cap="none" spc="0" normalizeH="0" baseline="0" noProof="0" dirty="0">
               <a:ln>
                 <a:noFill/>
               </a:ln>
@@ -24029,7 +24108,7 @@
         </p:nvSpPr>
         <p:spPr>
           <a:xfrm>
-            <a:off x="4222405" y="2993665"/>
+            <a:off x="4050303" y="2993665"/>
             <a:ext cx="943252" cy="369332"/>
           </a:xfrm>
           <a:prstGeom prst="rect">
@@ -24257,8 +24336,8 @@
         </p:nvSpPr>
         <p:spPr>
           <a:xfrm>
-            <a:off x="3478155" y="3750965"/>
-            <a:ext cx="2431752" cy="1667764"/>
+            <a:off x="3253125" y="3707030"/>
+            <a:ext cx="2537607" cy="858377"/>
           </a:xfrm>
           <a:prstGeom prst="rect">
             <a:avLst/>
@@ -24288,16 +24367,33 @@
               <a:defRPr/>
             </a:pPr>
             <a:r>
-              <a:rPr lang="zh-CN" altLang="en-US" sz="2400" b="1" dirty="0">
+              <a:rPr lang="zh-CN" altLang="en-US" b="1" dirty="0">
                 <a:effectLst/>
                 <a:latin typeface="宋体" panose="02010600030101010101" pitchFamily="2" charset="-122"/>
                 <a:ea typeface="宋体" panose="02010600030101010101" pitchFamily="2" charset="-122"/>
                 <a:cs typeface="Times New Roman" panose="02020603050405020304" pitchFamily="18" charset="0"/>
               </a:rPr>
-              <a:t>根据项目计划书及项目进度，修改</a:t>
+              <a:t>根据项目计划书及项目进度</a:t>
             </a:r>
             <a:r>
-              <a:rPr lang="en-US" altLang="zh-CN" sz="2400" b="1" dirty="0">
+              <a:rPr lang="zh-CN" altLang="en-US" b="1" dirty="0">
+                <a:latin typeface="宋体" panose="02010600030101010101" pitchFamily="2" charset="-122"/>
+                <a:ea typeface="宋体" panose="02010600030101010101" pitchFamily="2" charset="-122"/>
+                <a:cs typeface="Times New Roman" panose="02020603050405020304" pitchFamily="18" charset="0"/>
+              </a:rPr>
+              <a:t>、</a:t>
+            </a:r>
+            <a:r>
+              <a:rPr lang="zh-CN" altLang="en-US" b="1" dirty="0">
+                <a:effectLst/>
+                <a:latin typeface="宋体" panose="02010600030101010101" pitchFamily="2" charset="-122"/>
+                <a:ea typeface="宋体" panose="02010600030101010101" pitchFamily="2" charset="-122"/>
+                <a:cs typeface="Times New Roman" panose="02020603050405020304" pitchFamily="18" charset="0"/>
+              </a:rPr>
+              <a:t>编写并修改</a:t>
+            </a:r>
+            <a:r>
+              <a:rPr lang="en-US" altLang="zh-CN" b="1" dirty="0">
                 <a:effectLst/>
                 <a:latin typeface="宋体" panose="02010600030101010101" pitchFamily="2" charset="-122"/>
                 <a:ea typeface="宋体" panose="02010600030101010101" pitchFamily="2" charset="-122"/>
@@ -24305,7 +24401,7 @@
               </a:rPr>
               <a:t>ppt</a:t>
             </a:r>
-            <a:endParaRPr kumimoji="0" lang="en-US" sz="2400" b="1" i="0" u="none" strike="noStrike" kern="1200" cap="none" spc="0" normalizeH="0" baseline="0" noProof="0" dirty="0">
+            <a:endParaRPr kumimoji="0" lang="en-US" b="1" i="0" u="none" strike="noStrike" kern="1200" cap="none" spc="0" normalizeH="0" baseline="0" noProof="0" dirty="0">
               <a:ln>
                 <a:noFill/>
               </a:ln>
@@ -24340,7 +24436,7 @@
         </p:nvSpPr>
         <p:spPr>
           <a:xfrm>
-            <a:off x="7220107" y="3004504"/>
+            <a:off x="7018308" y="2960360"/>
             <a:ext cx="943252" cy="369332"/>
           </a:xfrm>
           <a:prstGeom prst="rect">
@@ -24568,8 +24664,8 @@
         </p:nvSpPr>
         <p:spPr>
           <a:xfrm>
-            <a:off x="6927964" y="3391890"/>
-            <a:ext cx="1836391" cy="1710661"/>
+            <a:off x="6291619" y="3384856"/>
+            <a:ext cx="2396630" cy="1689373"/>
           </a:xfrm>
           <a:prstGeom prst="rect">
             <a:avLst/>
@@ -24599,14 +24695,27 @@
               <a:defRPr/>
             </a:pPr>
             <a:r>
-              <a:rPr lang="zh-CN" altLang="zh-CN" sz="1800" dirty="0">
+              <a:rPr kumimoji="0" lang="zh-CN" altLang="en-US" b="1" i="0" u="none" strike="noStrike" kern="1200" cap="none" spc="0" normalizeH="0" baseline="0" noProof="0" dirty="0">
+                <a:ln>
+                  <a:noFill/>
+                </a:ln>
+                <a:solidFill>
+                  <a:schemeClr val="tx1">
+                    <a:lumMod val="75000"/>
+                    <a:lumOff val="25000"/>
+                  </a:schemeClr>
+                </a:solidFill>
                 <a:effectLst/>
-                <a:ea typeface="等线" panose="02010600030101010101" pitchFamily="2" charset="-122"/>
-                <a:cs typeface="Times New Roman" panose="02020603050405020304" pitchFamily="18" charset="0"/>
+                <a:uLnTx/>
+                <a:uFillTx/>
+                <a:latin typeface="宋体" panose="02010600030101010101" pitchFamily="2" charset="-122"/>
+                <a:ea typeface="宋体" panose="02010600030101010101" pitchFamily="2" charset="-122"/>
+                <a:cs typeface="+mn-ea"/>
+                <a:sym typeface="+mn-lt"/>
               </a:rPr>
-              <a:t>用户端（前端），设计用户使用界面，包含上述两个模块</a:t>
+              <a:t>项目管理工具资源、计划模板的提供，配置管理文档的编写与整理</a:t>
             </a:r>
-            <a:endParaRPr kumimoji="0" lang="en-US" sz="1200" b="0" i="0" u="none" strike="noStrike" kern="1200" cap="none" spc="0" normalizeH="0" baseline="0" noProof="0" dirty="0">
+            <a:endParaRPr kumimoji="0" lang="en-US" b="1" i="0" u="none" strike="noStrike" kern="1200" cap="none" spc="0" normalizeH="0" baseline="0" noProof="0" dirty="0">
               <a:ln>
                 <a:noFill/>
               </a:ln>
@@ -24619,8 +24728,8 @@
               <a:effectLst/>
               <a:uLnTx/>
               <a:uFillTx/>
-              <a:latin typeface="微软雅黑" panose="020B0503020204020204" pitchFamily="34" charset="-122"/>
-              <a:ea typeface="微软雅黑" panose="020B0503020204020204" pitchFamily="34" charset="-122"/>
+              <a:latin typeface="宋体" panose="02010600030101010101" pitchFamily="2" charset="-122"/>
+              <a:ea typeface="宋体" panose="02010600030101010101" pitchFamily="2" charset="-122"/>
               <a:cs typeface="+mn-ea"/>
               <a:sym typeface="+mn-lt"/>
             </a:endParaRPr>
@@ -25168,7 +25277,7 @@
         </p:blipFill>
         <p:spPr>
           <a:xfrm>
-            <a:off x="3674574" y="1024425"/>
+            <a:off x="3502472" y="1024425"/>
             <a:ext cx="1811826" cy="1802486"/>
           </a:xfrm>
           <a:prstGeom prst="rect">
@@ -25204,7 +25313,7 @@
         </p:blipFill>
         <p:spPr>
           <a:xfrm>
-            <a:off x="6367725" y="1426021"/>
+            <a:off x="6165926" y="1381877"/>
             <a:ext cx="2648016" cy="1213674"/>
           </a:xfrm>
           <a:prstGeom prst="rect">
@@ -25500,8 +25609,8 @@
         </p:nvSpPr>
         <p:spPr>
           <a:xfrm>
-            <a:off x="9476510" y="3391890"/>
-            <a:ext cx="1836391" cy="1295163"/>
+            <a:off x="9098529" y="3417763"/>
+            <a:ext cx="2541401" cy="1273875"/>
           </a:xfrm>
           <a:prstGeom prst="rect">
             <a:avLst/>
@@ -25531,7 +25640,38 @@
               <a:defRPr/>
             </a:pPr>
             <a:r>
-              <a:rPr kumimoji="0" lang="zh-CN" altLang="en-US" b="0" i="0" u="none" strike="noStrike" kern="1200" cap="none" spc="0" normalizeH="0" baseline="0" noProof="0" dirty="0">
+              <a:rPr lang="zh-CN" altLang="en-US" b="1" dirty="0">
+                <a:solidFill>
+                  <a:schemeClr val="tx1">
+                    <a:lumMod val="75000"/>
+                    <a:lumOff val="25000"/>
+                  </a:schemeClr>
+                </a:solidFill>
+                <a:effectLst/>
+                <a:latin typeface="宋体" panose="02010600030101010101" pitchFamily="2" charset="-122"/>
+                <a:ea typeface="宋体" panose="02010600030101010101" pitchFamily="2" charset="-122"/>
+                <a:cs typeface="Times New Roman" panose="02020603050405020304" pitchFamily="18" charset="0"/>
+                <a:sym typeface="+mn-lt"/>
+              </a:rPr>
+              <a:t>收集资料并编写初版项目计划书</a:t>
+            </a:r>
+            <a:r>
+              <a:rPr lang="zh-CN" altLang="en-US" b="1" dirty="0">
+                <a:solidFill>
+                  <a:schemeClr val="tx1">
+                    <a:lumMod val="75000"/>
+                    <a:lumOff val="25000"/>
+                  </a:schemeClr>
+                </a:solidFill>
+                <a:latin typeface="宋体" panose="02010600030101010101" pitchFamily="2" charset="-122"/>
+                <a:ea typeface="宋体" panose="02010600030101010101" pitchFamily="2" charset="-122"/>
+                <a:cs typeface="Times New Roman" panose="02020603050405020304" pitchFamily="18" charset="0"/>
+                <a:sym typeface="+mn-lt"/>
+              </a:rPr>
+              <a:t>、</a:t>
+            </a:r>
+            <a:r>
+              <a:rPr kumimoji="0" lang="zh-CN" altLang="en-US" b="1" i="0" u="none" strike="noStrike" kern="1200" cap="none" spc="0" normalizeH="0" baseline="0" noProof="0" dirty="0">
                 <a:ln>
                   <a:noFill/>
                 </a:ln>
@@ -25543,14 +25683,14 @@
                 </a:solidFill>
                 <a:uLnTx/>
                 <a:uFillTx/>
-                <a:latin typeface="等线" panose="02010600030101010101" pitchFamily="2" charset="-122"/>
-                <a:ea typeface="等线" panose="02010600030101010101" pitchFamily="2" charset="-122"/>
+                <a:latin typeface="宋体" panose="02010600030101010101" pitchFamily="2" charset="-122"/>
+                <a:ea typeface="宋体" panose="02010600030101010101" pitchFamily="2" charset="-122"/>
                 <a:cs typeface="Times New Roman" panose="02020603050405020304" pitchFamily="18" charset="0"/>
                 <a:sym typeface="+mn-lt"/>
               </a:rPr>
-              <a:t>数据预处理，得到标准的、干净的、连续的数据</a:t>
+              <a:t>参与其他工作的资料收集</a:t>
             </a:r>
-            <a:endParaRPr kumimoji="0" lang="en-US" sz="1200" b="0" i="0" u="none" strike="noStrike" kern="1200" cap="none" spc="0" normalizeH="0" baseline="0" noProof="0" dirty="0">
+            <a:endParaRPr kumimoji="0" lang="en-US" b="1" i="0" u="none" strike="noStrike" kern="1200" cap="none" spc="0" normalizeH="0" baseline="0" noProof="0" dirty="0">
               <a:ln>
                 <a:noFill/>
               </a:ln>
@@ -25563,8 +25703,8 @@
               <a:effectLst/>
               <a:uLnTx/>
               <a:uFillTx/>
-              <a:latin typeface="微软雅黑" panose="020B0503020204020204" pitchFamily="34" charset="-122"/>
-              <a:ea typeface="微软雅黑" panose="020B0503020204020204" pitchFamily="34" charset="-122"/>
+              <a:latin typeface="宋体" panose="02010600030101010101" pitchFamily="2" charset="-122"/>
+              <a:ea typeface="宋体" panose="02010600030101010101" pitchFamily="2" charset="-122"/>
               <a:cs typeface="+mn-ea"/>
               <a:sym typeface="+mn-lt"/>
             </a:endParaRPr>
@@ -25603,6 +25743,324 @@
               <a:rPr lang="zh-CN" altLang="en-US" dirty="0"/>
               <a:t>小组评价：在项目讨论过程中，每位小组成员都充分发表了自己的见解和建议。在经过讨论后，我们初步决定了该项目的大致走向。</a:t>
             </a:r>
+          </a:p>
+        </p:txBody>
+      </p:sp>
+      <p:sp>
+        <p:nvSpPr>
+          <p:cNvPr id="17" name="矩形 16">
+            <a:extLst>
+              <a:ext uri="{FF2B5EF4-FFF2-40B4-BE49-F238E27FC236}">
+                <a16:creationId xmlns:a16="http://schemas.microsoft.com/office/drawing/2014/main" id="{D91EAF03-623C-CA13-932A-1FCF00566F8D}"/>
+              </a:ext>
+            </a:extLst>
+          </p:cNvPr>
+          <p:cNvSpPr/>
+          <p:nvPr/>
+        </p:nvSpPr>
+        <p:spPr>
+          <a:xfrm>
+            <a:off x="3731814" y="5319464"/>
+            <a:ext cx="1582484" cy="369332"/>
+          </a:xfrm>
+          <a:prstGeom prst="rect">
+            <a:avLst/>
+          </a:prstGeom>
+          <a:noFill/>
+        </p:spPr>
+        <p:txBody>
+          <a:bodyPr wrap="none" lIns="91440" tIns="45720" rIns="91440" bIns="45720">
+            <a:spAutoFit/>
+          </a:bodyPr>
+          <a:lstStyle/>
+          <a:p>
+            <a:pPr algn="ctr"/>
+            <a:r>
+              <a:rPr lang="zh-CN" altLang="en-US" cap="none" spc="0" dirty="0">
+                <a:ln w="0"/>
+                <a:solidFill>
+                  <a:schemeClr val="tx1"/>
+                </a:solidFill>
+                <a:effectLst>
+                  <a:outerShdw blurRad="38100" dist="19050" dir="2700000" algn="tl" rotWithShape="0">
+                    <a:schemeClr val="dk1">
+                      <a:alpha val="40000"/>
+                    </a:schemeClr>
+                  </a:outerShdw>
+                </a:effectLst>
+              </a:rPr>
+              <a:t>小组评分：</a:t>
+            </a:r>
+            <a:r>
+              <a:rPr lang="en-US" altLang="zh-CN" cap="none" spc="0" dirty="0">
+                <a:ln w="0"/>
+                <a:solidFill>
+                  <a:schemeClr val="tx1"/>
+                </a:solidFill>
+                <a:effectLst>
+                  <a:outerShdw blurRad="38100" dist="19050" dir="2700000" algn="tl" rotWithShape="0">
+                    <a:schemeClr val="dk1">
+                      <a:alpha val="40000"/>
+                    </a:schemeClr>
+                  </a:outerShdw>
+                </a:effectLst>
+              </a:rPr>
+              <a:t>91</a:t>
+            </a:r>
+            <a:endParaRPr lang="zh-CN" altLang="en-US" cap="none" spc="0" dirty="0">
+              <a:ln w="0"/>
+              <a:solidFill>
+                <a:schemeClr val="tx1"/>
+              </a:solidFill>
+              <a:effectLst>
+                <a:outerShdw blurRad="38100" dist="19050" dir="2700000" algn="tl" rotWithShape="0">
+                  <a:schemeClr val="dk1">
+                    <a:alpha val="40000"/>
+                  </a:schemeClr>
+                </a:outerShdw>
+              </a:effectLst>
+            </a:endParaRPr>
+          </a:p>
+        </p:txBody>
+      </p:sp>
+      <p:sp>
+        <p:nvSpPr>
+          <p:cNvPr id="19" name="矩形 18">
+            <a:extLst>
+              <a:ext uri="{FF2B5EF4-FFF2-40B4-BE49-F238E27FC236}">
+                <a16:creationId xmlns:a16="http://schemas.microsoft.com/office/drawing/2014/main" id="{16EE0314-CC87-73A9-A0B3-DDF4629AB4F1}"/>
+              </a:ext>
+            </a:extLst>
+          </p:cNvPr>
+          <p:cNvSpPr/>
+          <p:nvPr/>
+        </p:nvSpPr>
+        <p:spPr>
+          <a:xfrm>
+            <a:off x="1138551" y="5321585"/>
+            <a:ext cx="1582484" cy="369332"/>
+          </a:xfrm>
+          <a:prstGeom prst="rect">
+            <a:avLst/>
+          </a:prstGeom>
+          <a:noFill/>
+        </p:spPr>
+        <p:txBody>
+          <a:bodyPr wrap="none" lIns="91440" tIns="45720" rIns="91440" bIns="45720">
+            <a:spAutoFit/>
+          </a:bodyPr>
+          <a:lstStyle/>
+          <a:p>
+            <a:pPr algn="ctr"/>
+            <a:r>
+              <a:rPr lang="zh-CN" altLang="en-US" cap="none" spc="0" dirty="0">
+                <a:ln w="0"/>
+                <a:solidFill>
+                  <a:schemeClr val="tx1"/>
+                </a:solidFill>
+                <a:effectLst>
+                  <a:outerShdw blurRad="38100" dist="19050" dir="2700000" algn="tl" rotWithShape="0">
+                    <a:schemeClr val="dk1">
+                      <a:alpha val="40000"/>
+                    </a:schemeClr>
+                  </a:outerShdw>
+                </a:effectLst>
+              </a:rPr>
+              <a:t>小组评分：</a:t>
+            </a:r>
+            <a:r>
+              <a:rPr lang="en-US" altLang="zh-CN" cap="none" spc="0" dirty="0">
+                <a:ln w="0"/>
+                <a:solidFill>
+                  <a:schemeClr val="tx1"/>
+                </a:solidFill>
+                <a:effectLst>
+                  <a:outerShdw blurRad="38100" dist="19050" dir="2700000" algn="tl" rotWithShape="0">
+                    <a:schemeClr val="dk1">
+                      <a:alpha val="40000"/>
+                    </a:schemeClr>
+                  </a:outerShdw>
+                </a:effectLst>
+              </a:rPr>
+              <a:t>96</a:t>
+            </a:r>
+            <a:endParaRPr lang="zh-CN" altLang="en-US" cap="none" spc="0" dirty="0">
+              <a:ln w="0"/>
+              <a:solidFill>
+                <a:schemeClr val="tx1"/>
+              </a:solidFill>
+              <a:effectLst>
+                <a:outerShdw blurRad="38100" dist="19050" dir="2700000" algn="tl" rotWithShape="0">
+                  <a:schemeClr val="dk1">
+                    <a:alpha val="40000"/>
+                  </a:schemeClr>
+                </a:outerShdw>
+              </a:effectLst>
+            </a:endParaRPr>
+          </a:p>
+        </p:txBody>
+      </p:sp>
+      <p:sp>
+        <p:nvSpPr>
+          <p:cNvPr id="21" name="矩形 20">
+            <a:extLst>
+              <a:ext uri="{FF2B5EF4-FFF2-40B4-BE49-F238E27FC236}">
+                <a16:creationId xmlns:a16="http://schemas.microsoft.com/office/drawing/2014/main" id="{00E314A9-F71B-7E5A-F4FE-177DC0BFB3CF}"/>
+              </a:ext>
+            </a:extLst>
+          </p:cNvPr>
+          <p:cNvSpPr/>
+          <p:nvPr/>
+        </p:nvSpPr>
+        <p:spPr>
+          <a:xfrm>
+            <a:off x="6698692" y="5291457"/>
+            <a:ext cx="1582484" cy="369332"/>
+          </a:xfrm>
+          <a:prstGeom prst="rect">
+            <a:avLst/>
+          </a:prstGeom>
+          <a:noFill/>
+        </p:spPr>
+        <p:txBody>
+          <a:bodyPr wrap="none" lIns="91440" tIns="45720" rIns="91440" bIns="45720">
+            <a:spAutoFit/>
+          </a:bodyPr>
+          <a:lstStyle/>
+          <a:p>
+            <a:pPr algn="ctr"/>
+            <a:r>
+              <a:rPr lang="zh-CN" altLang="en-US" cap="none" spc="0" dirty="0">
+                <a:ln w="0"/>
+                <a:solidFill>
+                  <a:schemeClr val="tx1"/>
+                </a:solidFill>
+                <a:effectLst>
+                  <a:outerShdw blurRad="38100" dist="19050" dir="2700000" algn="tl" rotWithShape="0">
+                    <a:schemeClr val="dk1">
+                      <a:alpha val="40000"/>
+                    </a:schemeClr>
+                  </a:outerShdw>
+                </a:effectLst>
+              </a:rPr>
+              <a:t>小组评分：</a:t>
+            </a:r>
+            <a:r>
+              <a:rPr lang="en-US" altLang="zh-CN" dirty="0">
+                <a:ln w="0"/>
+                <a:effectLst>
+                  <a:outerShdw blurRad="38100" dist="19050" dir="2700000" algn="tl" rotWithShape="0">
+                    <a:schemeClr val="dk1">
+                      <a:alpha val="40000"/>
+                    </a:schemeClr>
+                  </a:outerShdw>
+                </a:effectLst>
+              </a:rPr>
+              <a:t>87</a:t>
+            </a:r>
+            <a:endParaRPr lang="zh-CN" altLang="en-US" cap="none" spc="0" dirty="0">
+              <a:ln w="0"/>
+              <a:solidFill>
+                <a:schemeClr val="tx1"/>
+              </a:solidFill>
+              <a:effectLst>
+                <a:outerShdw blurRad="38100" dist="19050" dir="2700000" algn="tl" rotWithShape="0">
+                  <a:schemeClr val="dk1">
+                    <a:alpha val="40000"/>
+                  </a:schemeClr>
+                </a:outerShdw>
+              </a:effectLst>
+            </a:endParaRPr>
+          </a:p>
+        </p:txBody>
+      </p:sp>
+      <p:sp>
+        <p:nvSpPr>
+          <p:cNvPr id="23" name="矩形 22">
+            <a:extLst>
+              <a:ext uri="{FF2B5EF4-FFF2-40B4-BE49-F238E27FC236}">
+                <a16:creationId xmlns:a16="http://schemas.microsoft.com/office/drawing/2014/main" id="{B6E05911-A3B5-D566-161A-6F6A84023F24}"/>
+              </a:ext>
+            </a:extLst>
+          </p:cNvPr>
+          <p:cNvSpPr/>
+          <p:nvPr/>
+        </p:nvSpPr>
+        <p:spPr>
+          <a:xfrm>
+            <a:off x="9603464" y="5309240"/>
+            <a:ext cx="1582484" cy="369332"/>
+          </a:xfrm>
+          <a:prstGeom prst="rect">
+            <a:avLst/>
+          </a:prstGeom>
+          <a:noFill/>
+        </p:spPr>
+        <p:txBody>
+          <a:bodyPr wrap="none" lIns="91440" tIns="45720" rIns="91440" bIns="45720">
+            <a:spAutoFit/>
+          </a:bodyPr>
+          <a:lstStyle/>
+          <a:p>
+            <a:pPr algn="ctr"/>
+            <a:r>
+              <a:rPr lang="zh-CN" altLang="en-US" cap="none" spc="0" dirty="0">
+                <a:ln w="0"/>
+                <a:solidFill>
+                  <a:schemeClr val="tx1"/>
+                </a:solidFill>
+                <a:effectLst>
+                  <a:outerShdw blurRad="38100" dist="19050" dir="2700000" algn="tl" rotWithShape="0">
+                    <a:schemeClr val="dk1">
+                      <a:alpha val="40000"/>
+                    </a:schemeClr>
+                  </a:outerShdw>
+                </a:effectLst>
+              </a:rPr>
+              <a:t>小组评分</a:t>
+            </a:r>
+            <a:r>
+              <a:rPr lang="zh-CN" altLang="en-US" cap="none" spc="0">
+                <a:ln w="0"/>
+                <a:solidFill>
+                  <a:schemeClr val="tx1"/>
+                </a:solidFill>
+                <a:effectLst>
+                  <a:outerShdw blurRad="38100" dist="19050" dir="2700000" algn="tl" rotWithShape="0">
+                    <a:schemeClr val="dk1">
+                      <a:alpha val="40000"/>
+                    </a:schemeClr>
+                  </a:outerShdw>
+                </a:effectLst>
+              </a:rPr>
+              <a:t>：</a:t>
+            </a:r>
+            <a:r>
+              <a:rPr lang="en-US" altLang="zh-CN">
+                <a:ln w="0"/>
+                <a:effectLst>
+                  <a:outerShdw blurRad="38100" dist="19050" dir="2700000" algn="tl" rotWithShape="0">
+                    <a:schemeClr val="dk1">
+                      <a:alpha val="40000"/>
+                    </a:schemeClr>
+                  </a:outerShdw>
+                </a:effectLst>
+              </a:rPr>
+              <a:t>82</a:t>
+            </a:r>
+            <a:endParaRPr lang="zh-CN" altLang="en-US" cap="none" spc="0" dirty="0">
+              <a:ln w="0"/>
+              <a:solidFill>
+                <a:schemeClr val="tx1"/>
+              </a:solidFill>
+              <a:effectLst>
+                <a:outerShdw blurRad="38100" dist="19050" dir="2700000" algn="tl" rotWithShape="0">
+                  <a:schemeClr val="dk1">
+                    <a:alpha val="40000"/>
+                  </a:schemeClr>
+                </a:outerShdw>
+              </a:effectLst>
+            </a:endParaRPr>
           </a:p>
         </p:txBody>
       </p:sp>

--- a/doc/PPT/软件工程项目介绍PPT_2.1.pptx
+++ b/doc/PPT/软件工程项目介绍PPT_2.1.pptx
@@ -143,7 +143,7 @@
   <pc:docChgLst>
     <pc:chgData name="星榜 阮" userId="28304402c46bfd64" providerId="LiveId" clId="{A9148D38-8843-42B4-9A50-91738C75B8C1}"/>
     <pc:docChg chg="undo custSel addSld delSld modSld sldOrd">
-      <pc:chgData name="星榜 阮" userId="28304402c46bfd64" providerId="LiveId" clId="{A9148D38-8843-42B4-9A50-91738C75B8C1}" dt="2023-10-24T07:03:05.954" v="692" actId="20577"/>
+      <pc:chgData name="星榜 阮" userId="28304402c46bfd64" providerId="LiveId" clId="{A9148D38-8843-42B4-9A50-91738C75B8C1}" dt="2023-10-31T03:34:31.392" v="702"/>
       <pc:docMkLst>
         <pc:docMk/>
       </pc:docMkLst>
@@ -311,13 +311,13 @@
         </pc:picChg>
       </pc:sldChg>
       <pc:sldChg chg="modSp mod">
-        <pc:chgData name="星榜 阮" userId="28304402c46bfd64" providerId="LiveId" clId="{A9148D38-8843-42B4-9A50-91738C75B8C1}" dt="2023-10-24T06:35:54.422" v="41"/>
+        <pc:chgData name="星榜 阮" userId="28304402c46bfd64" providerId="LiveId" clId="{A9148D38-8843-42B4-9A50-91738C75B8C1}" dt="2023-10-31T03:34:31.392" v="702"/>
         <pc:sldMkLst>
           <pc:docMk/>
           <pc:sldMk cId="2299245397" sldId="708"/>
         </pc:sldMkLst>
         <pc:spChg chg="mod">
-          <ac:chgData name="星榜 阮" userId="28304402c46bfd64" providerId="LiveId" clId="{A9148D38-8843-42B4-9A50-91738C75B8C1}" dt="2023-10-24T06:34:39.634" v="8" actId="20577"/>
+          <ac:chgData name="星榜 阮" userId="28304402c46bfd64" providerId="LiveId" clId="{A9148D38-8843-42B4-9A50-91738C75B8C1}" dt="2023-10-31T03:34:31.392" v="702"/>
           <ac:spMkLst>
             <pc:docMk/>
             <pc:sldMk cId="2299245397" sldId="708"/>
@@ -745,7 +745,7 @@
           <a:p>
             <a:fld id="{CE07FAAA-C22F-4670-A5A1-FE163BFFB041}" type="datetimeFigureOut">
               <a:rPr lang="zh-CN" altLang="en-US" smtClean="0"/>
-              <a:t>2023/10/24</a:t>
+              <a:t>2023/10/31</a:t>
             </a:fld>
             <a:endParaRPr lang="zh-CN" altLang="en-US"/>
           </a:p>
@@ -943,7 +943,7 @@
           <a:p>
             <a:fld id="{CE07FAAA-C22F-4670-A5A1-FE163BFFB041}" type="datetimeFigureOut">
               <a:rPr lang="zh-CN" altLang="en-US" smtClean="0"/>
-              <a:t>2023/10/24</a:t>
+              <a:t>2023/10/31</a:t>
             </a:fld>
             <a:endParaRPr lang="zh-CN" altLang="en-US"/>
           </a:p>
@@ -1151,7 +1151,7 @@
           <a:p>
             <a:fld id="{CE07FAAA-C22F-4670-A5A1-FE163BFFB041}" type="datetimeFigureOut">
               <a:rPr lang="zh-CN" altLang="en-US" smtClean="0"/>
-              <a:t>2023/10/24</a:t>
+              <a:t>2023/10/31</a:t>
             </a:fld>
             <a:endParaRPr lang="zh-CN" altLang="en-US"/>
           </a:p>
@@ -1349,7 +1349,7 @@
           <a:p>
             <a:fld id="{CE07FAAA-C22F-4670-A5A1-FE163BFFB041}" type="datetimeFigureOut">
               <a:rPr lang="zh-CN" altLang="en-US" smtClean="0"/>
-              <a:t>2023/10/24</a:t>
+              <a:t>2023/10/31</a:t>
             </a:fld>
             <a:endParaRPr lang="zh-CN" altLang="en-US"/>
           </a:p>
@@ -1624,7 +1624,7 @@
           <a:p>
             <a:fld id="{CE07FAAA-C22F-4670-A5A1-FE163BFFB041}" type="datetimeFigureOut">
               <a:rPr lang="zh-CN" altLang="en-US" smtClean="0"/>
-              <a:t>2023/10/24</a:t>
+              <a:t>2023/10/31</a:t>
             </a:fld>
             <a:endParaRPr lang="zh-CN" altLang="en-US"/>
           </a:p>
@@ -1889,7 +1889,7 @@
           <a:p>
             <a:fld id="{CE07FAAA-C22F-4670-A5A1-FE163BFFB041}" type="datetimeFigureOut">
               <a:rPr lang="zh-CN" altLang="en-US" smtClean="0"/>
-              <a:t>2023/10/24</a:t>
+              <a:t>2023/10/31</a:t>
             </a:fld>
             <a:endParaRPr lang="zh-CN" altLang="en-US"/>
           </a:p>
@@ -2301,7 +2301,7 @@
           <a:p>
             <a:fld id="{CE07FAAA-C22F-4670-A5A1-FE163BFFB041}" type="datetimeFigureOut">
               <a:rPr lang="zh-CN" altLang="en-US" smtClean="0"/>
-              <a:t>2023/10/24</a:t>
+              <a:t>2023/10/31</a:t>
             </a:fld>
             <a:endParaRPr lang="zh-CN" altLang="en-US"/>
           </a:p>
@@ -2442,7 +2442,7 @@
           <a:p>
             <a:fld id="{CE07FAAA-C22F-4670-A5A1-FE163BFFB041}" type="datetimeFigureOut">
               <a:rPr lang="zh-CN" altLang="en-US" smtClean="0"/>
-              <a:t>2023/10/24</a:t>
+              <a:t>2023/10/31</a:t>
             </a:fld>
             <a:endParaRPr lang="zh-CN" altLang="en-US"/>
           </a:p>
@@ -2555,7 +2555,7 @@
           <a:p>
             <a:fld id="{CE07FAAA-C22F-4670-A5A1-FE163BFFB041}" type="datetimeFigureOut">
               <a:rPr lang="zh-CN" altLang="en-US" smtClean="0"/>
-              <a:t>2023/10/24</a:t>
+              <a:t>2023/10/31</a:t>
             </a:fld>
             <a:endParaRPr lang="zh-CN" altLang="en-US"/>
           </a:p>
@@ -2866,7 +2866,7 @@
           <a:p>
             <a:fld id="{CE07FAAA-C22F-4670-A5A1-FE163BFFB041}" type="datetimeFigureOut">
               <a:rPr lang="zh-CN" altLang="en-US" smtClean="0"/>
-              <a:t>2023/10/24</a:t>
+              <a:t>2023/10/31</a:t>
             </a:fld>
             <a:endParaRPr lang="zh-CN" altLang="en-US"/>
           </a:p>
@@ -3154,7 +3154,7 @@
           <a:p>
             <a:fld id="{CE07FAAA-C22F-4670-A5A1-FE163BFFB041}" type="datetimeFigureOut">
               <a:rPr lang="zh-CN" altLang="en-US" smtClean="0"/>
-              <a:t>2023/10/24</a:t>
+              <a:t>2023/10/31</a:t>
             </a:fld>
             <a:endParaRPr lang="zh-CN" altLang="en-US"/>
           </a:p>
@@ -3395,7 +3395,7 @@
           <a:p>
             <a:fld id="{CE07FAAA-C22F-4670-A5A1-FE163BFFB041}" type="datetimeFigureOut">
               <a:rPr lang="zh-CN" altLang="en-US" smtClean="0"/>
-              <a:t>2023/10/24</a:t>
+              <a:t>2023/10/31</a:t>
             </a:fld>
             <a:endParaRPr lang="zh-CN" altLang="en-US"/>
           </a:p>
